--- a/reference_content/Slides/TimeSeries.pptx
+++ b/reference_content/Slides/TimeSeries.pptx
@@ -19,9 +19,16 @@
     <p:sldId id="266" r:id="rId13"/>
     <p:sldId id="264" r:id="rId14"/>
     <p:sldId id="260" r:id="rId15"/>
-    <p:sldId id="267" r:id="rId16"/>
-    <p:sldId id="268" r:id="rId17"/>
-    <p:sldId id="269" r:id="rId18"/>
+    <p:sldId id="276" r:id="rId16"/>
+    <p:sldId id="277" r:id="rId17"/>
+    <p:sldId id="278" r:id="rId18"/>
+    <p:sldId id="273" r:id="rId19"/>
+    <p:sldId id="274" r:id="rId20"/>
+    <p:sldId id="267" r:id="rId21"/>
+    <p:sldId id="268" r:id="rId22"/>
+    <p:sldId id="275" r:id="rId23"/>
+    <p:sldId id="279" r:id="rId24"/>
+    <p:sldId id="269" r:id="rId25"/>
   </p:sldIdLst>
   <p:sldSz cx="12192000" cy="6858000"/>
   <p:notesSz cx="6858000" cy="9144000"/>
@@ -267,7 +274,7 @@
           <a:p>
             <a:fld id="{7CAF7FD4-E345-3B4F-B408-1EAACE559263}" type="datetimeFigureOut">
               <a:rPr lang="en-US" smtClean="0"/>
-              <a:t>3/7/23</a:t>
+              <a:t>3/19/24</a:t>
             </a:fld>
             <a:endParaRPr lang="en-US"/>
           </a:p>
@@ -478,7 +485,7 @@
           <a:p>
             <a:fld id="{7CAF7FD4-E345-3B4F-B408-1EAACE559263}" type="datetimeFigureOut">
               <a:rPr lang="en-US" smtClean="0"/>
-              <a:t>3/7/23</a:t>
+              <a:t>3/19/24</a:t>
             </a:fld>
             <a:endParaRPr lang="en-US"/>
           </a:p>
@@ -693,7 +700,7 @@
           <a:p>
             <a:fld id="{7CAF7FD4-E345-3B4F-B408-1EAACE559263}" type="datetimeFigureOut">
               <a:rPr lang="en-US" smtClean="0"/>
-              <a:t>3/7/23</a:t>
+              <a:t>3/19/24</a:t>
             </a:fld>
             <a:endParaRPr lang="en-US"/>
           </a:p>
@@ -894,7 +901,7 @@
           <a:p>
             <a:fld id="{7CAF7FD4-E345-3B4F-B408-1EAACE559263}" type="datetimeFigureOut">
               <a:rPr lang="en-US" smtClean="0"/>
-              <a:t>3/7/23</a:t>
+              <a:t>3/19/24</a:t>
             </a:fld>
             <a:endParaRPr lang="en-US"/>
           </a:p>
@@ -1173,7 +1180,7 @@
           <a:p>
             <a:fld id="{7CAF7FD4-E345-3B4F-B408-1EAACE559263}" type="datetimeFigureOut">
               <a:rPr lang="en-US" smtClean="0"/>
-              <a:t>3/7/23</a:t>
+              <a:t>3/19/24</a:t>
             </a:fld>
             <a:endParaRPr lang="en-US"/>
           </a:p>
@@ -1441,7 +1448,7 @@
           <a:p>
             <a:fld id="{7CAF7FD4-E345-3B4F-B408-1EAACE559263}" type="datetimeFigureOut">
               <a:rPr lang="en-US" smtClean="0"/>
-              <a:t>3/7/23</a:t>
+              <a:t>3/19/24</a:t>
             </a:fld>
             <a:endParaRPr lang="en-US"/>
           </a:p>
@@ -1857,7 +1864,7 @@
           <a:p>
             <a:fld id="{7CAF7FD4-E345-3B4F-B408-1EAACE559263}" type="datetimeFigureOut">
               <a:rPr lang="en-US" smtClean="0"/>
-              <a:t>3/7/23</a:t>
+              <a:t>3/19/24</a:t>
             </a:fld>
             <a:endParaRPr lang="en-US"/>
           </a:p>
@@ -2006,7 +2013,7 @@
           <a:p>
             <a:fld id="{7CAF7FD4-E345-3B4F-B408-1EAACE559263}" type="datetimeFigureOut">
               <a:rPr lang="en-US" smtClean="0"/>
-              <a:t>3/7/23</a:t>
+              <a:t>3/19/24</a:t>
             </a:fld>
             <a:endParaRPr lang="en-US"/>
           </a:p>
@@ -2132,7 +2139,7 @@
           <a:p>
             <a:fld id="{7CAF7FD4-E345-3B4F-B408-1EAACE559263}" type="datetimeFigureOut">
               <a:rPr lang="en-US" smtClean="0"/>
-              <a:t>3/7/23</a:t>
+              <a:t>3/19/24</a:t>
             </a:fld>
             <a:endParaRPr lang="en-US"/>
           </a:p>
@@ -2383,7 +2390,7 @@
           <a:p>
             <a:fld id="{7CAF7FD4-E345-3B4F-B408-1EAACE559263}" type="datetimeFigureOut">
               <a:rPr lang="en-US" smtClean="0"/>
-              <a:t>3/7/23</a:t>
+              <a:t>3/19/24</a:t>
             </a:fld>
             <a:endParaRPr lang="en-US"/>
           </a:p>
@@ -2828,7 +2835,7 @@
           <a:p>
             <a:fld id="{7CAF7FD4-E345-3B4F-B408-1EAACE559263}" type="datetimeFigureOut">
               <a:rPr lang="en-US" smtClean="0"/>
-              <a:t>3/7/23</a:t>
+              <a:t>3/19/24</a:t>
             </a:fld>
             <a:endParaRPr lang="en-US"/>
           </a:p>
@@ -3155,7 +3162,7 @@
           <a:p>
             <a:fld id="{7CAF7FD4-E345-3B4F-B408-1EAACE559263}" type="datetimeFigureOut">
               <a:rPr lang="en-US" smtClean="0"/>
-              <a:t>3/7/23</a:t>
+              <a:t>3/19/24</a:t>
             </a:fld>
             <a:endParaRPr lang="en-US"/>
           </a:p>
@@ -4374,6 +4381,30 @@
 <file path=ppt/slides/slide15.xml><?xml version="1.0" encoding="utf-8"?>
 <p:sld xmlns:a="http://schemas.openxmlformats.org/drawingml/2006/main" xmlns:r="http://schemas.openxmlformats.org/officeDocument/2006/relationships" xmlns:p="http://schemas.openxmlformats.org/presentationml/2006/main">
   <p:cSld>
+    <p:bg>
+      <p:bgPr>
+        <a:gradFill rotWithShape="1">
+          <a:gsLst>
+            <a:gs pos="0">
+              <a:schemeClr val="bg2">
+                <a:tint val="94000"/>
+                <a:satMod val="80000"/>
+                <a:lumMod val="106000"/>
+              </a:schemeClr>
+            </a:gs>
+            <a:gs pos="100000">
+              <a:schemeClr val="bg2">
+                <a:shade val="80000"/>
+              </a:schemeClr>
+            </a:gs>
+          </a:gsLst>
+          <a:path path="circle">
+            <a:fillToRect l="43000" r="43000" b="100000"/>
+          </a:path>
+        </a:gradFill>
+        <a:effectLst/>
+      </p:bgPr>
+    </p:bg>
     <p:spTree>
       <p:nvGrpSpPr>
         <p:cNvPr id="1" name=""/>
@@ -4393,7 +4424,7 @@
           <p:cNvPr id="2" name="Title 1">
             <a:extLst>
               <a:ext uri="{FF2B5EF4-FFF2-40B4-BE49-F238E27FC236}">
-                <a16:creationId xmlns:a16="http://schemas.microsoft.com/office/drawing/2014/main" id="{19192875-568E-E27F-EF8C-0E63853062C2}"/>
+                <a16:creationId xmlns:a16="http://schemas.microsoft.com/office/drawing/2014/main" id="{8F02F363-3042-4442-0A02-0FD28191AE9A}"/>
               </a:ext>
             </a:extLst>
           </p:cNvPr>
@@ -4404,24 +4435,77 @@
             <p:ph type="title"/>
           </p:nvPr>
         </p:nvSpPr>
-        <p:spPr/>
-        <p:txBody>
-          <a:bodyPr/>
-          <a:lstStyle/>
-          <a:p>
-            <a:r>
-              <a:rPr lang="en-US" dirty="0"/>
-              <a:t>Facebook Prophet</a:t>
-            </a:r>
-          </a:p>
-        </p:txBody>
-      </p:sp>
+        <p:spPr>
+          <a:xfrm>
+            <a:off x="1451579" y="804519"/>
+            <a:ext cx="9603275" cy="1049235"/>
+          </a:xfrm>
+        </p:spPr>
+        <p:txBody>
+          <a:bodyPr>
+            <a:normAutofit/>
+          </a:bodyPr>
+          <a:lstStyle/>
+          <a:p>
+            <a:r>
+              <a:rPr lang="en-US" dirty="0"/>
+              <a:t>Data Splits in Time</a:t>
+            </a:r>
+          </a:p>
+        </p:txBody>
+      </p:sp>
+      <p:pic>
+        <p:nvPicPr>
+          <p:cNvPr id="1026" name="Picture 2" descr="Train/Test Split and Cross Validation - A Python Tutorial - AlgoTrading101  Blog">
+            <a:extLst>
+              <a:ext uri="{FF2B5EF4-FFF2-40B4-BE49-F238E27FC236}">
+                <a16:creationId xmlns:a16="http://schemas.microsoft.com/office/drawing/2014/main" id="{65D73C26-95D9-56F2-1592-B5B743E9D5F9}"/>
+              </a:ext>
+            </a:extLst>
+          </p:cNvPr>
+          <p:cNvPicPr>
+            <a:picLocks noChangeAspect="1" noChangeArrowheads="1"/>
+          </p:cNvPicPr>
+          <p:nvPr/>
+        </p:nvPicPr>
+        <p:blipFill>
+          <a:blip r:embed="rId2">
+            <a:extLst>
+              <a:ext uri="{28A0092B-C50C-407E-A947-70E740481C1C}">
+                <a14:useLocalDpi xmlns:a14="http://schemas.microsoft.com/office/drawing/2010/main" val="0"/>
+              </a:ext>
+            </a:extLst>
+          </a:blip>
+          <a:stretch>
+            <a:fillRect/>
+          </a:stretch>
+        </p:blipFill>
+        <p:spPr bwMode="auto">
+          <a:xfrm>
+            <a:off x="0" y="2262265"/>
+            <a:ext cx="6419748" cy="3450613"/>
+          </a:xfrm>
+          <a:prstGeom prst="rect">
+            <a:avLst/>
+          </a:prstGeom>
+          <a:noFill/>
+          <a:extLst>
+            <a:ext uri="{909E8E84-426E-40DD-AFC4-6F175D3DCCD1}">
+              <a14:hiddenFill xmlns:a14="http://schemas.microsoft.com/office/drawing/2010/main">
+                <a:solidFill>
+                  <a:srgbClr val="FFFFFF"/>
+                </a:solidFill>
+              </a14:hiddenFill>
+            </a:ext>
+          </a:extLst>
+        </p:spPr>
+      </p:pic>
       <p:sp>
         <p:nvSpPr>
           <p:cNvPr id="3" name="Content Placeholder 2">
             <a:extLst>
               <a:ext uri="{FF2B5EF4-FFF2-40B4-BE49-F238E27FC236}">
-                <a16:creationId xmlns:a16="http://schemas.microsoft.com/office/drawing/2014/main" id="{BBD86F92-A329-D6B9-24F3-6095A7021DE0}"/>
+                <a16:creationId xmlns:a16="http://schemas.microsoft.com/office/drawing/2014/main" id="{C7DE5F5A-C165-2E53-CDF1-432BADE9B25E}"/>
               </a:ext>
             </a:extLst>
           </p:cNvPr>
@@ -4434,73 +4518,32 @@
         </p:nvSpPr>
         <p:spPr>
           <a:xfrm>
-            <a:off x="1451579" y="2015732"/>
-            <a:ext cx="9603275" cy="4037749"/>
+            <a:off x="6419748" y="2015734"/>
+            <a:ext cx="5772251" cy="3450613"/>
           </a:xfrm>
         </p:spPr>
         <p:txBody>
           <a:bodyPr>
-            <a:normAutofit lnSpcReduction="10000"/>
+            <a:normAutofit/>
           </a:bodyPr>
           <a:lstStyle/>
           <a:p>
             <a:r>
               <a:rPr lang="en-US" dirty="0"/>
-              <a:t>Facebook Prophet is a library that is well setup to handle common time-series problems:</a:t>
+              <a:t>The idea of a train-test split is different in a time series scenario. </a:t>
             </a:r>
           </a:p>
           <a:p>
             <a:pPr lvl="1"/>
             <a:r>
               <a:rPr lang="en-US" dirty="0"/>
-              <a:t>Handles events such as holidays, including custom lists. </a:t>
-            </a:r>
-          </a:p>
-          <a:p>
-            <a:pPr lvl="1"/>
-            <a:r>
-              <a:rPr lang="en-US" dirty="0"/>
-              <a:t>Can be set to anticipate change points, e.g. product launches. </a:t>
-            </a:r>
-          </a:p>
-          <a:p>
-            <a:pPr lvl="1"/>
-            <a:r>
-              <a:rPr lang="en-US" dirty="0"/>
-              <a:t>Provides useful things like plotting and cross validation. </a:t>
-            </a:r>
-          </a:p>
-          <a:p>
-            <a:pPr lvl="1"/>
-            <a:r>
-              <a:rPr lang="en-US" dirty="0"/>
-              <a:t>Can handle additional regressors. </a:t>
-            </a:r>
-          </a:p>
-          <a:p>
-            <a:r>
-              <a:rPr lang="en-US" dirty="0"/>
-              <a:t>We can use a Prophet model much like the above models, with slightly different syntax. </a:t>
-            </a:r>
-          </a:p>
-          <a:p>
-            <a:r>
-              <a:rPr lang="en-US" dirty="0"/>
-              <a:t>There are several other libraries that handle time-series data similarly. </a:t>
-            </a:r>
-          </a:p>
-          <a:p>
-            <a:pPr lvl="1"/>
-            <a:r>
-              <a:rPr lang="en-US" dirty="0"/>
-              <a:t>Modern implementations are based on recurrent neural networks (RNNs) or transformer based neural networks. </a:t>
-            </a:r>
-          </a:p>
-          <a:p>
-            <a:pPr lvl="1"/>
-            <a:r>
-              <a:rPr lang="en-US" dirty="0"/>
-              <a:t>Neural networks well suited to sequential data. Seen with language models. </a:t>
+              <a:t>Randomized selections don’t make sense. </a:t>
+            </a:r>
+          </a:p>
+          <a:p>
+            <a:r>
+              <a:rPr lang="en-US" dirty="0"/>
+              <a:t>The “end” is the test data, normally. </a:t>
             </a:r>
           </a:p>
         </p:txBody>
@@ -4508,7 +4551,7 @@
     </p:spTree>
     <p:extLst>
       <p:ext uri="{BB962C8B-B14F-4D97-AF65-F5344CB8AC3E}">
-        <p14:creationId xmlns:p14="http://schemas.microsoft.com/office/powerpoint/2010/main" val="910616763"/>
+        <p14:creationId xmlns:p14="http://schemas.microsoft.com/office/powerpoint/2010/main" val="3074098105"/>
       </p:ext>
     </p:extLst>
   </p:cSld>
@@ -4540,7 +4583,7 @@
           <p:cNvPr id="2" name="Title 1">
             <a:extLst>
               <a:ext uri="{FF2B5EF4-FFF2-40B4-BE49-F238E27FC236}">
-                <a16:creationId xmlns:a16="http://schemas.microsoft.com/office/drawing/2014/main" id="{44FF2E50-6EDB-B2D2-D936-C7FAD2E53B07}"/>
+                <a16:creationId xmlns:a16="http://schemas.microsoft.com/office/drawing/2014/main" id="{45AFEB03-F569-127D-BACE-8B1BE1D1F824}"/>
               </a:ext>
             </a:extLst>
           </p:cNvPr>
@@ -4558,7 +4601,7 @@
           <a:p>
             <a:r>
               <a:rPr lang="en-US" dirty="0"/>
-              <a:t>Additional Regressors</a:t>
+              <a:t>With Cross validation</a:t>
             </a:r>
           </a:p>
         </p:txBody>
@@ -4568,7 +4611,7 @@
           <p:cNvPr id="3" name="Content Placeholder 2">
             <a:extLst>
               <a:ext uri="{FF2B5EF4-FFF2-40B4-BE49-F238E27FC236}">
-                <a16:creationId xmlns:a16="http://schemas.microsoft.com/office/drawing/2014/main" id="{AE53330D-6FAA-AD5C-6553-A18C115B0B20}"/>
+                <a16:creationId xmlns:a16="http://schemas.microsoft.com/office/drawing/2014/main" id="{77CA433B-A410-34D2-CDFF-C59C620D6E66}"/>
               </a:ext>
             </a:extLst>
           </p:cNvPr>
@@ -4581,64 +4624,78 @@
         </p:nvSpPr>
         <p:spPr>
           <a:xfrm>
-            <a:off x="1451579" y="1853754"/>
-            <a:ext cx="9603275" cy="4199727"/>
-          </a:xfrm>
-        </p:spPr>
-        <p:txBody>
-          <a:bodyPr/>
-          <a:lstStyle/>
-          <a:p>
-            <a:r>
-              <a:rPr lang="en-US" dirty="0"/>
-              <a:t>Much like a classification or regression we can have multiple features. </a:t>
-            </a:r>
-          </a:p>
-          <a:p>
-            <a:r>
-              <a:rPr lang="en-US" dirty="0"/>
-              <a:t>With a time-series we can add more regressors (using Prophet). </a:t>
-            </a:r>
-          </a:p>
-          <a:p>
-            <a:r>
-              <a:rPr lang="en-US" dirty="0"/>
-              <a:t>The regressors must exist for the data that we’re predicting. </a:t>
-            </a:r>
-          </a:p>
-          <a:p>
-            <a:pPr lvl="1"/>
-            <a:r>
-              <a:rPr lang="en-US" dirty="0"/>
-              <a:t>E.g. if we are using the barometric pressure to predict the temp next week, we need to have that pressure value as an input. </a:t>
-            </a:r>
-          </a:p>
-          <a:p>
-            <a:pPr lvl="1"/>
-            <a:r>
-              <a:rPr lang="en-US" dirty="0"/>
-              <a:t>This is the main drawback to adding regressors to time series models – we don’t know them.</a:t>
-            </a:r>
-          </a:p>
-          <a:p>
-            <a:pPr lvl="1"/>
-            <a:r>
-              <a:rPr lang="en-US" dirty="0"/>
-              <a:t>We can make a forecast for those values, or construct regressors that can be known in advance (e.g. average past 3 days of barometric pressure.)</a:t>
-            </a:r>
-          </a:p>
-          <a:p>
-            <a:r>
-              <a:rPr lang="en-US" dirty="0"/>
-              <a:t>Many times, even if these regressors add more info, we don’t have a way to create a model that properly captures that info properly. Simple may be better. </a:t>
-            </a:r>
-          </a:p>
-        </p:txBody>
-      </p:sp>
+            <a:off x="1451579" y="2015733"/>
+            <a:ext cx="9603275" cy="1260868"/>
+          </a:xfrm>
+        </p:spPr>
+        <p:txBody>
+          <a:bodyPr/>
+          <a:lstStyle/>
+          <a:p>
+            <a:r>
+              <a:rPr lang="en-US" dirty="0"/>
+              <a:t>With cross validation, we need to do a similar split, but moving over time. </a:t>
+            </a:r>
+          </a:p>
+          <a:p>
+            <a:r>
+              <a:rPr lang="en-US" dirty="0"/>
+              <a:t>If there’s a trend that we haven’t captured, that’ll impact things with drift here. </a:t>
+            </a:r>
+          </a:p>
+        </p:txBody>
+      </p:sp>
+      <p:pic>
+        <p:nvPicPr>
+          <p:cNvPr id="2050" name="Picture 2" descr="Is a random sample a good approach to partition a time series into training  and validation data sets? Why or why not? - Quora">
+            <a:extLst>
+              <a:ext uri="{FF2B5EF4-FFF2-40B4-BE49-F238E27FC236}">
+                <a16:creationId xmlns:a16="http://schemas.microsoft.com/office/drawing/2014/main" id="{8198495F-FBA3-D64D-87DE-8F68AF0241A3}"/>
+              </a:ext>
+            </a:extLst>
+          </p:cNvPr>
+          <p:cNvPicPr>
+            <a:picLocks noChangeAspect="1" noChangeArrowheads="1"/>
+          </p:cNvPicPr>
+          <p:nvPr/>
+        </p:nvPicPr>
+        <p:blipFill>
+          <a:blip r:embed="rId2">
+            <a:extLst>
+              <a:ext uri="{28A0092B-C50C-407E-A947-70E740481C1C}">
+                <a14:useLocalDpi xmlns:a14="http://schemas.microsoft.com/office/drawing/2010/main" val="0"/>
+              </a:ext>
+            </a:extLst>
+          </a:blip>
+          <a:srcRect/>
+          <a:stretch>
+            <a:fillRect/>
+          </a:stretch>
+        </p:blipFill>
+        <p:spPr bwMode="auto">
+          <a:xfrm>
+            <a:off x="2273300" y="3276600"/>
+            <a:ext cx="7645400" cy="3581400"/>
+          </a:xfrm>
+          <a:prstGeom prst="rect">
+            <a:avLst/>
+          </a:prstGeom>
+          <a:noFill/>
+          <a:extLst>
+            <a:ext uri="{909E8E84-426E-40DD-AFC4-6F175D3DCCD1}">
+              <a14:hiddenFill xmlns:a14="http://schemas.microsoft.com/office/drawing/2010/main">
+                <a:solidFill>
+                  <a:srgbClr val="FFFFFF"/>
+                </a:solidFill>
+              </a14:hiddenFill>
+            </a:ext>
+          </a:extLst>
+        </p:spPr>
+      </p:pic>
     </p:spTree>
     <p:extLst>
       <p:ext uri="{BB962C8B-B14F-4D97-AF65-F5344CB8AC3E}">
-        <p14:creationId xmlns:p14="http://schemas.microsoft.com/office/powerpoint/2010/main" val="583412968"/>
+        <p14:creationId xmlns:p14="http://schemas.microsoft.com/office/powerpoint/2010/main" val="287286824"/>
       </p:ext>
     </p:extLst>
   </p:cSld>
@@ -4670,7 +4727,7 @@
           <p:cNvPr id="2" name="Title 1">
             <a:extLst>
               <a:ext uri="{FF2B5EF4-FFF2-40B4-BE49-F238E27FC236}">
-                <a16:creationId xmlns:a16="http://schemas.microsoft.com/office/drawing/2014/main" id="{C965BD4C-1366-F7CE-BB72-33EBDC782A79}"/>
+                <a16:creationId xmlns:a16="http://schemas.microsoft.com/office/drawing/2014/main" id="{8E4317FF-FD83-F6DC-2A65-97914BFB2CC9}"/>
               </a:ext>
             </a:extLst>
           </p:cNvPr>
@@ -4686,10 +4743,7 @@
           <a:bodyPr/>
           <a:lstStyle/>
           <a:p>
-            <a:r>
-              <a:rPr lang="en-US" dirty="0"/>
-              <a:t>Time Series Conclusion</a:t>
-            </a:r>
+            <a:endParaRPr lang="en-US"/>
           </a:p>
         </p:txBody>
       </p:sp>
@@ -4698,7 +4752,7 @@
           <p:cNvPr id="3" name="Content Placeholder 2">
             <a:extLst>
               <a:ext uri="{FF2B5EF4-FFF2-40B4-BE49-F238E27FC236}">
-                <a16:creationId xmlns:a16="http://schemas.microsoft.com/office/drawing/2014/main" id="{C6023275-8696-EE31-2C2B-7B9C2E9A520D}"/>
+                <a16:creationId xmlns:a16="http://schemas.microsoft.com/office/drawing/2014/main" id="{7E723371-95C1-6DCD-7F38-C646E65BF0EF}"/>
               </a:ext>
             </a:extLst>
           </p:cNvPr>
@@ -4709,60 +4763,358 @@
             <p:ph idx="1"/>
           </p:nvPr>
         </p:nvSpPr>
-        <p:spPr>
-          <a:xfrm>
-            <a:off x="1271239" y="2015732"/>
-            <a:ext cx="10136459" cy="4037749"/>
-          </a:xfrm>
-        </p:spPr>
-        <p:txBody>
-          <a:bodyPr/>
-          <a:lstStyle/>
-          <a:p>
-            <a:r>
-              <a:rPr lang="en-US" dirty="0"/>
-              <a:t>Sequential or time-series data requires a slightly different approach to predictions. </a:t>
-            </a:r>
-          </a:p>
-          <a:p>
-            <a:pPr lvl="1"/>
-            <a:r>
-              <a:rPr lang="en-US" dirty="0"/>
-              <a:t>Simple models only have one value, and we attempt to make a model that captures its patterns. </a:t>
-            </a:r>
-          </a:p>
-          <a:p>
-            <a:pPr lvl="1"/>
-            <a:r>
-              <a:rPr lang="en-US" dirty="0"/>
-              <a:t>Larger models require some ad-hoc dataset construction to make sense. </a:t>
-            </a:r>
-          </a:p>
-          <a:p>
-            <a:pPr lvl="1"/>
-            <a:r>
-              <a:rPr lang="en-US" dirty="0"/>
-              <a:t>Time-series often requires different, and more, data prep before we can model. </a:t>
-            </a:r>
-          </a:p>
-          <a:p>
-            <a:r>
-              <a:rPr lang="en-US" dirty="0"/>
-              <a:t>Rule-of-Thumb – start with a simple model, and complexity if needed. </a:t>
-            </a:r>
-          </a:p>
-          <a:p>
-            <a:r>
-              <a:rPr lang="en-US" dirty="0"/>
-              <a:t>Time-series models are rapidly developing with language/translation and other generative models. </a:t>
-            </a:r>
-          </a:p>
-        </p:txBody>
-      </p:sp>
+        <p:spPr/>
+        <p:txBody>
+          <a:bodyPr/>
+          <a:lstStyle/>
+          <a:p>
+            <a:endParaRPr lang="en-US"/>
+          </a:p>
+        </p:txBody>
+      </p:sp>
+      <p:pic>
+        <p:nvPicPr>
+          <p:cNvPr id="3074" name="Picture 2" descr="Sktime – Python Toolbox For Machine Learning With Time, 52% OFF">
+            <a:extLst>
+              <a:ext uri="{FF2B5EF4-FFF2-40B4-BE49-F238E27FC236}">
+                <a16:creationId xmlns:a16="http://schemas.microsoft.com/office/drawing/2014/main" id="{660AE7F4-BAAA-5F42-04E1-737DBC313DAE}"/>
+              </a:ext>
+            </a:extLst>
+          </p:cNvPr>
+          <p:cNvPicPr>
+            <a:picLocks noChangeAspect="1" noChangeArrowheads="1"/>
+          </p:cNvPicPr>
+          <p:nvPr/>
+        </p:nvPicPr>
+        <p:blipFill>
+          <a:blip r:embed="rId2">
+            <a:extLst>
+              <a:ext uri="{28A0092B-C50C-407E-A947-70E740481C1C}">
+                <a14:useLocalDpi xmlns:a14="http://schemas.microsoft.com/office/drawing/2010/main" val="0"/>
+              </a:ext>
+            </a:extLst>
+          </a:blip>
+          <a:srcRect/>
+          <a:stretch>
+            <a:fillRect/>
+          </a:stretch>
+        </p:blipFill>
+        <p:spPr bwMode="auto">
+          <a:xfrm>
+            <a:off x="339725" y="0"/>
+            <a:ext cx="11510963" cy="6858000"/>
+          </a:xfrm>
+          <a:prstGeom prst="rect">
+            <a:avLst/>
+          </a:prstGeom>
+          <a:noFill/>
+          <a:extLst>
+            <a:ext uri="{909E8E84-426E-40DD-AFC4-6F175D3DCCD1}">
+              <a14:hiddenFill xmlns:a14="http://schemas.microsoft.com/office/drawing/2010/main">
+                <a:solidFill>
+                  <a:srgbClr val="FFFFFF"/>
+                </a:solidFill>
+              </a14:hiddenFill>
+            </a:ext>
+          </a:extLst>
+        </p:spPr>
+      </p:pic>
     </p:spTree>
     <p:extLst>
       <p:ext uri="{BB962C8B-B14F-4D97-AF65-F5344CB8AC3E}">
-        <p14:creationId xmlns:p14="http://schemas.microsoft.com/office/powerpoint/2010/main" val="164357066"/>
+        <p14:creationId xmlns:p14="http://schemas.microsoft.com/office/powerpoint/2010/main" val="1668522858"/>
+      </p:ext>
+    </p:extLst>
+  </p:cSld>
+  <p:clrMapOvr>
+    <a:masterClrMapping/>
+  </p:clrMapOvr>
+</p:sld>
+</file>
+
+<file path=ppt/slides/slide18.xml><?xml version="1.0" encoding="utf-8"?>
+<p:sld xmlns:a="http://schemas.openxmlformats.org/drawingml/2006/main" xmlns:r="http://schemas.openxmlformats.org/officeDocument/2006/relationships" xmlns:p="http://schemas.openxmlformats.org/presentationml/2006/main">
+  <p:cSld>
+    <p:spTree>
+      <p:nvGrpSpPr>
+        <p:cNvPr id="1" name=""/>
+        <p:cNvGrpSpPr/>
+        <p:nvPr/>
+      </p:nvGrpSpPr>
+      <p:grpSpPr>
+        <a:xfrm>
+          <a:off x="0" y="0"/>
+          <a:ext cx="0" cy="0"/>
+          <a:chOff x="0" y="0"/>
+          <a:chExt cx="0" cy="0"/>
+        </a:xfrm>
+      </p:grpSpPr>
+      <p:sp>
+        <p:nvSpPr>
+          <p:cNvPr id="2" name="Title 1">
+            <a:extLst>
+              <a:ext uri="{FF2B5EF4-FFF2-40B4-BE49-F238E27FC236}">
+                <a16:creationId xmlns:a16="http://schemas.microsoft.com/office/drawing/2014/main" id="{7918DD57-685F-9106-A246-52DA83E487AF}"/>
+              </a:ext>
+            </a:extLst>
+          </p:cNvPr>
+          <p:cNvSpPr>
+            <a:spLocks noGrp="1"/>
+          </p:cNvSpPr>
+          <p:nvPr>
+            <p:ph type="title"/>
+          </p:nvPr>
+        </p:nvSpPr>
+        <p:spPr/>
+        <p:txBody>
+          <a:bodyPr/>
+          <a:lstStyle/>
+          <a:p>
+            <a:r>
+              <a:rPr lang="en-US" dirty="0"/>
+              <a:t>ARIMA-d Up</a:t>
+            </a:r>
+          </a:p>
+        </p:txBody>
+      </p:sp>
+      <p:sp>
+        <p:nvSpPr>
+          <p:cNvPr id="3" name="Content Placeholder 2">
+            <a:extLst>
+              <a:ext uri="{FF2B5EF4-FFF2-40B4-BE49-F238E27FC236}">
+                <a16:creationId xmlns:a16="http://schemas.microsoft.com/office/drawing/2014/main" id="{5DFC05F1-1780-38C0-3A3E-8D342C5F1611}"/>
+              </a:ext>
+            </a:extLst>
+          </p:cNvPr>
+          <p:cNvSpPr>
+            <a:spLocks noGrp="1"/>
+          </p:cNvSpPr>
+          <p:nvPr>
+            <p:ph idx="1"/>
+          </p:nvPr>
+        </p:nvSpPr>
+        <p:spPr>
+          <a:xfrm>
+            <a:off x="1451579" y="1853754"/>
+            <a:ext cx="9603275" cy="4110076"/>
+          </a:xfrm>
+        </p:spPr>
+        <p:txBody>
+          <a:bodyPr/>
+          <a:lstStyle/>
+          <a:p>
+            <a:r>
+              <a:rPr lang="en-US" dirty="0"/>
+              <a:t>The ARIMA model type is a ‘basic’ one – a more elaborate moving average. </a:t>
+            </a:r>
+          </a:p>
+          <a:p>
+            <a:pPr lvl="1"/>
+            <a:r>
+              <a:rPr lang="en-US" dirty="0"/>
+              <a:t>I.e. it is ‘pure stats’ and is an old way of making these projections. </a:t>
+            </a:r>
+          </a:p>
+          <a:p>
+            <a:r>
+              <a:rPr lang="en-US" dirty="0"/>
+              <a:t>Pros:</a:t>
+            </a:r>
+          </a:p>
+          <a:p>
+            <a:pPr lvl="1"/>
+            <a:r>
+              <a:rPr lang="en-US" dirty="0"/>
+              <a:t>Simple, transparent, generally less overfitting/variance error. </a:t>
+            </a:r>
+          </a:p>
+          <a:p>
+            <a:pPr lvl="1"/>
+            <a:r>
+              <a:rPr lang="en-US" dirty="0"/>
+              <a:t>Single digits of number of weights trained during fitting. </a:t>
+            </a:r>
+          </a:p>
+          <a:p>
+            <a:pPr lvl="1"/>
+            <a:endParaRPr lang="en-US" dirty="0"/>
+          </a:p>
+          <a:p>
+            <a:r>
+              <a:rPr lang="en-US" dirty="0"/>
+              <a:t>Cons:</a:t>
+            </a:r>
+          </a:p>
+          <a:p>
+            <a:pPr lvl="1"/>
+            <a:r>
+              <a:rPr lang="en-US" dirty="0"/>
+              <a:t>Potentially too simple, not adaptable to variable scenarios. </a:t>
+            </a:r>
+          </a:p>
+          <a:p>
+            <a:pPr lvl="1"/>
+            <a:r>
+              <a:rPr lang="en-US" dirty="0"/>
+              <a:t>Low capacity to adapt – too much bias error, especially in complex scenarios. </a:t>
+            </a:r>
+          </a:p>
+        </p:txBody>
+      </p:sp>
+    </p:spTree>
+    <p:extLst>
+      <p:ext uri="{BB962C8B-B14F-4D97-AF65-F5344CB8AC3E}">
+        <p14:creationId xmlns:p14="http://schemas.microsoft.com/office/powerpoint/2010/main" val="2830739107"/>
+      </p:ext>
+    </p:extLst>
+  </p:cSld>
+  <p:clrMapOvr>
+    <a:masterClrMapping/>
+  </p:clrMapOvr>
+</p:sld>
+</file>
+
+<file path=ppt/slides/slide19.xml><?xml version="1.0" encoding="utf-8"?>
+<p:sld xmlns:a="http://schemas.openxmlformats.org/drawingml/2006/main" xmlns:r="http://schemas.openxmlformats.org/officeDocument/2006/relationships" xmlns:p="http://schemas.openxmlformats.org/presentationml/2006/main">
+  <p:cSld>
+    <p:spTree>
+      <p:nvGrpSpPr>
+        <p:cNvPr id="1" name=""/>
+        <p:cNvGrpSpPr/>
+        <p:nvPr/>
+      </p:nvGrpSpPr>
+      <p:grpSpPr>
+        <a:xfrm>
+          <a:off x="0" y="0"/>
+          <a:ext cx="0" cy="0"/>
+          <a:chOff x="0" y="0"/>
+          <a:chExt cx="0" cy="0"/>
+        </a:xfrm>
+      </p:grpSpPr>
+      <p:sp>
+        <p:nvSpPr>
+          <p:cNvPr id="2" name="Title 1">
+            <a:extLst>
+              <a:ext uri="{FF2B5EF4-FFF2-40B4-BE49-F238E27FC236}">
+                <a16:creationId xmlns:a16="http://schemas.microsoft.com/office/drawing/2014/main" id="{DA5678F7-635A-D40C-AD90-AAADEA13E967}"/>
+              </a:ext>
+            </a:extLst>
+          </p:cNvPr>
+          <p:cNvSpPr>
+            <a:spLocks noGrp="1"/>
+          </p:cNvSpPr>
+          <p:nvPr>
+            <p:ph type="title"/>
+          </p:nvPr>
+        </p:nvSpPr>
+        <p:spPr/>
+        <p:txBody>
+          <a:bodyPr/>
+          <a:lstStyle/>
+          <a:p>
+            <a:r>
+              <a:rPr lang="en-US" dirty="0"/>
+              <a:t>Smarter Time Models</a:t>
+            </a:r>
+          </a:p>
+        </p:txBody>
+      </p:sp>
+      <p:sp>
+        <p:nvSpPr>
+          <p:cNvPr id="3" name="Content Placeholder 2">
+            <a:extLst>
+              <a:ext uri="{FF2B5EF4-FFF2-40B4-BE49-F238E27FC236}">
+                <a16:creationId xmlns:a16="http://schemas.microsoft.com/office/drawing/2014/main" id="{F23B1FF3-C207-9615-B32A-D907854A0D2F}"/>
+              </a:ext>
+            </a:extLst>
+          </p:cNvPr>
+          <p:cNvSpPr>
+            <a:spLocks noGrp="1"/>
+          </p:cNvSpPr>
+          <p:nvPr>
+            <p:ph idx="1"/>
+          </p:nvPr>
+        </p:nvSpPr>
+        <p:spPr>
+          <a:xfrm>
+            <a:off x="1137147" y="1853754"/>
+            <a:ext cx="10243158" cy="4199727"/>
+          </a:xfrm>
+        </p:spPr>
+        <p:txBody>
+          <a:bodyPr/>
+          <a:lstStyle/>
+          <a:p>
+            <a:r>
+              <a:rPr lang="en-US" dirty="0"/>
+              <a:t>Modern models have much more capability than a simple ARIMA one. </a:t>
+            </a:r>
+          </a:p>
+          <a:p>
+            <a:pPr lvl="1"/>
+            <a:r>
+              <a:rPr lang="en-US" dirty="0"/>
+              <a:t>Large numbers of weights can capture less frequent or obvious patterns. </a:t>
+            </a:r>
+          </a:p>
+          <a:p>
+            <a:pPr lvl="1"/>
+            <a:r>
+              <a:rPr lang="en-US" dirty="0"/>
+              <a:t>In some cases (neural networks) models can learn things like the ARIMA patterns themselves. </a:t>
+            </a:r>
+          </a:p>
+          <a:p>
+            <a:r>
+              <a:rPr lang="en-US" dirty="0"/>
+              <a:t>Their capacity to learn is much larger - they have more weights, can learn complex patterns. </a:t>
+            </a:r>
+          </a:p>
+          <a:p>
+            <a:pPr lvl="1"/>
+            <a:r>
+              <a:rPr lang="en-US" dirty="0"/>
+              <a:t>Similar to a large tree vs a linear regression – more flexible in learning and adapting. </a:t>
+            </a:r>
+          </a:p>
+          <a:p>
+            <a:pPr lvl="1"/>
+            <a:r>
+              <a:rPr lang="en-US" dirty="0"/>
+              <a:t>Rare events, ‘special’ times like holidays, longer cyclical patterns, </a:t>
+            </a:r>
+            <a:r>
+              <a:rPr lang="en-US" dirty="0" err="1"/>
+              <a:t>etc</a:t>
+            </a:r>
+            <a:r>
+              <a:rPr lang="en-US" dirty="0"/>
+              <a:t>…</a:t>
+            </a:r>
+          </a:p>
+          <a:p>
+            <a:pPr lvl="1"/>
+            <a:r>
+              <a:rPr lang="en-US" dirty="0"/>
+              <a:t>Much of the flexibility in the tools that helped language models also help here. </a:t>
+            </a:r>
+          </a:p>
+          <a:p>
+            <a:r>
+              <a:rPr lang="en-US" dirty="0"/>
+              <a:t>These models tend to work and interact more similar to what we’re used to (or NN-style). </a:t>
+            </a:r>
+          </a:p>
+          <a:p>
+            <a:pPr lvl="1"/>
+            <a:endParaRPr lang="en-US" dirty="0"/>
+          </a:p>
+        </p:txBody>
+      </p:sp>
+    </p:spTree>
+    <p:extLst>
+      <p:ext uri="{BB962C8B-B14F-4D97-AF65-F5344CB8AC3E}">
+        <p14:creationId xmlns:p14="http://schemas.microsoft.com/office/powerpoint/2010/main" val="2969086212"/>
       </p:ext>
     </p:extLst>
   </p:cSld>
@@ -4917,6 +5269,697 @@
     <p:extLst>
       <p:ext uri="{BB962C8B-B14F-4D97-AF65-F5344CB8AC3E}">
         <p14:creationId xmlns:p14="http://schemas.microsoft.com/office/powerpoint/2010/main" val="1351010078"/>
+      </p:ext>
+    </p:extLst>
+  </p:cSld>
+  <p:clrMapOvr>
+    <a:masterClrMapping/>
+  </p:clrMapOvr>
+</p:sld>
+</file>
+
+<file path=ppt/slides/slide20.xml><?xml version="1.0" encoding="utf-8"?>
+<p:sld xmlns:a="http://schemas.openxmlformats.org/drawingml/2006/main" xmlns:r="http://schemas.openxmlformats.org/officeDocument/2006/relationships" xmlns:p="http://schemas.openxmlformats.org/presentationml/2006/main">
+  <p:cSld>
+    <p:spTree>
+      <p:nvGrpSpPr>
+        <p:cNvPr id="1" name=""/>
+        <p:cNvGrpSpPr/>
+        <p:nvPr/>
+      </p:nvGrpSpPr>
+      <p:grpSpPr>
+        <a:xfrm>
+          <a:off x="0" y="0"/>
+          <a:ext cx="0" cy="0"/>
+          <a:chOff x="0" y="0"/>
+          <a:chExt cx="0" cy="0"/>
+        </a:xfrm>
+      </p:grpSpPr>
+      <p:sp>
+        <p:nvSpPr>
+          <p:cNvPr id="2" name="Title 1">
+            <a:extLst>
+              <a:ext uri="{FF2B5EF4-FFF2-40B4-BE49-F238E27FC236}">
+                <a16:creationId xmlns:a16="http://schemas.microsoft.com/office/drawing/2014/main" id="{19192875-568E-E27F-EF8C-0E63853062C2}"/>
+              </a:ext>
+            </a:extLst>
+          </p:cNvPr>
+          <p:cNvSpPr>
+            <a:spLocks noGrp="1"/>
+          </p:cNvSpPr>
+          <p:nvPr>
+            <p:ph type="title"/>
+          </p:nvPr>
+        </p:nvSpPr>
+        <p:spPr/>
+        <p:txBody>
+          <a:bodyPr/>
+          <a:lstStyle/>
+          <a:p>
+            <a:r>
+              <a:rPr lang="en-US" dirty="0"/>
+              <a:t>Facebook Prophet</a:t>
+            </a:r>
+          </a:p>
+        </p:txBody>
+      </p:sp>
+      <p:sp>
+        <p:nvSpPr>
+          <p:cNvPr id="3" name="Content Placeholder 2">
+            <a:extLst>
+              <a:ext uri="{FF2B5EF4-FFF2-40B4-BE49-F238E27FC236}">
+                <a16:creationId xmlns:a16="http://schemas.microsoft.com/office/drawing/2014/main" id="{BBD86F92-A329-D6B9-24F3-6095A7021DE0}"/>
+              </a:ext>
+            </a:extLst>
+          </p:cNvPr>
+          <p:cNvSpPr>
+            <a:spLocks noGrp="1"/>
+          </p:cNvSpPr>
+          <p:nvPr>
+            <p:ph idx="1"/>
+          </p:nvPr>
+        </p:nvSpPr>
+        <p:spPr>
+          <a:xfrm>
+            <a:off x="1451579" y="2015732"/>
+            <a:ext cx="9603275" cy="4037749"/>
+          </a:xfrm>
+        </p:spPr>
+        <p:txBody>
+          <a:bodyPr>
+            <a:normAutofit lnSpcReduction="10000"/>
+          </a:bodyPr>
+          <a:lstStyle/>
+          <a:p>
+            <a:r>
+              <a:rPr lang="en-US" dirty="0"/>
+              <a:t>Facebook Prophet is a library that is well setup to handle common time-series problems:</a:t>
+            </a:r>
+          </a:p>
+          <a:p>
+            <a:pPr lvl="1"/>
+            <a:r>
+              <a:rPr lang="en-US" dirty="0"/>
+              <a:t>Handles events such as holidays, including custom lists. </a:t>
+            </a:r>
+          </a:p>
+          <a:p>
+            <a:pPr lvl="1"/>
+            <a:r>
+              <a:rPr lang="en-US" dirty="0"/>
+              <a:t>Can be set to anticipate change points, e.g. product launches. </a:t>
+            </a:r>
+          </a:p>
+          <a:p>
+            <a:pPr lvl="1"/>
+            <a:r>
+              <a:rPr lang="en-US" dirty="0"/>
+              <a:t>Provides useful things like plotting and cross validation. </a:t>
+            </a:r>
+          </a:p>
+          <a:p>
+            <a:pPr lvl="1"/>
+            <a:r>
+              <a:rPr lang="en-US" dirty="0"/>
+              <a:t>Can handle additional regressors. </a:t>
+            </a:r>
+          </a:p>
+          <a:p>
+            <a:r>
+              <a:rPr lang="en-US" dirty="0"/>
+              <a:t>We can use a Prophet model much like the above models, with slightly different syntax. </a:t>
+            </a:r>
+          </a:p>
+          <a:p>
+            <a:r>
+              <a:rPr lang="en-US" dirty="0"/>
+              <a:t>There are several other libraries that handle time-series data similarly. </a:t>
+            </a:r>
+          </a:p>
+          <a:p>
+            <a:pPr lvl="1"/>
+            <a:r>
+              <a:rPr lang="en-US" dirty="0"/>
+              <a:t>Modern implementations are based on recurrent neural networks (RNNs) or transformer based neural networks. </a:t>
+            </a:r>
+          </a:p>
+          <a:p>
+            <a:pPr lvl="1"/>
+            <a:r>
+              <a:rPr lang="en-US" dirty="0"/>
+              <a:t>Neural networks well suited to sequential data. Seen with language models. </a:t>
+            </a:r>
+          </a:p>
+        </p:txBody>
+      </p:sp>
+    </p:spTree>
+    <p:extLst>
+      <p:ext uri="{BB962C8B-B14F-4D97-AF65-F5344CB8AC3E}">
+        <p14:creationId xmlns:p14="http://schemas.microsoft.com/office/powerpoint/2010/main" val="910616763"/>
+      </p:ext>
+    </p:extLst>
+  </p:cSld>
+  <p:clrMapOvr>
+    <a:masterClrMapping/>
+  </p:clrMapOvr>
+</p:sld>
+</file>
+
+<file path=ppt/slides/slide21.xml><?xml version="1.0" encoding="utf-8"?>
+<p:sld xmlns:a="http://schemas.openxmlformats.org/drawingml/2006/main" xmlns:r="http://schemas.openxmlformats.org/officeDocument/2006/relationships" xmlns:p="http://schemas.openxmlformats.org/presentationml/2006/main">
+  <p:cSld>
+    <p:spTree>
+      <p:nvGrpSpPr>
+        <p:cNvPr id="1" name=""/>
+        <p:cNvGrpSpPr/>
+        <p:nvPr/>
+      </p:nvGrpSpPr>
+      <p:grpSpPr>
+        <a:xfrm>
+          <a:off x="0" y="0"/>
+          <a:ext cx="0" cy="0"/>
+          <a:chOff x="0" y="0"/>
+          <a:chExt cx="0" cy="0"/>
+        </a:xfrm>
+      </p:grpSpPr>
+      <p:sp>
+        <p:nvSpPr>
+          <p:cNvPr id="2" name="Title 1">
+            <a:extLst>
+              <a:ext uri="{FF2B5EF4-FFF2-40B4-BE49-F238E27FC236}">
+                <a16:creationId xmlns:a16="http://schemas.microsoft.com/office/drawing/2014/main" id="{44FF2E50-6EDB-B2D2-D936-C7FAD2E53B07}"/>
+              </a:ext>
+            </a:extLst>
+          </p:cNvPr>
+          <p:cNvSpPr>
+            <a:spLocks noGrp="1"/>
+          </p:cNvSpPr>
+          <p:nvPr>
+            <p:ph type="title"/>
+          </p:nvPr>
+        </p:nvSpPr>
+        <p:spPr/>
+        <p:txBody>
+          <a:bodyPr/>
+          <a:lstStyle/>
+          <a:p>
+            <a:r>
+              <a:rPr lang="en-US" dirty="0"/>
+              <a:t>Additional Regressors</a:t>
+            </a:r>
+          </a:p>
+        </p:txBody>
+      </p:sp>
+      <p:sp>
+        <p:nvSpPr>
+          <p:cNvPr id="3" name="Content Placeholder 2">
+            <a:extLst>
+              <a:ext uri="{FF2B5EF4-FFF2-40B4-BE49-F238E27FC236}">
+                <a16:creationId xmlns:a16="http://schemas.microsoft.com/office/drawing/2014/main" id="{AE53330D-6FAA-AD5C-6553-A18C115B0B20}"/>
+              </a:ext>
+            </a:extLst>
+          </p:cNvPr>
+          <p:cNvSpPr>
+            <a:spLocks noGrp="1"/>
+          </p:cNvSpPr>
+          <p:nvPr>
+            <p:ph idx="1"/>
+          </p:nvPr>
+        </p:nvSpPr>
+        <p:spPr>
+          <a:xfrm>
+            <a:off x="1451579" y="1853754"/>
+            <a:ext cx="9603275" cy="4199727"/>
+          </a:xfrm>
+        </p:spPr>
+        <p:txBody>
+          <a:bodyPr/>
+          <a:lstStyle/>
+          <a:p>
+            <a:r>
+              <a:rPr lang="en-US" dirty="0"/>
+              <a:t>Much like a classification or regression we can have multiple features. </a:t>
+            </a:r>
+          </a:p>
+          <a:p>
+            <a:r>
+              <a:rPr lang="en-US" dirty="0"/>
+              <a:t>With a time-series we can add more regressors (using Prophet). </a:t>
+            </a:r>
+          </a:p>
+          <a:p>
+            <a:r>
+              <a:rPr lang="en-US" dirty="0"/>
+              <a:t>The regressors must exist for the data that we’re predicting. </a:t>
+            </a:r>
+          </a:p>
+          <a:p>
+            <a:pPr lvl="1"/>
+            <a:r>
+              <a:rPr lang="en-US" dirty="0"/>
+              <a:t>E.g. if we are using the barometric pressure to predict the temp next week, we need to have that pressure value as an input. </a:t>
+            </a:r>
+          </a:p>
+          <a:p>
+            <a:pPr lvl="1"/>
+            <a:r>
+              <a:rPr lang="en-US" dirty="0"/>
+              <a:t>This is the main drawback to adding regressors to time series models – we don’t know them.</a:t>
+            </a:r>
+          </a:p>
+          <a:p>
+            <a:pPr lvl="1"/>
+            <a:r>
+              <a:rPr lang="en-US" dirty="0"/>
+              <a:t>We can make a forecast for those values, or construct regressors that can be known in advance (e.g. average past 3 days of barometric pressure.)</a:t>
+            </a:r>
+          </a:p>
+          <a:p>
+            <a:r>
+              <a:rPr lang="en-US" dirty="0"/>
+              <a:t>Many times, even if these regressors add more info, we don’t have a way to create a model that properly captures that info properly. Simple may be better. </a:t>
+            </a:r>
+          </a:p>
+        </p:txBody>
+      </p:sp>
+    </p:spTree>
+    <p:extLst>
+      <p:ext uri="{BB962C8B-B14F-4D97-AF65-F5344CB8AC3E}">
+        <p14:creationId xmlns:p14="http://schemas.microsoft.com/office/powerpoint/2010/main" val="583412968"/>
+      </p:ext>
+    </p:extLst>
+  </p:cSld>
+  <p:clrMapOvr>
+    <a:masterClrMapping/>
+  </p:clrMapOvr>
+</p:sld>
+</file>
+
+<file path=ppt/slides/slide22.xml><?xml version="1.0" encoding="utf-8"?>
+<p:sld xmlns:a="http://schemas.openxmlformats.org/drawingml/2006/main" xmlns:r="http://schemas.openxmlformats.org/officeDocument/2006/relationships" xmlns:p="http://schemas.openxmlformats.org/presentationml/2006/main">
+  <p:cSld>
+    <p:spTree>
+      <p:nvGrpSpPr>
+        <p:cNvPr id="1" name=""/>
+        <p:cNvGrpSpPr/>
+        <p:nvPr/>
+      </p:nvGrpSpPr>
+      <p:grpSpPr>
+        <a:xfrm>
+          <a:off x="0" y="0"/>
+          <a:ext cx="0" cy="0"/>
+          <a:chOff x="0" y="0"/>
+          <a:chExt cx="0" cy="0"/>
+        </a:xfrm>
+      </p:grpSpPr>
+      <p:sp>
+        <p:nvSpPr>
+          <p:cNvPr id="2" name="Title 1">
+            <a:extLst>
+              <a:ext uri="{FF2B5EF4-FFF2-40B4-BE49-F238E27FC236}">
+                <a16:creationId xmlns:a16="http://schemas.microsoft.com/office/drawing/2014/main" id="{B8192152-25FD-3B93-1014-91BD46D3B2FF}"/>
+              </a:ext>
+            </a:extLst>
+          </p:cNvPr>
+          <p:cNvSpPr>
+            <a:spLocks noGrp="1"/>
+          </p:cNvSpPr>
+          <p:nvPr>
+            <p:ph type="title"/>
+          </p:nvPr>
+        </p:nvSpPr>
+        <p:spPr/>
+        <p:txBody>
+          <a:bodyPr/>
+          <a:lstStyle/>
+          <a:p>
+            <a:r>
+              <a:rPr lang="en-US" dirty="0"/>
+              <a:t>Other Considerations</a:t>
+            </a:r>
+          </a:p>
+        </p:txBody>
+      </p:sp>
+      <p:sp>
+        <p:nvSpPr>
+          <p:cNvPr id="3" name="Content Placeholder 2">
+            <a:extLst>
+              <a:ext uri="{FF2B5EF4-FFF2-40B4-BE49-F238E27FC236}">
+                <a16:creationId xmlns:a16="http://schemas.microsoft.com/office/drawing/2014/main" id="{D2D9FF42-655F-EB33-930F-0C71AFC5EB29}"/>
+              </a:ext>
+            </a:extLst>
+          </p:cNvPr>
+          <p:cNvSpPr>
+            <a:spLocks noGrp="1"/>
+          </p:cNvSpPr>
+          <p:nvPr>
+            <p:ph idx="1"/>
+          </p:nvPr>
+        </p:nvSpPr>
+        <p:spPr>
+          <a:xfrm>
+            <a:off x="388419" y="2015732"/>
+            <a:ext cx="4887588" cy="3450613"/>
+          </a:xfrm>
+        </p:spPr>
+        <p:txBody>
+          <a:bodyPr/>
+          <a:lstStyle/>
+          <a:p>
+            <a:r>
+              <a:rPr lang="en-US" dirty="0"/>
+              <a:t>Advanced models can also handle one-off events, like COVID. </a:t>
+            </a:r>
+          </a:p>
+          <a:p>
+            <a:r>
+              <a:rPr lang="en-US" dirty="0"/>
+              <a:t>The prophet API is generally setup to make this mostly pretty simple. </a:t>
+            </a:r>
+          </a:p>
+          <a:p>
+            <a:r>
+              <a:rPr lang="en-US" dirty="0"/>
+              <a:t>There are a bunch of similar options, mostly in a user friendly setup. </a:t>
+            </a:r>
+          </a:p>
+        </p:txBody>
+      </p:sp>
+      <p:pic>
+        <p:nvPicPr>
+          <p:cNvPr id="4" name="Picture 3">
+            <a:extLst>
+              <a:ext uri="{FF2B5EF4-FFF2-40B4-BE49-F238E27FC236}">
+                <a16:creationId xmlns:a16="http://schemas.microsoft.com/office/drawing/2014/main" id="{68A6968E-65C5-381D-B43F-886611A0193D}"/>
+              </a:ext>
+            </a:extLst>
+          </p:cNvPr>
+          <p:cNvPicPr>
+            <a:picLocks noChangeAspect="1"/>
+          </p:cNvPicPr>
+          <p:nvPr/>
+        </p:nvPicPr>
+        <p:blipFill>
+          <a:blip r:embed="rId2"/>
+          <a:stretch>
+            <a:fillRect/>
+          </a:stretch>
+        </p:blipFill>
+        <p:spPr>
+          <a:xfrm>
+            <a:off x="5276006" y="1293408"/>
+            <a:ext cx="6915993" cy="5564592"/>
+          </a:xfrm>
+          <a:prstGeom prst="rect">
+            <a:avLst/>
+          </a:prstGeom>
+        </p:spPr>
+      </p:pic>
+    </p:spTree>
+    <p:extLst>
+      <p:ext uri="{BB962C8B-B14F-4D97-AF65-F5344CB8AC3E}">
+        <p14:creationId xmlns:p14="http://schemas.microsoft.com/office/powerpoint/2010/main" val="535332483"/>
+      </p:ext>
+    </p:extLst>
+  </p:cSld>
+  <p:clrMapOvr>
+    <a:masterClrMapping/>
+  </p:clrMapOvr>
+</p:sld>
+</file>
+
+<file path=ppt/slides/slide23.xml><?xml version="1.0" encoding="utf-8"?>
+<p:sld xmlns:a="http://schemas.openxmlformats.org/drawingml/2006/main" xmlns:r="http://schemas.openxmlformats.org/officeDocument/2006/relationships" xmlns:p="http://schemas.openxmlformats.org/presentationml/2006/main">
+  <p:cSld>
+    <p:spTree>
+      <p:nvGrpSpPr>
+        <p:cNvPr id="1" name=""/>
+        <p:cNvGrpSpPr/>
+        <p:nvPr/>
+      </p:nvGrpSpPr>
+      <p:grpSpPr>
+        <a:xfrm>
+          <a:off x="0" y="0"/>
+          <a:ext cx="0" cy="0"/>
+          <a:chOff x="0" y="0"/>
+          <a:chExt cx="0" cy="0"/>
+        </a:xfrm>
+      </p:grpSpPr>
+      <p:sp>
+        <p:nvSpPr>
+          <p:cNvPr id="2" name="Title 1">
+            <a:extLst>
+              <a:ext uri="{FF2B5EF4-FFF2-40B4-BE49-F238E27FC236}">
+                <a16:creationId xmlns:a16="http://schemas.microsoft.com/office/drawing/2014/main" id="{8AF700E2-E516-8380-3E0A-1F6BA99D292A}"/>
+              </a:ext>
+            </a:extLst>
+          </p:cNvPr>
+          <p:cNvSpPr>
+            <a:spLocks noGrp="1"/>
+          </p:cNvSpPr>
+          <p:nvPr>
+            <p:ph type="title"/>
+          </p:nvPr>
+        </p:nvSpPr>
+        <p:spPr/>
+        <p:txBody>
+          <a:bodyPr/>
+          <a:lstStyle/>
+          <a:p>
+            <a:r>
+              <a:rPr lang="en-US" dirty="0"/>
+              <a:t>Determining a Time-Based Model</a:t>
+            </a:r>
+          </a:p>
+        </p:txBody>
+      </p:sp>
+      <p:sp>
+        <p:nvSpPr>
+          <p:cNvPr id="3" name="Content Placeholder 2">
+            <a:extLst>
+              <a:ext uri="{FF2B5EF4-FFF2-40B4-BE49-F238E27FC236}">
+                <a16:creationId xmlns:a16="http://schemas.microsoft.com/office/drawing/2014/main" id="{E7BF0C3A-CD10-279F-F31D-E045FE69291F}"/>
+              </a:ext>
+            </a:extLst>
+          </p:cNvPr>
+          <p:cNvSpPr>
+            <a:spLocks noGrp="1"/>
+          </p:cNvSpPr>
+          <p:nvPr>
+            <p:ph idx="1"/>
+          </p:nvPr>
+        </p:nvSpPr>
+        <p:spPr>
+          <a:xfrm>
+            <a:off x="1451579" y="1853754"/>
+            <a:ext cx="9603275" cy="4199727"/>
+          </a:xfrm>
+        </p:spPr>
+        <p:txBody>
+          <a:bodyPr/>
+          <a:lstStyle/>
+          <a:p>
+            <a:r>
+              <a:rPr lang="en-US" dirty="0"/>
+              <a:t>The approaches with time series modelling differ greatly – averages, regression</a:t>
+            </a:r>
+            <a:r>
+              <a:rPr lang="en-US"/>
+              <a:t>, NNs…</a:t>
+            </a:r>
+            <a:endParaRPr lang="en-US" dirty="0"/>
+          </a:p>
+          <a:p>
+            <a:r>
+              <a:rPr lang="en-US" dirty="0"/>
+              <a:t>Data processing becomes more open ended in some ways:</a:t>
+            </a:r>
+          </a:p>
+          <a:p>
+            <a:pPr lvl="1"/>
+            <a:r>
+              <a:rPr lang="en-US" dirty="0"/>
+              <a:t>Time values may be transformed many ways – binned, time since last, duration, </a:t>
+            </a:r>
+            <a:r>
+              <a:rPr lang="en-US" dirty="0" err="1"/>
+              <a:t>etc</a:t>
+            </a:r>
+            <a:r>
+              <a:rPr lang="en-US" dirty="0"/>
+              <a:t>…</a:t>
+            </a:r>
+          </a:p>
+          <a:p>
+            <a:r>
+              <a:rPr lang="en-US" dirty="0"/>
+              <a:t>Framing of the problem is flexible, and requires domain and technical knowledge. </a:t>
+            </a:r>
+          </a:p>
+          <a:p>
+            <a:pPr lvl="1"/>
+            <a:r>
+              <a:rPr lang="en-US" dirty="0"/>
+              <a:t>Some problems may be framed in different ways. </a:t>
+            </a:r>
+          </a:p>
+          <a:p>
+            <a:pPr lvl="1"/>
+            <a:r>
+              <a:rPr lang="en-US" dirty="0"/>
+              <a:t>A CC fraud model may look at time of day, time since last purchase, or both as features. </a:t>
+            </a:r>
+          </a:p>
+          <a:p>
+            <a:pPr lvl="1"/>
+            <a:r>
+              <a:rPr lang="en-US" dirty="0"/>
+              <a:t>A “crime predictor” could be a regression that predicts #crimes/day as a target, or a time series that predicts the same thing, just oriented differently. </a:t>
+            </a:r>
+          </a:p>
+          <a:p>
+            <a:r>
+              <a:rPr lang="en-US" dirty="0"/>
+              <a:t>Feature selection here tends to be much more critical than with regression/classification.</a:t>
+            </a:r>
+          </a:p>
+        </p:txBody>
+      </p:sp>
+    </p:spTree>
+    <p:extLst>
+      <p:ext uri="{BB962C8B-B14F-4D97-AF65-F5344CB8AC3E}">
+        <p14:creationId xmlns:p14="http://schemas.microsoft.com/office/powerpoint/2010/main" val="2298263993"/>
+      </p:ext>
+    </p:extLst>
+  </p:cSld>
+  <p:clrMapOvr>
+    <a:masterClrMapping/>
+  </p:clrMapOvr>
+</p:sld>
+</file>
+
+<file path=ppt/slides/slide24.xml><?xml version="1.0" encoding="utf-8"?>
+<p:sld xmlns:a="http://schemas.openxmlformats.org/drawingml/2006/main" xmlns:r="http://schemas.openxmlformats.org/officeDocument/2006/relationships" xmlns:p="http://schemas.openxmlformats.org/presentationml/2006/main">
+  <p:cSld>
+    <p:spTree>
+      <p:nvGrpSpPr>
+        <p:cNvPr id="1" name=""/>
+        <p:cNvGrpSpPr/>
+        <p:nvPr/>
+      </p:nvGrpSpPr>
+      <p:grpSpPr>
+        <a:xfrm>
+          <a:off x="0" y="0"/>
+          <a:ext cx="0" cy="0"/>
+          <a:chOff x="0" y="0"/>
+          <a:chExt cx="0" cy="0"/>
+        </a:xfrm>
+      </p:grpSpPr>
+      <p:sp>
+        <p:nvSpPr>
+          <p:cNvPr id="2" name="Title 1">
+            <a:extLst>
+              <a:ext uri="{FF2B5EF4-FFF2-40B4-BE49-F238E27FC236}">
+                <a16:creationId xmlns:a16="http://schemas.microsoft.com/office/drawing/2014/main" id="{C965BD4C-1366-F7CE-BB72-33EBDC782A79}"/>
+              </a:ext>
+            </a:extLst>
+          </p:cNvPr>
+          <p:cNvSpPr>
+            <a:spLocks noGrp="1"/>
+          </p:cNvSpPr>
+          <p:nvPr>
+            <p:ph type="title"/>
+          </p:nvPr>
+        </p:nvSpPr>
+        <p:spPr/>
+        <p:txBody>
+          <a:bodyPr/>
+          <a:lstStyle/>
+          <a:p>
+            <a:r>
+              <a:rPr lang="en-US" dirty="0"/>
+              <a:t>Time Series Conclusion</a:t>
+            </a:r>
+          </a:p>
+        </p:txBody>
+      </p:sp>
+      <p:sp>
+        <p:nvSpPr>
+          <p:cNvPr id="3" name="Content Placeholder 2">
+            <a:extLst>
+              <a:ext uri="{FF2B5EF4-FFF2-40B4-BE49-F238E27FC236}">
+                <a16:creationId xmlns:a16="http://schemas.microsoft.com/office/drawing/2014/main" id="{C6023275-8696-EE31-2C2B-7B9C2E9A520D}"/>
+              </a:ext>
+            </a:extLst>
+          </p:cNvPr>
+          <p:cNvSpPr>
+            <a:spLocks noGrp="1"/>
+          </p:cNvSpPr>
+          <p:nvPr>
+            <p:ph idx="1"/>
+          </p:nvPr>
+        </p:nvSpPr>
+        <p:spPr>
+          <a:xfrm>
+            <a:off x="1271239" y="1925904"/>
+            <a:ext cx="10136459" cy="4127577"/>
+          </a:xfrm>
+        </p:spPr>
+        <p:txBody>
+          <a:bodyPr/>
+          <a:lstStyle/>
+          <a:p>
+            <a:r>
+              <a:rPr lang="en-US" dirty="0"/>
+              <a:t>Sequential or time-series data requires a slightly different approach to predictions. </a:t>
+            </a:r>
+          </a:p>
+          <a:p>
+            <a:pPr lvl="1"/>
+            <a:r>
+              <a:rPr lang="en-US" dirty="0"/>
+              <a:t>Simple models only have one value, and we attempt to make a model that captures its patterns. </a:t>
+            </a:r>
+          </a:p>
+          <a:p>
+            <a:pPr lvl="1"/>
+            <a:r>
+              <a:rPr lang="en-US" dirty="0"/>
+              <a:t>Larger models require some ad-hoc dataset construction to make sense. </a:t>
+            </a:r>
+          </a:p>
+          <a:p>
+            <a:pPr lvl="1"/>
+            <a:r>
+              <a:rPr lang="en-US" dirty="0"/>
+              <a:t>Time-series often requires different, and more, data prep before we can model. </a:t>
+            </a:r>
+          </a:p>
+          <a:p>
+            <a:r>
+              <a:rPr lang="en-US" dirty="0"/>
+              <a:t>Rule-of-Thumb – start with a simple model, and complexity if needed. </a:t>
+            </a:r>
+          </a:p>
+          <a:p>
+            <a:r>
+              <a:rPr lang="en-US" dirty="0"/>
+              <a:t>Time-series models are rapidly developing with language/translation and other generative models. </a:t>
+            </a:r>
+          </a:p>
+          <a:p>
+            <a:pPr lvl="1"/>
+            <a:r>
+              <a:rPr lang="en-US" dirty="0"/>
+              <a:t>Any time there’s a direct dependence on “the last time”, these ideas apply. </a:t>
+            </a:r>
+          </a:p>
+        </p:txBody>
+      </p:sp>
+    </p:spTree>
+    <p:extLst>
+      <p:ext uri="{BB962C8B-B14F-4D97-AF65-F5344CB8AC3E}">
+        <p14:creationId xmlns:p14="http://schemas.microsoft.com/office/powerpoint/2010/main" val="164357066"/>
       </p:ext>
     </p:extLst>
   </p:cSld>
@@ -5991,7 +7034,12 @@
             <p:ph idx="1"/>
           </p:nvPr>
         </p:nvSpPr>
-        <p:spPr/>
+        <p:spPr>
+          <a:xfrm>
+            <a:off x="1451579" y="1853754"/>
+            <a:ext cx="9603275" cy="4199727"/>
+          </a:xfrm>
+        </p:spPr>
         <p:txBody>
           <a:bodyPr/>
           <a:lstStyle/>
@@ -6036,6 +7084,19 @@
             <a:r>
               <a:rPr lang="en-US" dirty="0"/>
               <a:t>Uses differencing to become stationary – removes seasonality. </a:t>
+            </a:r>
+          </a:p>
+          <a:p>
+            <a:r>
+              <a:rPr lang="en-US" dirty="0"/>
+              <a:t>Doing this part manually is for context, we have tools to do it for us that we’ll leverage. </a:t>
+            </a:r>
+          </a:p>
+          <a:p>
+            <a:pPr lvl="1"/>
+            <a:r>
+              <a:rPr lang="en-US" dirty="0"/>
+              <a:t>We don’t need to know how to do this process in depth, we’ll use the library tools. </a:t>
             </a:r>
           </a:p>
           <a:p>

--- a/reference_content/Slides/TimeSeries.pptx
+++ b/reference_content/Slides/TimeSeries.pptx
@@ -5,30 +5,32 @@
     <p:sldMasterId id="2147483660" r:id="rId1"/>
   </p:sldMasterIdLst>
   <p:sldIdLst>
-    <p:sldId id="256" r:id="rId2"/>
-    <p:sldId id="270" r:id="rId3"/>
-    <p:sldId id="271" r:id="rId4"/>
-    <p:sldId id="272" r:id="rId5"/>
-    <p:sldId id="258" r:id="rId6"/>
-    <p:sldId id="261" r:id="rId7"/>
-    <p:sldId id="262" r:id="rId8"/>
-    <p:sldId id="257" r:id="rId9"/>
-    <p:sldId id="259" r:id="rId10"/>
-    <p:sldId id="263" r:id="rId11"/>
-    <p:sldId id="265" r:id="rId12"/>
-    <p:sldId id="266" r:id="rId13"/>
-    <p:sldId id="264" r:id="rId14"/>
-    <p:sldId id="260" r:id="rId15"/>
-    <p:sldId id="276" r:id="rId16"/>
-    <p:sldId id="277" r:id="rId17"/>
-    <p:sldId id="278" r:id="rId18"/>
-    <p:sldId id="273" r:id="rId19"/>
-    <p:sldId id="274" r:id="rId20"/>
-    <p:sldId id="267" r:id="rId21"/>
-    <p:sldId id="268" r:id="rId22"/>
-    <p:sldId id="275" r:id="rId23"/>
-    <p:sldId id="279" r:id="rId24"/>
-    <p:sldId id="269" r:id="rId25"/>
+    <p:sldId id="280" r:id="rId2"/>
+    <p:sldId id="281" r:id="rId3"/>
+    <p:sldId id="256" r:id="rId4"/>
+    <p:sldId id="270" r:id="rId5"/>
+    <p:sldId id="271" r:id="rId6"/>
+    <p:sldId id="272" r:id="rId7"/>
+    <p:sldId id="258" r:id="rId8"/>
+    <p:sldId id="261" r:id="rId9"/>
+    <p:sldId id="262" r:id="rId10"/>
+    <p:sldId id="257" r:id="rId11"/>
+    <p:sldId id="259" r:id="rId12"/>
+    <p:sldId id="263" r:id="rId13"/>
+    <p:sldId id="265" r:id="rId14"/>
+    <p:sldId id="266" r:id="rId15"/>
+    <p:sldId id="264" r:id="rId16"/>
+    <p:sldId id="260" r:id="rId17"/>
+    <p:sldId id="276" r:id="rId18"/>
+    <p:sldId id="277" r:id="rId19"/>
+    <p:sldId id="278" r:id="rId20"/>
+    <p:sldId id="273" r:id="rId21"/>
+    <p:sldId id="274" r:id="rId22"/>
+    <p:sldId id="267" r:id="rId23"/>
+    <p:sldId id="268" r:id="rId24"/>
+    <p:sldId id="275" r:id="rId25"/>
+    <p:sldId id="279" r:id="rId26"/>
+    <p:sldId id="269" r:id="rId27"/>
   </p:sldIdLst>
   <p:sldSz cx="12192000" cy="6858000"/>
   <p:notesSz cx="6858000" cy="9144000"/>
@@ -3653,7 +3655,7 @@
           <p:cNvPr id="2" name="Title 1">
             <a:extLst>
               <a:ext uri="{FF2B5EF4-FFF2-40B4-BE49-F238E27FC236}">
-                <a16:creationId xmlns:a16="http://schemas.microsoft.com/office/drawing/2014/main" id="{AD0A358F-3029-3B46-8F88-5B7AAD9B2E72}"/>
+                <a16:creationId xmlns:a16="http://schemas.microsoft.com/office/drawing/2014/main" id="{013788C2-C8E1-0C9D-71E2-6779C21887CA}"/>
               </a:ext>
             </a:extLst>
           </p:cNvPr>
@@ -3661,7 +3663,7 @@
             <a:spLocks noGrp="1"/>
           </p:cNvSpPr>
           <p:nvPr>
-            <p:ph type="ctrTitle"/>
+            <p:ph type="title"/>
           </p:nvPr>
         </p:nvSpPr>
         <p:spPr/>
@@ -3671,17 +3673,17 @@
           <a:p>
             <a:r>
               <a:rPr lang="en-US" dirty="0"/>
-              <a:t>Time Series Forecasting</a:t>
-            </a:r>
-          </a:p>
-        </p:txBody>
-      </p:sp>
-      <p:sp>
-        <p:nvSpPr>
-          <p:cNvPr id="3" name="Subtitle 2">
+              <a:t>Housekeeping</a:t>
+            </a:r>
+          </a:p>
+        </p:txBody>
+      </p:sp>
+      <p:sp>
+        <p:nvSpPr>
+          <p:cNvPr id="3" name="Content Placeholder 2">
             <a:extLst>
               <a:ext uri="{FF2B5EF4-FFF2-40B4-BE49-F238E27FC236}">
-                <a16:creationId xmlns:a16="http://schemas.microsoft.com/office/drawing/2014/main" id="{BA00FEBA-B494-5046-9CD2-12082358FE92}"/>
+                <a16:creationId xmlns:a16="http://schemas.microsoft.com/office/drawing/2014/main" id="{34C2F89F-020A-2CA3-4C8A-17F8920C62EC}"/>
               </a:ext>
             </a:extLst>
           </p:cNvPr>
@@ -3689,22 +3691,92 @@
             <a:spLocks noGrp="1"/>
           </p:cNvSpPr>
           <p:nvPr>
-            <p:ph type="subTitle" idx="1"/>
-          </p:nvPr>
-        </p:nvSpPr>
-        <p:spPr/>
-        <p:txBody>
-          <a:bodyPr/>
-          <a:lstStyle/>
-          <a:p>
-            <a:endParaRPr lang="en-US"/>
+            <p:ph idx="1"/>
+          </p:nvPr>
+        </p:nvSpPr>
+        <p:spPr>
+          <a:xfrm>
+            <a:off x="1451579" y="1853754"/>
+            <a:ext cx="9603275" cy="4199727"/>
+          </a:xfrm>
+        </p:spPr>
+        <p:txBody>
+          <a:bodyPr>
+            <a:normAutofit lnSpcReduction="10000"/>
+          </a:bodyPr>
+          <a:lstStyle/>
+          <a:p>
+            <a:r>
+              <a:rPr lang="en-US" dirty="0"/>
+              <a:t>Cancelled assignment 3:</a:t>
+            </a:r>
+          </a:p>
+          <a:p>
+            <a:pPr lvl="1"/>
+            <a:r>
+              <a:rPr lang="en-US" dirty="0"/>
+              <a:t>Some people did it, which wasn’t my intent. </a:t>
+            </a:r>
+          </a:p>
+          <a:p>
+            <a:pPr lvl="1"/>
+            <a:r>
+              <a:rPr lang="en-US" dirty="0"/>
+              <a:t>If you want to hand it in, I’ll take ¾ for the scores to calculate the assignment mark bucket. </a:t>
+            </a:r>
+          </a:p>
+          <a:p>
+            <a:pPr lvl="1"/>
+            <a:r>
+              <a:rPr lang="en-US" dirty="0"/>
+              <a:t>It isn’t something that you need, explicitly, to know deeply for the other parts. </a:t>
+            </a:r>
+          </a:p>
+          <a:p>
+            <a:r>
+              <a:rPr lang="en-US" dirty="0"/>
+              <a:t>To this point:</a:t>
+            </a:r>
+          </a:p>
+          <a:p>
+            <a:pPr lvl="1"/>
+            <a:r>
+              <a:rPr lang="en-US" dirty="0"/>
+              <a:t>Can do basically any regression/classification/clustering problem we encounter. </a:t>
+            </a:r>
+          </a:p>
+          <a:p>
+            <a:pPr lvl="1"/>
+            <a:r>
+              <a:rPr lang="en-US" dirty="0"/>
+              <a:t>Pipeline stuff for prep, stats stuff for exploration, model selection grid for model, results. </a:t>
+            </a:r>
+          </a:p>
+          <a:p>
+            <a:r>
+              <a:rPr lang="en-US" dirty="0"/>
+              <a:t>Today:</a:t>
+            </a:r>
+          </a:p>
+          <a:p>
+            <a:pPr lvl="1"/>
+            <a:r>
+              <a:rPr lang="en-US" dirty="0"/>
+              <a:t>Time series #2 – ARIMA and FB Prophet. </a:t>
+            </a:r>
+          </a:p>
+          <a:p>
+            <a:r>
+              <a:rPr lang="en-US" dirty="0"/>
+              <a:t>Thursday – boosting ensembles and that’s pretty much it for normal models. </a:t>
+            </a:r>
           </a:p>
         </p:txBody>
       </p:sp>
     </p:spTree>
     <p:extLst>
       <p:ext uri="{BB962C8B-B14F-4D97-AF65-F5344CB8AC3E}">
-        <p14:creationId xmlns:p14="http://schemas.microsoft.com/office/powerpoint/2010/main" val="3614949151"/>
+        <p14:creationId xmlns:p14="http://schemas.microsoft.com/office/powerpoint/2010/main" val="1026581835"/>
       </p:ext>
     </p:extLst>
   </p:cSld>
@@ -3736,7 +3808,7 @@
           <p:cNvPr id="2" name="Title 1">
             <a:extLst>
               <a:ext uri="{FF2B5EF4-FFF2-40B4-BE49-F238E27FC236}">
-                <a16:creationId xmlns:a16="http://schemas.microsoft.com/office/drawing/2014/main" id="{B6D692E1-DF41-494A-AF87-6271E660E4E5}"/>
+                <a16:creationId xmlns:a16="http://schemas.microsoft.com/office/drawing/2014/main" id="{48D6F2E3-C441-EA45-AFB0-16746E9DB104}"/>
               </a:ext>
             </a:extLst>
           </p:cNvPr>
@@ -3752,7 +3824,10 @@
           <a:bodyPr/>
           <a:lstStyle/>
           <a:p>
-            <a:endParaRPr lang="en-US"/>
+            <a:r>
+              <a:rPr lang="en-US" dirty="0"/>
+              <a:t>ARIMA</a:t>
+            </a:r>
           </a:p>
         </p:txBody>
       </p:sp>
@@ -3761,7 +3836,7 @@
           <p:cNvPr id="3" name="Content Placeholder 2">
             <a:extLst>
               <a:ext uri="{FF2B5EF4-FFF2-40B4-BE49-F238E27FC236}">
-                <a16:creationId xmlns:a16="http://schemas.microsoft.com/office/drawing/2014/main" id="{F764A3B3-9888-4A42-8523-5EAC0835E46E}"/>
+                <a16:creationId xmlns:a16="http://schemas.microsoft.com/office/drawing/2014/main" id="{3391B933-66AE-EF4B-A480-3CF6E4F1BDD6}"/>
               </a:ext>
             </a:extLst>
           </p:cNvPr>
@@ -3772,49 +3847,81 @@
             <p:ph idx="1"/>
           </p:nvPr>
         </p:nvSpPr>
-        <p:spPr/>
-        <p:txBody>
-          <a:bodyPr/>
-          <a:lstStyle/>
-          <a:p>
-            <a:endParaRPr lang="en-US"/>
-          </a:p>
-        </p:txBody>
-      </p:sp>
-      <p:pic>
-        <p:nvPicPr>
-          <p:cNvPr id="5" name="Picture 4">
-            <a:extLst>
-              <a:ext uri="{FF2B5EF4-FFF2-40B4-BE49-F238E27FC236}">
-                <a16:creationId xmlns:a16="http://schemas.microsoft.com/office/drawing/2014/main" id="{A1133875-FED9-BC45-9C3A-9741348C1241}"/>
-              </a:ext>
-            </a:extLst>
-          </p:cNvPr>
-          <p:cNvPicPr>
-            <a:picLocks noChangeAspect="1"/>
-          </p:cNvPicPr>
-          <p:nvPr/>
-        </p:nvPicPr>
-        <p:blipFill>
-          <a:blip r:embed="rId2"/>
-          <a:stretch>
-            <a:fillRect/>
-          </a:stretch>
-        </p:blipFill>
         <p:spPr>
           <a:xfrm>
-            <a:off x="0" y="1803859"/>
-            <a:ext cx="12192000" cy="2670420"/>
-          </a:xfrm>
-          <a:prstGeom prst="rect">
-            <a:avLst/>
-          </a:prstGeom>
-        </p:spPr>
-      </p:pic>
+            <a:off x="1451579" y="1853754"/>
+            <a:ext cx="9603275" cy="4199727"/>
+          </a:xfrm>
+        </p:spPr>
+        <p:txBody>
+          <a:bodyPr/>
+          <a:lstStyle/>
+          <a:p>
+            <a:r>
+              <a:rPr lang="en-US" dirty="0"/>
+              <a:t>ARIMA is a common time series model, it has 3 parts:</a:t>
+            </a:r>
+          </a:p>
+          <a:p>
+            <a:pPr lvl="1"/>
+            <a:r>
+              <a:rPr lang="en-US" dirty="0"/>
+              <a:t>AR (p) – Autoregressive. </a:t>
+            </a:r>
+            <a:r>
+              <a:rPr lang="en-CA" dirty="0"/>
+              <a:t>Regresses on its own prior or lagged values. In other words, it predicts future values based on past values. </a:t>
+            </a:r>
+            <a:endParaRPr lang="en-US" dirty="0"/>
+          </a:p>
+          <a:p>
+            <a:pPr lvl="1"/>
+            <a:r>
+              <a:rPr lang="en-US" dirty="0"/>
+              <a:t>I (d) – Integrated. </a:t>
+            </a:r>
+            <a:r>
+              <a:rPr lang="en-CA" dirty="0"/>
+              <a:t>Observes the difference between static data values and previous values. The goal is to achieve stationary data that is not subject to seasonality. </a:t>
+            </a:r>
+            <a:endParaRPr lang="en-US" dirty="0"/>
+          </a:p>
+          <a:p>
+            <a:pPr lvl="1"/>
+            <a:r>
+              <a:rPr lang="en-US" dirty="0"/>
+              <a:t>MA (q) – Moving Average. A moving average. </a:t>
+            </a:r>
+          </a:p>
+          <a:p>
+            <a:r>
+              <a:rPr lang="en-US" dirty="0"/>
+              <a:t>Uses differencing to become stationary – removes seasonality. </a:t>
+            </a:r>
+          </a:p>
+          <a:p>
+            <a:r>
+              <a:rPr lang="en-US" dirty="0"/>
+              <a:t>Doing this part manually is for context, we have tools to do it for us that we’ll leverage. </a:t>
+            </a:r>
+          </a:p>
+          <a:p>
+            <a:pPr lvl="1"/>
+            <a:r>
+              <a:rPr lang="en-US" dirty="0"/>
+              <a:t>We don’t need to know how to do this process in depth, we’ll use the library tools. </a:t>
+            </a:r>
+          </a:p>
+          <a:p>
+            <a:pPr lvl="1"/>
+            <a:endParaRPr lang="en-US" dirty="0"/>
+          </a:p>
+        </p:txBody>
+      </p:sp>
     </p:spTree>
     <p:extLst>
       <p:ext uri="{BB962C8B-B14F-4D97-AF65-F5344CB8AC3E}">
-        <p14:creationId xmlns:p14="http://schemas.microsoft.com/office/powerpoint/2010/main" val="2712208763"/>
+        <p14:creationId xmlns:p14="http://schemas.microsoft.com/office/powerpoint/2010/main" val="3138543553"/>
       </p:ext>
     </p:extLst>
   </p:cSld>
@@ -3846,7 +3953,7 @@
           <p:cNvPr id="2" name="Title 1">
             <a:extLst>
               <a:ext uri="{FF2B5EF4-FFF2-40B4-BE49-F238E27FC236}">
-                <a16:creationId xmlns:a16="http://schemas.microsoft.com/office/drawing/2014/main" id="{42ECDDAF-6A94-AA4A-9692-942BAAC8C5AE}"/>
+                <a16:creationId xmlns:a16="http://schemas.microsoft.com/office/drawing/2014/main" id="{7B11B4FF-C483-1843-A310-41690B02C0B1}"/>
               </a:ext>
             </a:extLst>
           </p:cNvPr>
@@ -3864,86 +3971,69 @@
           <a:p>
             <a:r>
               <a:rPr lang="en-US" dirty="0"/>
-              <a:t>AR – 0</a:t>
-            </a:r>
-            <a:br>
-              <a:rPr lang="en-US" dirty="0"/>
-            </a:br>
-            <a:r>
-              <a:rPr lang="en-US" dirty="0"/>
-              <a:t>MA – 1 </a:t>
-            </a:r>
-          </a:p>
-        </p:txBody>
-      </p:sp>
-      <p:pic>
-        <p:nvPicPr>
-          <p:cNvPr id="5" name="Content Placeholder 4">
+              <a:t>Creating ARIMA</a:t>
+            </a:r>
+          </a:p>
+        </p:txBody>
+      </p:sp>
+      <p:sp>
+        <p:nvSpPr>
+          <p:cNvPr id="3" name="Content Placeholder 2">
             <a:extLst>
               <a:ext uri="{FF2B5EF4-FFF2-40B4-BE49-F238E27FC236}">
-                <a16:creationId xmlns:a16="http://schemas.microsoft.com/office/drawing/2014/main" id="{1050A55D-89FE-F349-BD7C-C479A0C23AEC}"/>
+                <a16:creationId xmlns:a16="http://schemas.microsoft.com/office/drawing/2014/main" id="{A9D6FFEB-93E4-2440-B6F9-5294BC07F0C5}"/>
               </a:ext>
             </a:extLst>
           </p:cNvPr>
-          <p:cNvPicPr>
-            <a:picLocks noGrp="1" noChangeAspect="1"/>
-          </p:cNvPicPr>
-          <p:nvPr>
-            <p:ph sz="half" idx="1"/>
-          </p:nvPr>
-        </p:nvPicPr>
-        <p:blipFill>
-          <a:blip r:embed="rId2"/>
-          <a:stretch>
-            <a:fillRect/>
-          </a:stretch>
-        </p:blipFill>
-        <p:spPr>
-          <a:xfrm>
-            <a:off x="0" y="2102632"/>
-            <a:ext cx="6092825" cy="4283334"/>
-          </a:xfrm>
-          <a:prstGeom prst="rect">
-            <a:avLst/>
-          </a:prstGeom>
-        </p:spPr>
-      </p:pic>
-      <p:pic>
-        <p:nvPicPr>
-          <p:cNvPr id="6" name="Content Placeholder 5">
-            <a:extLst>
-              <a:ext uri="{FF2B5EF4-FFF2-40B4-BE49-F238E27FC236}">
-                <a16:creationId xmlns:a16="http://schemas.microsoft.com/office/drawing/2014/main" id="{41F8E2DB-FAAD-C34C-B1DB-0C8BFE864AB0}"/>
-              </a:ext>
-            </a:extLst>
-          </p:cNvPr>
-          <p:cNvPicPr>
-            <a:picLocks noGrp="1" noChangeAspect="1"/>
-          </p:cNvPicPr>
-          <p:nvPr>
-            <p:ph sz="half" idx="2"/>
-          </p:nvPr>
-        </p:nvPicPr>
-        <p:blipFill>
-          <a:blip r:embed="rId3"/>
-          <a:stretch>
-            <a:fillRect/>
-          </a:stretch>
-        </p:blipFill>
-        <p:spPr>
-          <a:xfrm>
-            <a:off x="6107414" y="2116544"/>
-            <a:ext cx="6113241" cy="4269422"/>
-          </a:xfrm>
-          <a:prstGeom prst="rect">
-            <a:avLst/>
-          </a:prstGeom>
-        </p:spPr>
-      </p:pic>
+          <p:cNvSpPr>
+            <a:spLocks noGrp="1"/>
+          </p:cNvSpPr>
+          <p:nvPr>
+            <p:ph idx="1"/>
+          </p:nvPr>
+        </p:nvSpPr>
+        <p:spPr/>
+        <p:txBody>
+          <a:bodyPr/>
+          <a:lstStyle/>
+          <a:p>
+            <a:r>
+              <a:rPr lang="en-US" dirty="0"/>
+              <a:t>D term - Augmented Dickey Fuller test.</a:t>
+            </a:r>
+          </a:p>
+          <a:p>
+            <a:pPr lvl="1"/>
+            <a:r>
+              <a:rPr lang="en-US" dirty="0"/>
+              <a:t>P &lt; .05 for significance test is normal cutoff. </a:t>
+            </a:r>
+          </a:p>
+          <a:p>
+            <a:r>
+              <a:rPr lang="en-US" dirty="0"/>
+              <a:t>P and Q Terms from autocorrelation and partial autocorrelation graphs. </a:t>
+            </a:r>
+          </a:p>
+          <a:p>
+            <a:pPr lvl="1"/>
+            <a:r>
+              <a:rPr lang="en-US" dirty="0"/>
+              <a:t>Next page… </a:t>
+            </a:r>
+          </a:p>
+          <a:p>
+            <a:r>
+              <a:rPr lang="en-US" dirty="0"/>
+              <a:t>If in doubt, default to lower values first. </a:t>
+            </a:r>
+          </a:p>
+        </p:txBody>
+      </p:sp>
     </p:spTree>
     <p:extLst>
       <p:ext uri="{BB962C8B-B14F-4D97-AF65-F5344CB8AC3E}">
-        <p14:creationId xmlns:p14="http://schemas.microsoft.com/office/powerpoint/2010/main" val="2848724905"/>
+        <p14:creationId xmlns:p14="http://schemas.microsoft.com/office/powerpoint/2010/main" val="4024351370"/>
       </p:ext>
     </p:extLst>
   </p:cSld>
@@ -3975,7 +4065,7 @@
           <p:cNvPr id="2" name="Title 1">
             <a:extLst>
               <a:ext uri="{FF2B5EF4-FFF2-40B4-BE49-F238E27FC236}">
-                <a16:creationId xmlns:a16="http://schemas.microsoft.com/office/drawing/2014/main" id="{558BE19D-AE42-BB42-B8FA-BA310BE0E4AD}"/>
+                <a16:creationId xmlns:a16="http://schemas.microsoft.com/office/drawing/2014/main" id="{B6D692E1-DF41-494A-AF87-6271E660E4E5}"/>
               </a:ext>
             </a:extLst>
           </p:cNvPr>
@@ -3991,35 +4081,48 @@
           <a:bodyPr/>
           <a:lstStyle/>
           <a:p>
-            <a:r>
-              <a:rPr lang="en-US" dirty="0"/>
-              <a:t>AR – 1</a:t>
-            </a:r>
-            <a:br>
-              <a:rPr lang="en-US" dirty="0"/>
-            </a:br>
-            <a:r>
-              <a:rPr lang="en-US" dirty="0"/>
-              <a:t>MA – 0 </a:t>
-            </a:r>
+            <a:endParaRPr lang="en-US"/>
+          </a:p>
+        </p:txBody>
+      </p:sp>
+      <p:sp>
+        <p:nvSpPr>
+          <p:cNvPr id="3" name="Content Placeholder 2">
+            <a:extLst>
+              <a:ext uri="{FF2B5EF4-FFF2-40B4-BE49-F238E27FC236}">
+                <a16:creationId xmlns:a16="http://schemas.microsoft.com/office/drawing/2014/main" id="{F764A3B3-9888-4A42-8523-5EAC0835E46E}"/>
+              </a:ext>
+            </a:extLst>
+          </p:cNvPr>
+          <p:cNvSpPr>
+            <a:spLocks noGrp="1"/>
+          </p:cNvSpPr>
+          <p:nvPr>
+            <p:ph idx="1"/>
+          </p:nvPr>
+        </p:nvSpPr>
+        <p:spPr/>
+        <p:txBody>
+          <a:bodyPr/>
+          <a:lstStyle/>
+          <a:p>
+            <a:endParaRPr lang="en-US"/>
           </a:p>
         </p:txBody>
       </p:sp>
       <p:pic>
         <p:nvPicPr>
-          <p:cNvPr id="6" name="Content Placeholder 5">
+          <p:cNvPr id="5" name="Picture 4">
             <a:extLst>
               <a:ext uri="{FF2B5EF4-FFF2-40B4-BE49-F238E27FC236}">
-                <a16:creationId xmlns:a16="http://schemas.microsoft.com/office/drawing/2014/main" id="{1C70AB12-CE35-9E4A-9759-B1340242A2AA}"/>
+                <a16:creationId xmlns:a16="http://schemas.microsoft.com/office/drawing/2014/main" id="{A1133875-FED9-BC45-9C3A-9741348C1241}"/>
               </a:ext>
             </a:extLst>
           </p:cNvPr>
           <p:cNvPicPr>
-            <a:picLocks noGrp="1" noChangeAspect="1"/>
+            <a:picLocks noChangeAspect="1"/>
           </p:cNvPicPr>
-          <p:nvPr>
-            <p:ph sz="half" idx="1"/>
-          </p:nvPr>
+          <p:nvPr/>
         </p:nvPicPr>
         <p:blipFill>
           <a:blip r:embed="rId2"/>
@@ -4029,40 +4132,8 @@
         </p:blipFill>
         <p:spPr>
           <a:xfrm>
-            <a:off x="0" y="2201955"/>
-            <a:ext cx="6092825" cy="4022772"/>
-          </a:xfrm>
-          <a:prstGeom prst="rect">
-            <a:avLst/>
-          </a:prstGeom>
-        </p:spPr>
-      </p:pic>
-      <p:pic>
-        <p:nvPicPr>
-          <p:cNvPr id="5" name="Content Placeholder 4">
-            <a:extLst>
-              <a:ext uri="{FF2B5EF4-FFF2-40B4-BE49-F238E27FC236}">
-                <a16:creationId xmlns:a16="http://schemas.microsoft.com/office/drawing/2014/main" id="{2B161ABB-D74D-3749-82FA-6930A99CB936}"/>
-              </a:ext>
-            </a:extLst>
-          </p:cNvPr>
-          <p:cNvPicPr>
-            <a:picLocks noGrp="1" noChangeAspect="1"/>
-          </p:cNvPicPr>
-          <p:nvPr>
-            <p:ph sz="half" idx="2"/>
-          </p:nvPr>
-        </p:nvPicPr>
-        <p:blipFill>
-          <a:blip r:embed="rId3"/>
-          <a:stretch>
-            <a:fillRect/>
-          </a:stretch>
-        </p:blipFill>
-        <p:spPr>
-          <a:xfrm>
-            <a:off x="6154121" y="2136946"/>
-            <a:ext cx="6092825" cy="4201641"/>
+            <a:off x="0" y="1803859"/>
+            <a:ext cx="12192000" cy="2670420"/>
           </a:xfrm>
           <a:prstGeom prst="rect">
             <a:avLst/>
@@ -4072,7 +4143,7 @@
     </p:spTree>
     <p:extLst>
       <p:ext uri="{BB962C8B-B14F-4D97-AF65-F5344CB8AC3E}">
-        <p14:creationId xmlns:p14="http://schemas.microsoft.com/office/powerpoint/2010/main" val="752172956"/>
+        <p14:creationId xmlns:p14="http://schemas.microsoft.com/office/powerpoint/2010/main" val="2712208763"/>
       </p:ext>
     </p:extLst>
   </p:cSld>
@@ -4101,10 +4172,10 @@
       </p:grpSpPr>
       <p:sp>
         <p:nvSpPr>
-          <p:cNvPr id="6" name="Title 5">
+          <p:cNvPr id="2" name="Title 1">
             <a:extLst>
               <a:ext uri="{FF2B5EF4-FFF2-40B4-BE49-F238E27FC236}">
-                <a16:creationId xmlns:a16="http://schemas.microsoft.com/office/drawing/2014/main" id="{6C075DEA-0F3A-1D41-91A1-46ECC0DA25AC}"/>
+                <a16:creationId xmlns:a16="http://schemas.microsoft.com/office/drawing/2014/main" id="{42ECDDAF-6A94-AA4A-9692-942BAAC8C5AE}"/>
               </a:ext>
             </a:extLst>
           </p:cNvPr>
@@ -4122,24 +4193,24 @@
           <a:p>
             <a:r>
               <a:rPr lang="en-US" dirty="0"/>
-              <a:t>AR = 1</a:t>
+              <a:t>AR – 0</a:t>
             </a:r>
             <a:br>
               <a:rPr lang="en-US" dirty="0"/>
             </a:br>
             <a:r>
               <a:rPr lang="en-US" dirty="0"/>
-              <a:t>MA = 1</a:t>
+              <a:t>MA – 1 </a:t>
             </a:r>
           </a:p>
         </p:txBody>
       </p:sp>
       <p:pic>
         <p:nvPicPr>
-          <p:cNvPr id="9" name="Content Placeholder 8">
+          <p:cNvPr id="5" name="Content Placeholder 4">
             <a:extLst>
               <a:ext uri="{FF2B5EF4-FFF2-40B4-BE49-F238E27FC236}">
-                <a16:creationId xmlns:a16="http://schemas.microsoft.com/office/drawing/2014/main" id="{5450AC10-2360-C041-A1DE-1ED01FFAF62D}"/>
+                <a16:creationId xmlns:a16="http://schemas.microsoft.com/office/drawing/2014/main" id="{1050A55D-89FE-F349-BD7C-C479A0C23AEC}"/>
               </a:ext>
             </a:extLst>
           </p:cNvPr>
@@ -4147,7 +4218,7 @@
             <a:picLocks noGrp="1" noChangeAspect="1"/>
           </p:cNvPicPr>
           <p:nvPr>
-            <p:ph sz="half" idx="2"/>
+            <p:ph sz="half" idx="1"/>
           </p:nvPr>
         </p:nvPicPr>
         <p:blipFill>
@@ -4158,8 +4229,8 @@
         </p:blipFill>
         <p:spPr>
           <a:xfrm>
-            <a:off x="6114320" y="2163640"/>
-            <a:ext cx="6034920" cy="4092349"/>
+            <a:off x="0" y="2102632"/>
+            <a:ext cx="6092825" cy="4283334"/>
           </a:xfrm>
           <a:prstGeom prst="rect">
             <a:avLst/>
@@ -4168,10 +4239,10 @@
       </p:pic>
       <p:pic>
         <p:nvPicPr>
-          <p:cNvPr id="10" name="Content Placeholder 9">
+          <p:cNvPr id="6" name="Content Placeholder 5">
             <a:extLst>
               <a:ext uri="{FF2B5EF4-FFF2-40B4-BE49-F238E27FC236}">
-                <a16:creationId xmlns:a16="http://schemas.microsoft.com/office/drawing/2014/main" id="{7F4A48C3-8DA4-1244-9CEC-30EB32F0272C}"/>
+                <a16:creationId xmlns:a16="http://schemas.microsoft.com/office/drawing/2014/main" id="{41F8E2DB-FAAD-C34C-B1DB-0C8BFE864AB0}"/>
               </a:ext>
             </a:extLst>
           </p:cNvPr>
@@ -4179,7 +4250,7 @@
             <a:picLocks noGrp="1" noChangeAspect="1"/>
           </p:cNvPicPr>
           <p:nvPr>
-            <p:ph sz="half" idx="1"/>
+            <p:ph sz="half" idx="2"/>
           </p:nvPr>
         </p:nvPicPr>
         <p:blipFill>
@@ -4190,8 +4261,8 @@
         </p:blipFill>
         <p:spPr>
           <a:xfrm>
-            <a:off x="0" y="2182697"/>
-            <a:ext cx="6092825" cy="4073292"/>
+            <a:off x="6107414" y="2116544"/>
+            <a:ext cx="6113241" cy="4269422"/>
           </a:xfrm>
           <a:prstGeom prst="rect">
             <a:avLst/>
@@ -4201,7 +4272,7 @@
     </p:spTree>
     <p:extLst>
       <p:ext uri="{BB962C8B-B14F-4D97-AF65-F5344CB8AC3E}">
-        <p14:creationId xmlns:p14="http://schemas.microsoft.com/office/powerpoint/2010/main" val="2180279072"/>
+        <p14:creationId xmlns:p14="http://schemas.microsoft.com/office/powerpoint/2010/main" val="2848724905"/>
       </p:ext>
     </p:extLst>
   </p:cSld>
@@ -4233,6 +4304,264 @@
           <p:cNvPr id="2" name="Title 1">
             <a:extLst>
               <a:ext uri="{FF2B5EF4-FFF2-40B4-BE49-F238E27FC236}">
+                <a16:creationId xmlns:a16="http://schemas.microsoft.com/office/drawing/2014/main" id="{558BE19D-AE42-BB42-B8FA-BA310BE0E4AD}"/>
+              </a:ext>
+            </a:extLst>
+          </p:cNvPr>
+          <p:cNvSpPr>
+            <a:spLocks noGrp="1"/>
+          </p:cNvSpPr>
+          <p:nvPr>
+            <p:ph type="title"/>
+          </p:nvPr>
+        </p:nvSpPr>
+        <p:spPr/>
+        <p:txBody>
+          <a:bodyPr/>
+          <a:lstStyle/>
+          <a:p>
+            <a:r>
+              <a:rPr lang="en-US" dirty="0"/>
+              <a:t>AR – 1</a:t>
+            </a:r>
+            <a:br>
+              <a:rPr lang="en-US" dirty="0"/>
+            </a:br>
+            <a:r>
+              <a:rPr lang="en-US" dirty="0"/>
+              <a:t>MA – 0 </a:t>
+            </a:r>
+          </a:p>
+        </p:txBody>
+      </p:sp>
+      <p:pic>
+        <p:nvPicPr>
+          <p:cNvPr id="6" name="Content Placeholder 5">
+            <a:extLst>
+              <a:ext uri="{FF2B5EF4-FFF2-40B4-BE49-F238E27FC236}">
+                <a16:creationId xmlns:a16="http://schemas.microsoft.com/office/drawing/2014/main" id="{1C70AB12-CE35-9E4A-9759-B1340242A2AA}"/>
+              </a:ext>
+            </a:extLst>
+          </p:cNvPr>
+          <p:cNvPicPr>
+            <a:picLocks noGrp="1" noChangeAspect="1"/>
+          </p:cNvPicPr>
+          <p:nvPr>
+            <p:ph sz="half" idx="1"/>
+          </p:nvPr>
+        </p:nvPicPr>
+        <p:blipFill>
+          <a:blip r:embed="rId2"/>
+          <a:stretch>
+            <a:fillRect/>
+          </a:stretch>
+        </p:blipFill>
+        <p:spPr>
+          <a:xfrm>
+            <a:off x="0" y="2201955"/>
+            <a:ext cx="6092825" cy="4022772"/>
+          </a:xfrm>
+          <a:prstGeom prst="rect">
+            <a:avLst/>
+          </a:prstGeom>
+        </p:spPr>
+      </p:pic>
+      <p:pic>
+        <p:nvPicPr>
+          <p:cNvPr id="5" name="Content Placeholder 4">
+            <a:extLst>
+              <a:ext uri="{FF2B5EF4-FFF2-40B4-BE49-F238E27FC236}">
+                <a16:creationId xmlns:a16="http://schemas.microsoft.com/office/drawing/2014/main" id="{2B161ABB-D74D-3749-82FA-6930A99CB936}"/>
+              </a:ext>
+            </a:extLst>
+          </p:cNvPr>
+          <p:cNvPicPr>
+            <a:picLocks noGrp="1" noChangeAspect="1"/>
+          </p:cNvPicPr>
+          <p:nvPr>
+            <p:ph sz="half" idx="2"/>
+          </p:nvPr>
+        </p:nvPicPr>
+        <p:blipFill>
+          <a:blip r:embed="rId3"/>
+          <a:stretch>
+            <a:fillRect/>
+          </a:stretch>
+        </p:blipFill>
+        <p:spPr>
+          <a:xfrm>
+            <a:off x="6154121" y="2136946"/>
+            <a:ext cx="6092825" cy="4201641"/>
+          </a:xfrm>
+          <a:prstGeom prst="rect">
+            <a:avLst/>
+          </a:prstGeom>
+        </p:spPr>
+      </p:pic>
+    </p:spTree>
+    <p:extLst>
+      <p:ext uri="{BB962C8B-B14F-4D97-AF65-F5344CB8AC3E}">
+        <p14:creationId xmlns:p14="http://schemas.microsoft.com/office/powerpoint/2010/main" val="752172956"/>
+      </p:ext>
+    </p:extLst>
+  </p:cSld>
+  <p:clrMapOvr>
+    <a:masterClrMapping/>
+  </p:clrMapOvr>
+</p:sld>
+</file>
+
+<file path=ppt/slides/slide15.xml><?xml version="1.0" encoding="utf-8"?>
+<p:sld xmlns:a="http://schemas.openxmlformats.org/drawingml/2006/main" xmlns:r="http://schemas.openxmlformats.org/officeDocument/2006/relationships" xmlns:p="http://schemas.openxmlformats.org/presentationml/2006/main">
+  <p:cSld>
+    <p:spTree>
+      <p:nvGrpSpPr>
+        <p:cNvPr id="1" name=""/>
+        <p:cNvGrpSpPr/>
+        <p:nvPr/>
+      </p:nvGrpSpPr>
+      <p:grpSpPr>
+        <a:xfrm>
+          <a:off x="0" y="0"/>
+          <a:ext cx="0" cy="0"/>
+          <a:chOff x="0" y="0"/>
+          <a:chExt cx="0" cy="0"/>
+        </a:xfrm>
+      </p:grpSpPr>
+      <p:sp>
+        <p:nvSpPr>
+          <p:cNvPr id="6" name="Title 5">
+            <a:extLst>
+              <a:ext uri="{FF2B5EF4-FFF2-40B4-BE49-F238E27FC236}">
+                <a16:creationId xmlns:a16="http://schemas.microsoft.com/office/drawing/2014/main" id="{6C075DEA-0F3A-1D41-91A1-46ECC0DA25AC}"/>
+              </a:ext>
+            </a:extLst>
+          </p:cNvPr>
+          <p:cNvSpPr>
+            <a:spLocks noGrp="1"/>
+          </p:cNvSpPr>
+          <p:nvPr>
+            <p:ph type="title"/>
+          </p:nvPr>
+        </p:nvSpPr>
+        <p:spPr/>
+        <p:txBody>
+          <a:bodyPr/>
+          <a:lstStyle/>
+          <a:p>
+            <a:r>
+              <a:rPr lang="en-US" dirty="0"/>
+              <a:t>AR = 1</a:t>
+            </a:r>
+            <a:br>
+              <a:rPr lang="en-US" dirty="0"/>
+            </a:br>
+            <a:r>
+              <a:rPr lang="en-US" dirty="0"/>
+              <a:t>MA = 1</a:t>
+            </a:r>
+          </a:p>
+        </p:txBody>
+      </p:sp>
+      <p:pic>
+        <p:nvPicPr>
+          <p:cNvPr id="9" name="Content Placeholder 8">
+            <a:extLst>
+              <a:ext uri="{FF2B5EF4-FFF2-40B4-BE49-F238E27FC236}">
+                <a16:creationId xmlns:a16="http://schemas.microsoft.com/office/drawing/2014/main" id="{5450AC10-2360-C041-A1DE-1ED01FFAF62D}"/>
+              </a:ext>
+            </a:extLst>
+          </p:cNvPr>
+          <p:cNvPicPr>
+            <a:picLocks noGrp="1" noChangeAspect="1"/>
+          </p:cNvPicPr>
+          <p:nvPr>
+            <p:ph sz="half" idx="2"/>
+          </p:nvPr>
+        </p:nvPicPr>
+        <p:blipFill>
+          <a:blip r:embed="rId2"/>
+          <a:stretch>
+            <a:fillRect/>
+          </a:stretch>
+        </p:blipFill>
+        <p:spPr>
+          <a:xfrm>
+            <a:off x="6114320" y="2163640"/>
+            <a:ext cx="6034920" cy="4092349"/>
+          </a:xfrm>
+          <a:prstGeom prst="rect">
+            <a:avLst/>
+          </a:prstGeom>
+        </p:spPr>
+      </p:pic>
+      <p:pic>
+        <p:nvPicPr>
+          <p:cNvPr id="10" name="Content Placeholder 9">
+            <a:extLst>
+              <a:ext uri="{FF2B5EF4-FFF2-40B4-BE49-F238E27FC236}">
+                <a16:creationId xmlns:a16="http://schemas.microsoft.com/office/drawing/2014/main" id="{7F4A48C3-8DA4-1244-9CEC-30EB32F0272C}"/>
+              </a:ext>
+            </a:extLst>
+          </p:cNvPr>
+          <p:cNvPicPr>
+            <a:picLocks noGrp="1" noChangeAspect="1"/>
+          </p:cNvPicPr>
+          <p:nvPr>
+            <p:ph sz="half" idx="1"/>
+          </p:nvPr>
+        </p:nvPicPr>
+        <p:blipFill>
+          <a:blip r:embed="rId3"/>
+          <a:stretch>
+            <a:fillRect/>
+          </a:stretch>
+        </p:blipFill>
+        <p:spPr>
+          <a:xfrm>
+            <a:off x="0" y="2182697"/>
+            <a:ext cx="6092825" cy="4073292"/>
+          </a:xfrm>
+          <a:prstGeom prst="rect">
+            <a:avLst/>
+          </a:prstGeom>
+        </p:spPr>
+      </p:pic>
+    </p:spTree>
+    <p:extLst>
+      <p:ext uri="{BB962C8B-B14F-4D97-AF65-F5344CB8AC3E}">
+        <p14:creationId xmlns:p14="http://schemas.microsoft.com/office/powerpoint/2010/main" val="2180279072"/>
+      </p:ext>
+    </p:extLst>
+  </p:cSld>
+  <p:clrMapOvr>
+    <a:masterClrMapping/>
+  </p:clrMapOvr>
+</p:sld>
+</file>
+
+<file path=ppt/slides/slide16.xml><?xml version="1.0" encoding="utf-8"?>
+<p:sld xmlns:a="http://schemas.openxmlformats.org/drawingml/2006/main" xmlns:r="http://schemas.openxmlformats.org/officeDocument/2006/relationships" xmlns:p="http://schemas.openxmlformats.org/presentationml/2006/main">
+  <p:cSld>
+    <p:spTree>
+      <p:nvGrpSpPr>
+        <p:cNvPr id="1" name=""/>
+        <p:cNvGrpSpPr/>
+        <p:nvPr/>
+      </p:nvGrpSpPr>
+      <p:grpSpPr>
+        <a:xfrm>
+          <a:off x="0" y="0"/>
+          <a:ext cx="0" cy="0"/>
+          <a:chOff x="0" y="0"/>
+          <a:chExt cx="0" cy="0"/>
+        </a:xfrm>
+      </p:grpSpPr>
+      <p:sp>
+        <p:nvSpPr>
+          <p:cNvPr id="2" name="Title 1">
+            <a:extLst>
+              <a:ext uri="{FF2B5EF4-FFF2-40B4-BE49-F238E27FC236}">
                 <a16:creationId xmlns:a16="http://schemas.microsoft.com/office/drawing/2014/main" id="{6E1A8DAA-594E-DF46-8A5F-F8BFE936389B}"/>
               </a:ext>
             </a:extLst>
@@ -4378,7 +4707,7 @@
 </p:sld>
 </file>
 
-<file path=ppt/slides/slide15.xml><?xml version="1.0" encoding="utf-8"?>
+<file path=ppt/slides/slide17.xml><?xml version="1.0" encoding="utf-8"?>
 <p:sld xmlns:a="http://schemas.openxmlformats.org/drawingml/2006/main" xmlns:r="http://schemas.openxmlformats.org/officeDocument/2006/relationships" xmlns:p="http://schemas.openxmlformats.org/presentationml/2006/main">
   <p:cSld>
     <p:bg>
@@ -4561,7 +4890,7 @@
 </p:sld>
 </file>
 
-<file path=ppt/slides/slide16.xml><?xml version="1.0" encoding="utf-8"?>
+<file path=ppt/slides/slide18.xml><?xml version="1.0" encoding="utf-8"?>
 <p:sld xmlns:a="http://schemas.openxmlformats.org/drawingml/2006/main" xmlns:r="http://schemas.openxmlformats.org/officeDocument/2006/relationships" xmlns:p="http://schemas.openxmlformats.org/presentationml/2006/main">
   <p:cSld>
     <p:spTree>
@@ -4705,7 +5034,7 @@
 </p:sld>
 </file>
 
-<file path=ppt/slides/slide17.xml><?xml version="1.0" encoding="utf-8"?>
+<file path=ppt/slides/slide19.xml><?xml version="1.0" encoding="utf-8"?>
 <p:sld xmlns:a="http://schemas.openxmlformats.org/drawingml/2006/main" xmlns:r="http://schemas.openxmlformats.org/officeDocument/2006/relationships" xmlns:p="http://schemas.openxmlformats.org/presentationml/2006/main">
   <p:cSld>
     <p:spTree>
@@ -4774,10 +5103,10 @@
       </p:sp>
       <p:pic>
         <p:nvPicPr>
-          <p:cNvPr id="3074" name="Picture 2" descr="Sktime – Python Toolbox For Machine Learning With Time, 52% OFF">
+          <p:cNvPr id="3078" name="Picture 6" descr="An Introduction to Time Series Analysis with ARIMA | by Taha Binhuraib |  Towards Data Science">
             <a:extLst>
               <a:ext uri="{FF2B5EF4-FFF2-40B4-BE49-F238E27FC236}">
-                <a16:creationId xmlns:a16="http://schemas.microsoft.com/office/drawing/2014/main" id="{660AE7F4-BAAA-5F42-04E1-737DBC313DAE}"/>
+                <a16:creationId xmlns:a16="http://schemas.microsoft.com/office/drawing/2014/main" id="{80206A55-FE5D-DA58-FC63-500707A09DAA}"/>
               </a:ext>
             </a:extLst>
           </p:cNvPr>
@@ -4801,8 +5130,8 @@
         </p:blipFill>
         <p:spPr bwMode="auto">
           <a:xfrm>
-            <a:off x="339725" y="0"/>
-            <a:ext cx="11510963" cy="6858000"/>
+            <a:off x="1085850" y="793750"/>
+            <a:ext cx="10020300" cy="5270500"/>
           </a:xfrm>
           <a:prstGeom prst="rect">
             <a:avLst/>
@@ -4823,298 +5152,6 @@
     <p:extLst>
       <p:ext uri="{BB962C8B-B14F-4D97-AF65-F5344CB8AC3E}">
         <p14:creationId xmlns:p14="http://schemas.microsoft.com/office/powerpoint/2010/main" val="1668522858"/>
-      </p:ext>
-    </p:extLst>
-  </p:cSld>
-  <p:clrMapOvr>
-    <a:masterClrMapping/>
-  </p:clrMapOvr>
-</p:sld>
-</file>
-
-<file path=ppt/slides/slide18.xml><?xml version="1.0" encoding="utf-8"?>
-<p:sld xmlns:a="http://schemas.openxmlformats.org/drawingml/2006/main" xmlns:r="http://schemas.openxmlformats.org/officeDocument/2006/relationships" xmlns:p="http://schemas.openxmlformats.org/presentationml/2006/main">
-  <p:cSld>
-    <p:spTree>
-      <p:nvGrpSpPr>
-        <p:cNvPr id="1" name=""/>
-        <p:cNvGrpSpPr/>
-        <p:nvPr/>
-      </p:nvGrpSpPr>
-      <p:grpSpPr>
-        <a:xfrm>
-          <a:off x="0" y="0"/>
-          <a:ext cx="0" cy="0"/>
-          <a:chOff x="0" y="0"/>
-          <a:chExt cx="0" cy="0"/>
-        </a:xfrm>
-      </p:grpSpPr>
-      <p:sp>
-        <p:nvSpPr>
-          <p:cNvPr id="2" name="Title 1">
-            <a:extLst>
-              <a:ext uri="{FF2B5EF4-FFF2-40B4-BE49-F238E27FC236}">
-                <a16:creationId xmlns:a16="http://schemas.microsoft.com/office/drawing/2014/main" id="{7918DD57-685F-9106-A246-52DA83E487AF}"/>
-              </a:ext>
-            </a:extLst>
-          </p:cNvPr>
-          <p:cNvSpPr>
-            <a:spLocks noGrp="1"/>
-          </p:cNvSpPr>
-          <p:nvPr>
-            <p:ph type="title"/>
-          </p:nvPr>
-        </p:nvSpPr>
-        <p:spPr/>
-        <p:txBody>
-          <a:bodyPr/>
-          <a:lstStyle/>
-          <a:p>
-            <a:r>
-              <a:rPr lang="en-US" dirty="0"/>
-              <a:t>ARIMA-d Up</a:t>
-            </a:r>
-          </a:p>
-        </p:txBody>
-      </p:sp>
-      <p:sp>
-        <p:nvSpPr>
-          <p:cNvPr id="3" name="Content Placeholder 2">
-            <a:extLst>
-              <a:ext uri="{FF2B5EF4-FFF2-40B4-BE49-F238E27FC236}">
-                <a16:creationId xmlns:a16="http://schemas.microsoft.com/office/drawing/2014/main" id="{5DFC05F1-1780-38C0-3A3E-8D342C5F1611}"/>
-              </a:ext>
-            </a:extLst>
-          </p:cNvPr>
-          <p:cNvSpPr>
-            <a:spLocks noGrp="1"/>
-          </p:cNvSpPr>
-          <p:nvPr>
-            <p:ph idx="1"/>
-          </p:nvPr>
-        </p:nvSpPr>
-        <p:spPr>
-          <a:xfrm>
-            <a:off x="1451579" y="1853754"/>
-            <a:ext cx="9603275" cy="4110076"/>
-          </a:xfrm>
-        </p:spPr>
-        <p:txBody>
-          <a:bodyPr/>
-          <a:lstStyle/>
-          <a:p>
-            <a:r>
-              <a:rPr lang="en-US" dirty="0"/>
-              <a:t>The ARIMA model type is a ‘basic’ one – a more elaborate moving average. </a:t>
-            </a:r>
-          </a:p>
-          <a:p>
-            <a:pPr lvl="1"/>
-            <a:r>
-              <a:rPr lang="en-US" dirty="0"/>
-              <a:t>I.e. it is ‘pure stats’ and is an old way of making these projections. </a:t>
-            </a:r>
-          </a:p>
-          <a:p>
-            <a:r>
-              <a:rPr lang="en-US" dirty="0"/>
-              <a:t>Pros:</a:t>
-            </a:r>
-          </a:p>
-          <a:p>
-            <a:pPr lvl="1"/>
-            <a:r>
-              <a:rPr lang="en-US" dirty="0"/>
-              <a:t>Simple, transparent, generally less overfitting/variance error. </a:t>
-            </a:r>
-          </a:p>
-          <a:p>
-            <a:pPr lvl="1"/>
-            <a:r>
-              <a:rPr lang="en-US" dirty="0"/>
-              <a:t>Single digits of number of weights trained during fitting. </a:t>
-            </a:r>
-          </a:p>
-          <a:p>
-            <a:pPr lvl="1"/>
-            <a:endParaRPr lang="en-US" dirty="0"/>
-          </a:p>
-          <a:p>
-            <a:r>
-              <a:rPr lang="en-US" dirty="0"/>
-              <a:t>Cons:</a:t>
-            </a:r>
-          </a:p>
-          <a:p>
-            <a:pPr lvl="1"/>
-            <a:r>
-              <a:rPr lang="en-US" dirty="0"/>
-              <a:t>Potentially too simple, not adaptable to variable scenarios. </a:t>
-            </a:r>
-          </a:p>
-          <a:p>
-            <a:pPr lvl="1"/>
-            <a:r>
-              <a:rPr lang="en-US" dirty="0"/>
-              <a:t>Low capacity to adapt – too much bias error, especially in complex scenarios. </a:t>
-            </a:r>
-          </a:p>
-        </p:txBody>
-      </p:sp>
-    </p:spTree>
-    <p:extLst>
-      <p:ext uri="{BB962C8B-B14F-4D97-AF65-F5344CB8AC3E}">
-        <p14:creationId xmlns:p14="http://schemas.microsoft.com/office/powerpoint/2010/main" val="2830739107"/>
-      </p:ext>
-    </p:extLst>
-  </p:cSld>
-  <p:clrMapOvr>
-    <a:masterClrMapping/>
-  </p:clrMapOvr>
-</p:sld>
-</file>
-
-<file path=ppt/slides/slide19.xml><?xml version="1.0" encoding="utf-8"?>
-<p:sld xmlns:a="http://schemas.openxmlformats.org/drawingml/2006/main" xmlns:r="http://schemas.openxmlformats.org/officeDocument/2006/relationships" xmlns:p="http://schemas.openxmlformats.org/presentationml/2006/main">
-  <p:cSld>
-    <p:spTree>
-      <p:nvGrpSpPr>
-        <p:cNvPr id="1" name=""/>
-        <p:cNvGrpSpPr/>
-        <p:nvPr/>
-      </p:nvGrpSpPr>
-      <p:grpSpPr>
-        <a:xfrm>
-          <a:off x="0" y="0"/>
-          <a:ext cx="0" cy="0"/>
-          <a:chOff x="0" y="0"/>
-          <a:chExt cx="0" cy="0"/>
-        </a:xfrm>
-      </p:grpSpPr>
-      <p:sp>
-        <p:nvSpPr>
-          <p:cNvPr id="2" name="Title 1">
-            <a:extLst>
-              <a:ext uri="{FF2B5EF4-FFF2-40B4-BE49-F238E27FC236}">
-                <a16:creationId xmlns:a16="http://schemas.microsoft.com/office/drawing/2014/main" id="{DA5678F7-635A-D40C-AD90-AAADEA13E967}"/>
-              </a:ext>
-            </a:extLst>
-          </p:cNvPr>
-          <p:cNvSpPr>
-            <a:spLocks noGrp="1"/>
-          </p:cNvSpPr>
-          <p:nvPr>
-            <p:ph type="title"/>
-          </p:nvPr>
-        </p:nvSpPr>
-        <p:spPr/>
-        <p:txBody>
-          <a:bodyPr/>
-          <a:lstStyle/>
-          <a:p>
-            <a:r>
-              <a:rPr lang="en-US" dirty="0"/>
-              <a:t>Smarter Time Models</a:t>
-            </a:r>
-          </a:p>
-        </p:txBody>
-      </p:sp>
-      <p:sp>
-        <p:nvSpPr>
-          <p:cNvPr id="3" name="Content Placeholder 2">
-            <a:extLst>
-              <a:ext uri="{FF2B5EF4-FFF2-40B4-BE49-F238E27FC236}">
-                <a16:creationId xmlns:a16="http://schemas.microsoft.com/office/drawing/2014/main" id="{F23B1FF3-C207-9615-B32A-D907854A0D2F}"/>
-              </a:ext>
-            </a:extLst>
-          </p:cNvPr>
-          <p:cNvSpPr>
-            <a:spLocks noGrp="1"/>
-          </p:cNvSpPr>
-          <p:nvPr>
-            <p:ph idx="1"/>
-          </p:nvPr>
-        </p:nvSpPr>
-        <p:spPr>
-          <a:xfrm>
-            <a:off x="1137147" y="1853754"/>
-            <a:ext cx="10243158" cy="4199727"/>
-          </a:xfrm>
-        </p:spPr>
-        <p:txBody>
-          <a:bodyPr/>
-          <a:lstStyle/>
-          <a:p>
-            <a:r>
-              <a:rPr lang="en-US" dirty="0"/>
-              <a:t>Modern models have much more capability than a simple ARIMA one. </a:t>
-            </a:r>
-          </a:p>
-          <a:p>
-            <a:pPr lvl="1"/>
-            <a:r>
-              <a:rPr lang="en-US" dirty="0"/>
-              <a:t>Large numbers of weights can capture less frequent or obvious patterns. </a:t>
-            </a:r>
-          </a:p>
-          <a:p>
-            <a:pPr lvl="1"/>
-            <a:r>
-              <a:rPr lang="en-US" dirty="0"/>
-              <a:t>In some cases (neural networks) models can learn things like the ARIMA patterns themselves. </a:t>
-            </a:r>
-          </a:p>
-          <a:p>
-            <a:r>
-              <a:rPr lang="en-US" dirty="0"/>
-              <a:t>Their capacity to learn is much larger - they have more weights, can learn complex patterns. </a:t>
-            </a:r>
-          </a:p>
-          <a:p>
-            <a:pPr lvl="1"/>
-            <a:r>
-              <a:rPr lang="en-US" dirty="0"/>
-              <a:t>Similar to a large tree vs a linear regression – more flexible in learning and adapting. </a:t>
-            </a:r>
-          </a:p>
-          <a:p>
-            <a:pPr lvl="1"/>
-            <a:r>
-              <a:rPr lang="en-US" dirty="0"/>
-              <a:t>Rare events, ‘special’ times like holidays, longer cyclical patterns, </a:t>
-            </a:r>
-            <a:r>
-              <a:rPr lang="en-US" dirty="0" err="1"/>
-              <a:t>etc</a:t>
-            </a:r>
-            <a:r>
-              <a:rPr lang="en-US" dirty="0"/>
-              <a:t>…</a:t>
-            </a:r>
-          </a:p>
-          <a:p>
-            <a:pPr lvl="1"/>
-            <a:r>
-              <a:rPr lang="en-US" dirty="0"/>
-              <a:t>Much of the flexibility in the tools that helped language models also help here. </a:t>
-            </a:r>
-          </a:p>
-          <a:p>
-            <a:r>
-              <a:rPr lang="en-US" dirty="0"/>
-              <a:t>These models tend to work and interact more similar to what we’re used to (or NN-style). </a:t>
-            </a:r>
-          </a:p>
-          <a:p>
-            <a:pPr lvl="1"/>
-            <a:endParaRPr lang="en-US" dirty="0"/>
-          </a:p>
-        </p:txBody>
-      </p:sp>
-    </p:spTree>
-    <p:extLst>
-      <p:ext uri="{BB962C8B-B14F-4D97-AF65-F5344CB8AC3E}">
-        <p14:creationId xmlns:p14="http://schemas.microsoft.com/office/powerpoint/2010/main" val="2969086212"/>
       </p:ext>
     </p:extLst>
   </p:cSld>
@@ -5146,7 +5183,7 @@
           <p:cNvPr id="2" name="Title 1">
             <a:extLst>
               <a:ext uri="{FF2B5EF4-FFF2-40B4-BE49-F238E27FC236}">
-                <a16:creationId xmlns:a16="http://schemas.microsoft.com/office/drawing/2014/main" id="{B6BBB493-8DF2-7D9B-AAF8-D6D0AE1F57F5}"/>
+                <a16:creationId xmlns:a16="http://schemas.microsoft.com/office/drawing/2014/main" id="{895088AB-F855-F539-BDBD-DF7174C29073}"/>
               </a:ext>
             </a:extLst>
           </p:cNvPr>
@@ -5164,7 +5201,7 @@
           <a:p>
             <a:r>
               <a:rPr lang="en-US" dirty="0"/>
-              <a:t>Time Series Data</a:t>
+              <a:t>Test Stuff</a:t>
             </a:r>
           </a:p>
         </p:txBody>
@@ -5174,7 +5211,7 @@
           <p:cNvPr id="3" name="Content Placeholder 2">
             <a:extLst>
               <a:ext uri="{FF2B5EF4-FFF2-40B4-BE49-F238E27FC236}">
-                <a16:creationId xmlns:a16="http://schemas.microsoft.com/office/drawing/2014/main" id="{1F74E27E-E260-95A4-E84F-4952B8D9FF54}"/>
+                <a16:creationId xmlns:a16="http://schemas.microsoft.com/office/drawing/2014/main" id="{1F131C13-0A7B-2F52-C8D0-E07C377600A1}"/>
               </a:ext>
             </a:extLst>
           </p:cNvPr>
@@ -5187,88 +5224,55 @@
         </p:nvSpPr>
         <p:spPr>
           <a:xfrm>
-            <a:off x="1451579" y="1853754"/>
-            <a:ext cx="9603275" cy="4199727"/>
-          </a:xfrm>
-        </p:spPr>
-        <p:txBody>
-          <a:bodyPr>
-            <a:normAutofit lnSpcReduction="10000"/>
-          </a:bodyPr>
-          <a:lstStyle/>
-          <a:p>
-            <a:r>
-              <a:rPr lang="en-US" dirty="0"/>
-              <a:t>Time-series data is data that progresses over time. </a:t>
+            <a:off x="1451579" y="2015732"/>
+            <a:ext cx="9603275" cy="3964282"/>
+          </a:xfrm>
+        </p:spPr>
+        <p:txBody>
+          <a:bodyPr/>
+          <a:lstStyle/>
+          <a:p>
+            <a:r>
+              <a:rPr lang="en-US" dirty="0"/>
+              <a:t>Good job overall. </a:t>
+            </a:r>
+          </a:p>
+          <a:p>
+            <a:r>
+              <a:rPr lang="en-US" dirty="0"/>
+              <a:t>Small notes:</a:t>
             </a:r>
           </a:p>
           <a:p>
             <a:pPr lvl="1"/>
             <a:r>
               <a:rPr lang="en-US" dirty="0"/>
-              <a:t>E.g. gas prices, stock prices, temperature, </a:t>
-            </a:r>
-            <a:r>
-              <a:rPr lang="en-US" dirty="0" err="1"/>
-              <a:t>etc</a:t>
-            </a:r>
-            <a:r>
-              <a:rPr lang="en-US" dirty="0"/>
-              <a:t>…</a:t>
-            </a:r>
-          </a:p>
-          <a:p>
-            <a:r>
-              <a:rPr lang="en-US" dirty="0"/>
-              <a:t>The basis of predictions, or forecasts, is by looking at patterns in the data. </a:t>
-            </a:r>
-          </a:p>
-          <a:p>
-            <a:r>
-              <a:rPr lang="en-US" dirty="0"/>
-              <a:t>Time-series data has a few parts that our forecasts try to separate:</a:t>
+              <a:t>The kernel transformation and the kernel trick are separate. The transformation makes things work, the ‘trick’ allows it with less math. </a:t>
             </a:r>
           </a:p>
           <a:p>
             <a:pPr lvl="1"/>
             <a:r>
               <a:rPr lang="en-US" dirty="0"/>
-              <a:t>Trend – are we going up or down as time progresses. </a:t>
+              <a:t>Forests are generally not really interpretable. </a:t>
+            </a:r>
+          </a:p>
+          <a:p>
+            <a:r>
+              <a:rPr lang="en-US" dirty="0"/>
+              <a:t>Dimensionality will continue to be important as we move to NN stuff. </a:t>
             </a:r>
           </a:p>
           <a:p>
             <a:pPr lvl="1"/>
-            <a:r>
-              <a:rPr lang="en-US" dirty="0"/>
-              <a:t>Seasonality – do we have regular waves, such as seasonal sales. </a:t>
-            </a:r>
-          </a:p>
-          <a:p>
-            <a:pPr lvl="1"/>
-            <a:r>
-              <a:rPr lang="en-US" dirty="0"/>
-              <a:t>Cyclicality – do we have larger waves, spanning several seasons. </a:t>
-            </a:r>
-          </a:p>
-          <a:p>
-            <a:pPr lvl="1"/>
-            <a:r>
-              <a:rPr lang="en-US" dirty="0"/>
-              <a:t>Irregularity – how much variation is there that doesn’t fit into the above. </a:t>
-            </a:r>
-          </a:p>
-          <a:p>
-            <a:r>
-              <a:rPr lang="en-US" dirty="0"/>
-              <a:t>The models generally try to decompose each of these, measure each, and recombine them to create projections. </a:t>
-            </a:r>
+            <a:endParaRPr lang="en-US" dirty="0"/>
           </a:p>
         </p:txBody>
       </p:sp>
     </p:spTree>
     <p:extLst>
       <p:ext uri="{BB962C8B-B14F-4D97-AF65-F5344CB8AC3E}">
-        <p14:creationId xmlns:p14="http://schemas.microsoft.com/office/powerpoint/2010/main" val="1351010078"/>
+        <p14:creationId xmlns:p14="http://schemas.microsoft.com/office/powerpoint/2010/main" val="2007408444"/>
       </p:ext>
     </p:extLst>
   </p:cSld>
@@ -5300,7 +5304,7 @@
           <p:cNvPr id="2" name="Title 1">
             <a:extLst>
               <a:ext uri="{FF2B5EF4-FFF2-40B4-BE49-F238E27FC236}">
-                <a16:creationId xmlns:a16="http://schemas.microsoft.com/office/drawing/2014/main" id="{19192875-568E-E27F-EF8C-0E63853062C2}"/>
+                <a16:creationId xmlns:a16="http://schemas.microsoft.com/office/drawing/2014/main" id="{7918DD57-685F-9106-A246-52DA83E487AF}"/>
               </a:ext>
             </a:extLst>
           </p:cNvPr>
@@ -5318,7 +5322,7 @@
           <a:p>
             <a:r>
               <a:rPr lang="en-US" dirty="0"/>
-              <a:t>Facebook Prophet</a:t>
+              <a:t>ARIMA-d Up</a:t>
             </a:r>
           </a:p>
         </p:txBody>
@@ -5328,7 +5332,7 @@
           <p:cNvPr id="3" name="Content Placeholder 2">
             <a:extLst>
               <a:ext uri="{FF2B5EF4-FFF2-40B4-BE49-F238E27FC236}">
-                <a16:creationId xmlns:a16="http://schemas.microsoft.com/office/drawing/2014/main" id="{BBD86F92-A329-D6B9-24F3-6095A7021DE0}"/>
+                <a16:creationId xmlns:a16="http://schemas.microsoft.com/office/drawing/2014/main" id="{5DFC05F1-1780-38C0-3A3E-8D342C5F1611}"/>
               </a:ext>
             </a:extLst>
           </p:cNvPr>
@@ -5341,73 +5345,68 @@
         </p:nvSpPr>
         <p:spPr>
           <a:xfrm>
-            <a:off x="1451579" y="2015732"/>
-            <a:ext cx="9603275" cy="4037749"/>
-          </a:xfrm>
-        </p:spPr>
-        <p:txBody>
-          <a:bodyPr>
-            <a:normAutofit lnSpcReduction="10000"/>
-          </a:bodyPr>
-          <a:lstStyle/>
-          <a:p>
-            <a:r>
-              <a:rPr lang="en-US" dirty="0"/>
-              <a:t>Facebook Prophet is a library that is well setup to handle common time-series problems:</a:t>
+            <a:off x="1451579" y="1853754"/>
+            <a:ext cx="9603275" cy="4110076"/>
+          </a:xfrm>
+        </p:spPr>
+        <p:txBody>
+          <a:bodyPr/>
+          <a:lstStyle/>
+          <a:p>
+            <a:r>
+              <a:rPr lang="en-US" dirty="0"/>
+              <a:t>The ARIMA model type is a ‘basic’ one – a more elaborate moving average. </a:t>
             </a:r>
           </a:p>
           <a:p>
             <a:pPr lvl="1"/>
             <a:r>
               <a:rPr lang="en-US" dirty="0"/>
-              <a:t>Handles events such as holidays, including custom lists. </a:t>
+              <a:t>I.e. it is ‘pure stats’ and is an old way of making these projections. </a:t>
+            </a:r>
+          </a:p>
+          <a:p>
+            <a:r>
+              <a:rPr lang="en-US" dirty="0"/>
+              <a:t>Pros:</a:t>
             </a:r>
           </a:p>
           <a:p>
             <a:pPr lvl="1"/>
             <a:r>
               <a:rPr lang="en-US" dirty="0"/>
-              <a:t>Can be set to anticipate change points, e.g. product launches. </a:t>
+              <a:t>Simple, transparent, generally less overfitting/variance error. </a:t>
             </a:r>
           </a:p>
           <a:p>
             <a:pPr lvl="1"/>
             <a:r>
               <a:rPr lang="en-US" dirty="0"/>
-              <a:t>Provides useful things like plotting and cross validation. </a:t>
+              <a:t>Single digits of number of weights trained during fitting. </a:t>
             </a:r>
           </a:p>
           <a:p>
             <a:pPr lvl="1"/>
-            <a:r>
-              <a:rPr lang="en-US" dirty="0"/>
-              <a:t>Can handle additional regressors. </a:t>
-            </a:r>
-          </a:p>
-          <a:p>
-            <a:r>
-              <a:rPr lang="en-US" dirty="0"/>
-              <a:t>We can use a Prophet model much like the above models, with slightly different syntax. </a:t>
-            </a:r>
-          </a:p>
-          <a:p>
-            <a:r>
-              <a:rPr lang="en-US" dirty="0"/>
-              <a:t>There are several other libraries that handle time-series data similarly. </a:t>
+            <a:endParaRPr lang="en-US" dirty="0"/>
+          </a:p>
+          <a:p>
+            <a:r>
+              <a:rPr lang="en-US" dirty="0"/>
+              <a:t>Cons:</a:t>
             </a:r>
           </a:p>
           <a:p>
             <a:pPr lvl="1"/>
             <a:r>
               <a:rPr lang="en-US" dirty="0"/>
-              <a:t>Modern implementations are based on recurrent neural networks (RNNs) or transformer based neural networks. </a:t>
+              <a:t>Potentially too simple, not adaptable to variable scenarios. </a:t>
             </a:r>
           </a:p>
           <a:p>
             <a:pPr lvl="1"/>
             <a:r>
               <a:rPr lang="en-US" dirty="0"/>
-              <a:t>Neural networks well suited to sequential data. Seen with language models. </a:t>
+              <a:t>Low capacity to adapt – too much bias error, especially in complex scenarios. </a:t>
             </a:r>
           </a:p>
         </p:txBody>
@@ -5415,7 +5414,7 @@
     </p:spTree>
     <p:extLst>
       <p:ext uri="{BB962C8B-B14F-4D97-AF65-F5344CB8AC3E}">
-        <p14:creationId xmlns:p14="http://schemas.microsoft.com/office/powerpoint/2010/main" val="910616763"/>
+        <p14:creationId xmlns:p14="http://schemas.microsoft.com/office/powerpoint/2010/main" val="2830739107"/>
       </p:ext>
     </p:extLst>
   </p:cSld>
@@ -5447,7 +5446,7 @@
           <p:cNvPr id="2" name="Title 1">
             <a:extLst>
               <a:ext uri="{FF2B5EF4-FFF2-40B4-BE49-F238E27FC236}">
-                <a16:creationId xmlns:a16="http://schemas.microsoft.com/office/drawing/2014/main" id="{44FF2E50-6EDB-B2D2-D936-C7FAD2E53B07}"/>
+                <a16:creationId xmlns:a16="http://schemas.microsoft.com/office/drawing/2014/main" id="{DA5678F7-635A-D40C-AD90-AAADEA13E967}"/>
               </a:ext>
             </a:extLst>
           </p:cNvPr>
@@ -5465,7 +5464,7 @@
           <a:p>
             <a:r>
               <a:rPr lang="en-US" dirty="0"/>
-              <a:t>Additional Regressors</a:t>
+              <a:t>Smarter Time Models</a:t>
             </a:r>
           </a:p>
         </p:txBody>
@@ -5475,7 +5474,7 @@
           <p:cNvPr id="3" name="Content Placeholder 2">
             <a:extLst>
               <a:ext uri="{FF2B5EF4-FFF2-40B4-BE49-F238E27FC236}">
-                <a16:creationId xmlns:a16="http://schemas.microsoft.com/office/drawing/2014/main" id="{AE53330D-6FAA-AD5C-6553-A18C115B0B20}"/>
+                <a16:creationId xmlns:a16="http://schemas.microsoft.com/office/drawing/2014/main" id="{F23B1FF3-C207-9615-B32A-D907854A0D2F}"/>
               </a:ext>
             </a:extLst>
           </p:cNvPr>
@@ -5488,64 +5487,84 @@
         </p:nvSpPr>
         <p:spPr>
           <a:xfrm>
-            <a:off x="1451579" y="1853754"/>
-            <a:ext cx="9603275" cy="4199727"/>
-          </a:xfrm>
-        </p:spPr>
-        <p:txBody>
-          <a:bodyPr/>
-          <a:lstStyle/>
-          <a:p>
-            <a:r>
-              <a:rPr lang="en-US" dirty="0"/>
-              <a:t>Much like a classification or regression we can have multiple features. </a:t>
-            </a:r>
-          </a:p>
-          <a:p>
-            <a:r>
-              <a:rPr lang="en-US" dirty="0"/>
-              <a:t>With a time-series we can add more regressors (using Prophet). </a:t>
-            </a:r>
-          </a:p>
-          <a:p>
-            <a:r>
-              <a:rPr lang="en-US" dirty="0"/>
-              <a:t>The regressors must exist for the data that we’re predicting. </a:t>
+            <a:off x="1137147" y="1853754"/>
+            <a:ext cx="10243158" cy="4199727"/>
+          </a:xfrm>
+        </p:spPr>
+        <p:txBody>
+          <a:bodyPr/>
+          <a:lstStyle/>
+          <a:p>
+            <a:r>
+              <a:rPr lang="en-US" dirty="0"/>
+              <a:t>Modern models have much more capability than a simple ARIMA one. </a:t>
             </a:r>
           </a:p>
           <a:p>
             <a:pPr lvl="1"/>
             <a:r>
               <a:rPr lang="en-US" dirty="0"/>
-              <a:t>E.g. if we are using the barometric pressure to predict the temp next week, we need to have that pressure value as an input. </a:t>
+              <a:t>Large numbers of weights can capture less frequent or obvious patterns. </a:t>
             </a:r>
           </a:p>
           <a:p>
             <a:pPr lvl="1"/>
             <a:r>
               <a:rPr lang="en-US" dirty="0"/>
-              <a:t>This is the main drawback to adding regressors to time series models – we don’t know them.</a:t>
+              <a:t>In some cases (neural networks) models can learn things like the ARIMA patterns themselves. </a:t>
+            </a:r>
+          </a:p>
+          <a:p>
+            <a:r>
+              <a:rPr lang="en-US" dirty="0"/>
+              <a:t>Their capacity to learn is much larger - they have more weights, can learn complex patterns. </a:t>
             </a:r>
           </a:p>
           <a:p>
             <a:pPr lvl="1"/>
             <a:r>
               <a:rPr lang="en-US" dirty="0"/>
-              <a:t>We can make a forecast for those values, or construct regressors that can be known in advance (e.g. average past 3 days of barometric pressure.)</a:t>
-            </a:r>
-          </a:p>
-          <a:p>
-            <a:r>
-              <a:rPr lang="en-US" dirty="0"/>
-              <a:t>Many times, even if these regressors add more info, we don’t have a way to create a model that properly captures that info properly. Simple may be better. </a:t>
-            </a:r>
+              <a:t>Similar to a large tree vs a linear regression – more flexible in learning and adapting. </a:t>
+            </a:r>
+          </a:p>
+          <a:p>
+            <a:pPr lvl="1"/>
+            <a:r>
+              <a:rPr lang="en-US" dirty="0"/>
+              <a:t>Rare events, ‘special’ times like holidays, longer cyclical patterns, </a:t>
+            </a:r>
+            <a:r>
+              <a:rPr lang="en-US" dirty="0" err="1"/>
+              <a:t>etc</a:t>
+            </a:r>
+            <a:r>
+              <a:rPr lang="en-US" dirty="0"/>
+              <a:t>…</a:t>
+            </a:r>
+          </a:p>
+          <a:p>
+            <a:pPr lvl="1"/>
+            <a:r>
+              <a:rPr lang="en-US" dirty="0"/>
+              <a:t>Much of the flexibility in the tools that helped language models also help here. </a:t>
+            </a:r>
+          </a:p>
+          <a:p>
+            <a:r>
+              <a:rPr lang="en-US" dirty="0"/>
+              <a:t>These models tend to work and interact more similar to what we’re used to (or NN-style). </a:t>
+            </a:r>
+          </a:p>
+          <a:p>
+            <a:pPr lvl="1"/>
+            <a:endParaRPr lang="en-US" dirty="0"/>
           </a:p>
         </p:txBody>
       </p:sp>
     </p:spTree>
     <p:extLst>
       <p:ext uri="{BB962C8B-B14F-4D97-AF65-F5344CB8AC3E}">
-        <p14:creationId xmlns:p14="http://schemas.microsoft.com/office/powerpoint/2010/main" val="583412968"/>
+        <p14:creationId xmlns:p14="http://schemas.microsoft.com/office/powerpoint/2010/main" val="2969086212"/>
       </p:ext>
     </p:extLst>
   </p:cSld>
@@ -5577,7 +5596,7 @@
           <p:cNvPr id="2" name="Title 1">
             <a:extLst>
               <a:ext uri="{FF2B5EF4-FFF2-40B4-BE49-F238E27FC236}">
-                <a16:creationId xmlns:a16="http://schemas.microsoft.com/office/drawing/2014/main" id="{B8192152-25FD-3B93-1014-91BD46D3B2FF}"/>
+                <a16:creationId xmlns:a16="http://schemas.microsoft.com/office/drawing/2014/main" id="{19192875-568E-E27F-EF8C-0E63853062C2}"/>
               </a:ext>
             </a:extLst>
           </p:cNvPr>
@@ -5595,7 +5614,7 @@
           <a:p>
             <a:r>
               <a:rPr lang="en-US" dirty="0"/>
-              <a:t>Other Considerations</a:t>
+              <a:t>Facebook Prophet</a:t>
             </a:r>
           </a:p>
         </p:txBody>
@@ -5605,7 +5624,7 @@
           <p:cNvPr id="3" name="Content Placeholder 2">
             <a:extLst>
               <a:ext uri="{FF2B5EF4-FFF2-40B4-BE49-F238E27FC236}">
-                <a16:creationId xmlns:a16="http://schemas.microsoft.com/office/drawing/2014/main" id="{D2D9FF42-655F-EB33-930F-0C71AFC5EB29}"/>
+                <a16:creationId xmlns:a16="http://schemas.microsoft.com/office/drawing/2014/main" id="{BBD86F92-A329-D6B9-24F3-6095A7021DE0}"/>
               </a:ext>
             </a:extLst>
           </p:cNvPr>
@@ -5618,67 +5637,81 @@
         </p:nvSpPr>
         <p:spPr>
           <a:xfrm>
-            <a:off x="388419" y="2015732"/>
-            <a:ext cx="4887588" cy="3450613"/>
-          </a:xfrm>
-        </p:spPr>
-        <p:txBody>
-          <a:bodyPr/>
-          <a:lstStyle/>
-          <a:p>
-            <a:r>
-              <a:rPr lang="en-US" dirty="0"/>
-              <a:t>Advanced models can also handle one-off events, like COVID. </a:t>
-            </a:r>
-          </a:p>
-          <a:p>
-            <a:r>
-              <a:rPr lang="en-US" dirty="0"/>
-              <a:t>The prophet API is generally setup to make this mostly pretty simple. </a:t>
-            </a:r>
-          </a:p>
-          <a:p>
-            <a:r>
-              <a:rPr lang="en-US" dirty="0"/>
-              <a:t>There are a bunch of similar options, mostly in a user friendly setup. </a:t>
-            </a:r>
-          </a:p>
-        </p:txBody>
-      </p:sp>
-      <p:pic>
-        <p:nvPicPr>
-          <p:cNvPr id="4" name="Picture 3">
-            <a:extLst>
-              <a:ext uri="{FF2B5EF4-FFF2-40B4-BE49-F238E27FC236}">
-                <a16:creationId xmlns:a16="http://schemas.microsoft.com/office/drawing/2014/main" id="{68A6968E-65C5-381D-B43F-886611A0193D}"/>
-              </a:ext>
-            </a:extLst>
-          </p:cNvPr>
-          <p:cNvPicPr>
-            <a:picLocks noChangeAspect="1"/>
-          </p:cNvPicPr>
-          <p:nvPr/>
-        </p:nvPicPr>
-        <p:blipFill>
-          <a:blip r:embed="rId2"/>
-          <a:stretch>
-            <a:fillRect/>
-          </a:stretch>
-        </p:blipFill>
-        <p:spPr>
-          <a:xfrm>
-            <a:off x="5276006" y="1293408"/>
-            <a:ext cx="6915993" cy="5564592"/>
-          </a:xfrm>
-          <a:prstGeom prst="rect">
-            <a:avLst/>
-          </a:prstGeom>
-        </p:spPr>
-      </p:pic>
+            <a:off x="1451579" y="2015732"/>
+            <a:ext cx="9603275" cy="4037749"/>
+          </a:xfrm>
+        </p:spPr>
+        <p:txBody>
+          <a:bodyPr>
+            <a:normAutofit lnSpcReduction="10000"/>
+          </a:bodyPr>
+          <a:lstStyle/>
+          <a:p>
+            <a:r>
+              <a:rPr lang="en-US" dirty="0"/>
+              <a:t>Facebook Prophet is a library that is well setup to handle common time-series problems:</a:t>
+            </a:r>
+          </a:p>
+          <a:p>
+            <a:pPr lvl="1"/>
+            <a:r>
+              <a:rPr lang="en-US" dirty="0"/>
+              <a:t>Handles events such as holidays, including custom lists. </a:t>
+            </a:r>
+          </a:p>
+          <a:p>
+            <a:pPr lvl="1"/>
+            <a:r>
+              <a:rPr lang="en-US" dirty="0"/>
+              <a:t>Can be set to anticipate change points, e.g. product launches. </a:t>
+            </a:r>
+          </a:p>
+          <a:p>
+            <a:pPr lvl="1"/>
+            <a:r>
+              <a:rPr lang="en-US" dirty="0"/>
+              <a:t>Provides useful things like plotting and cross validation. </a:t>
+            </a:r>
+          </a:p>
+          <a:p>
+            <a:pPr lvl="1"/>
+            <a:r>
+              <a:rPr lang="en-US" dirty="0"/>
+              <a:t>Can handle additional regressors. </a:t>
+            </a:r>
+          </a:p>
+          <a:p>
+            <a:r>
+              <a:rPr lang="en-US" dirty="0"/>
+              <a:t>We can use a Prophet model much like the above models, with slightly different syntax. </a:t>
+            </a:r>
+          </a:p>
+          <a:p>
+            <a:r>
+              <a:rPr lang="en-US" dirty="0"/>
+              <a:t>There are several other libraries that handle time-series data similarly. </a:t>
+            </a:r>
+          </a:p>
+          <a:p>
+            <a:pPr lvl="1"/>
+            <a:r>
+              <a:rPr lang="en-US" dirty="0"/>
+              <a:t>Modern implementations are based on recurrent neural networks (RNNs) or transformer based neural networks. </a:t>
+            </a:r>
+          </a:p>
+          <a:p>
+            <a:pPr lvl="1"/>
+            <a:r>
+              <a:rPr lang="en-US" dirty="0"/>
+              <a:t>Neural networks well suited to sequential data. Seen with language models. </a:t>
+            </a:r>
+          </a:p>
+        </p:txBody>
+      </p:sp>
     </p:spTree>
     <p:extLst>
       <p:ext uri="{BB962C8B-B14F-4D97-AF65-F5344CB8AC3E}">
-        <p14:creationId xmlns:p14="http://schemas.microsoft.com/office/powerpoint/2010/main" val="535332483"/>
+        <p14:creationId xmlns:p14="http://schemas.microsoft.com/office/powerpoint/2010/main" val="910616763"/>
       </p:ext>
     </p:extLst>
   </p:cSld>
@@ -5710,6 +5743,269 @@
           <p:cNvPr id="2" name="Title 1">
             <a:extLst>
               <a:ext uri="{FF2B5EF4-FFF2-40B4-BE49-F238E27FC236}">
+                <a16:creationId xmlns:a16="http://schemas.microsoft.com/office/drawing/2014/main" id="{44FF2E50-6EDB-B2D2-D936-C7FAD2E53B07}"/>
+              </a:ext>
+            </a:extLst>
+          </p:cNvPr>
+          <p:cNvSpPr>
+            <a:spLocks noGrp="1"/>
+          </p:cNvSpPr>
+          <p:nvPr>
+            <p:ph type="title"/>
+          </p:nvPr>
+        </p:nvSpPr>
+        <p:spPr/>
+        <p:txBody>
+          <a:bodyPr/>
+          <a:lstStyle/>
+          <a:p>
+            <a:r>
+              <a:rPr lang="en-US" dirty="0"/>
+              <a:t>Additional Regressors</a:t>
+            </a:r>
+          </a:p>
+        </p:txBody>
+      </p:sp>
+      <p:sp>
+        <p:nvSpPr>
+          <p:cNvPr id="3" name="Content Placeholder 2">
+            <a:extLst>
+              <a:ext uri="{FF2B5EF4-FFF2-40B4-BE49-F238E27FC236}">
+                <a16:creationId xmlns:a16="http://schemas.microsoft.com/office/drawing/2014/main" id="{AE53330D-6FAA-AD5C-6553-A18C115B0B20}"/>
+              </a:ext>
+            </a:extLst>
+          </p:cNvPr>
+          <p:cNvSpPr>
+            <a:spLocks noGrp="1"/>
+          </p:cNvSpPr>
+          <p:nvPr>
+            <p:ph idx="1"/>
+          </p:nvPr>
+        </p:nvSpPr>
+        <p:spPr>
+          <a:xfrm>
+            <a:off x="1451579" y="1853754"/>
+            <a:ext cx="9603275" cy="4199727"/>
+          </a:xfrm>
+        </p:spPr>
+        <p:txBody>
+          <a:bodyPr/>
+          <a:lstStyle/>
+          <a:p>
+            <a:r>
+              <a:rPr lang="en-US" dirty="0"/>
+              <a:t>Much like a classification or regression we can have multiple features. </a:t>
+            </a:r>
+          </a:p>
+          <a:p>
+            <a:r>
+              <a:rPr lang="en-US" dirty="0"/>
+              <a:t>With a time-series we can add more regressors (using Prophet). </a:t>
+            </a:r>
+          </a:p>
+          <a:p>
+            <a:r>
+              <a:rPr lang="en-US" dirty="0"/>
+              <a:t>The regressors must exist for the data that we’re predicting. </a:t>
+            </a:r>
+          </a:p>
+          <a:p>
+            <a:pPr lvl="1"/>
+            <a:r>
+              <a:rPr lang="en-US" dirty="0"/>
+              <a:t>E.g. if we are using the barometric pressure to predict the temp next week, we need to have that pressure value as an input. </a:t>
+            </a:r>
+          </a:p>
+          <a:p>
+            <a:pPr lvl="1"/>
+            <a:r>
+              <a:rPr lang="en-US" dirty="0"/>
+              <a:t>This is the main drawback to adding regressors to time series models – we don’t know them.</a:t>
+            </a:r>
+          </a:p>
+          <a:p>
+            <a:pPr lvl="1"/>
+            <a:r>
+              <a:rPr lang="en-US" dirty="0"/>
+              <a:t>We can make a forecast for those values, or construct regressors that can be known in advance (e.g. average past 3 days of barometric pressure.)</a:t>
+            </a:r>
+          </a:p>
+          <a:p>
+            <a:r>
+              <a:rPr lang="en-US" dirty="0"/>
+              <a:t>Many times, even if these regressors add more info, we don’t have a way to create a model that properly captures that info properly. Simple may be better. </a:t>
+            </a:r>
+          </a:p>
+        </p:txBody>
+      </p:sp>
+    </p:spTree>
+    <p:extLst>
+      <p:ext uri="{BB962C8B-B14F-4D97-AF65-F5344CB8AC3E}">
+        <p14:creationId xmlns:p14="http://schemas.microsoft.com/office/powerpoint/2010/main" val="583412968"/>
+      </p:ext>
+    </p:extLst>
+  </p:cSld>
+  <p:clrMapOvr>
+    <a:masterClrMapping/>
+  </p:clrMapOvr>
+</p:sld>
+</file>
+
+<file path=ppt/slides/slide24.xml><?xml version="1.0" encoding="utf-8"?>
+<p:sld xmlns:a="http://schemas.openxmlformats.org/drawingml/2006/main" xmlns:r="http://schemas.openxmlformats.org/officeDocument/2006/relationships" xmlns:p="http://schemas.openxmlformats.org/presentationml/2006/main">
+  <p:cSld>
+    <p:spTree>
+      <p:nvGrpSpPr>
+        <p:cNvPr id="1" name=""/>
+        <p:cNvGrpSpPr/>
+        <p:nvPr/>
+      </p:nvGrpSpPr>
+      <p:grpSpPr>
+        <a:xfrm>
+          <a:off x="0" y="0"/>
+          <a:ext cx="0" cy="0"/>
+          <a:chOff x="0" y="0"/>
+          <a:chExt cx="0" cy="0"/>
+        </a:xfrm>
+      </p:grpSpPr>
+      <p:sp>
+        <p:nvSpPr>
+          <p:cNvPr id="2" name="Title 1">
+            <a:extLst>
+              <a:ext uri="{FF2B5EF4-FFF2-40B4-BE49-F238E27FC236}">
+                <a16:creationId xmlns:a16="http://schemas.microsoft.com/office/drawing/2014/main" id="{B8192152-25FD-3B93-1014-91BD46D3B2FF}"/>
+              </a:ext>
+            </a:extLst>
+          </p:cNvPr>
+          <p:cNvSpPr>
+            <a:spLocks noGrp="1"/>
+          </p:cNvSpPr>
+          <p:nvPr>
+            <p:ph type="title"/>
+          </p:nvPr>
+        </p:nvSpPr>
+        <p:spPr/>
+        <p:txBody>
+          <a:bodyPr/>
+          <a:lstStyle/>
+          <a:p>
+            <a:r>
+              <a:rPr lang="en-US" dirty="0"/>
+              <a:t>Other Considerations</a:t>
+            </a:r>
+          </a:p>
+        </p:txBody>
+      </p:sp>
+      <p:sp>
+        <p:nvSpPr>
+          <p:cNvPr id="3" name="Content Placeholder 2">
+            <a:extLst>
+              <a:ext uri="{FF2B5EF4-FFF2-40B4-BE49-F238E27FC236}">
+                <a16:creationId xmlns:a16="http://schemas.microsoft.com/office/drawing/2014/main" id="{D2D9FF42-655F-EB33-930F-0C71AFC5EB29}"/>
+              </a:ext>
+            </a:extLst>
+          </p:cNvPr>
+          <p:cNvSpPr>
+            <a:spLocks noGrp="1"/>
+          </p:cNvSpPr>
+          <p:nvPr>
+            <p:ph idx="1"/>
+          </p:nvPr>
+        </p:nvSpPr>
+        <p:spPr>
+          <a:xfrm>
+            <a:off x="388419" y="2015732"/>
+            <a:ext cx="4887588" cy="3450613"/>
+          </a:xfrm>
+        </p:spPr>
+        <p:txBody>
+          <a:bodyPr/>
+          <a:lstStyle/>
+          <a:p>
+            <a:r>
+              <a:rPr lang="en-US" dirty="0"/>
+              <a:t>Advanced models can also handle one-off events, like COVID. </a:t>
+            </a:r>
+          </a:p>
+          <a:p>
+            <a:r>
+              <a:rPr lang="en-US" dirty="0"/>
+              <a:t>The prophet API is generally setup to make this mostly pretty simple. </a:t>
+            </a:r>
+          </a:p>
+          <a:p>
+            <a:r>
+              <a:rPr lang="en-US" dirty="0"/>
+              <a:t>There are a bunch of similar options, mostly in a user friendly setup. </a:t>
+            </a:r>
+          </a:p>
+        </p:txBody>
+      </p:sp>
+      <p:pic>
+        <p:nvPicPr>
+          <p:cNvPr id="4" name="Picture 3">
+            <a:extLst>
+              <a:ext uri="{FF2B5EF4-FFF2-40B4-BE49-F238E27FC236}">
+                <a16:creationId xmlns:a16="http://schemas.microsoft.com/office/drawing/2014/main" id="{68A6968E-65C5-381D-B43F-886611A0193D}"/>
+              </a:ext>
+            </a:extLst>
+          </p:cNvPr>
+          <p:cNvPicPr>
+            <a:picLocks noChangeAspect="1"/>
+          </p:cNvPicPr>
+          <p:nvPr/>
+        </p:nvPicPr>
+        <p:blipFill>
+          <a:blip r:embed="rId2"/>
+          <a:stretch>
+            <a:fillRect/>
+          </a:stretch>
+        </p:blipFill>
+        <p:spPr>
+          <a:xfrm>
+            <a:off x="5276006" y="1293408"/>
+            <a:ext cx="6915993" cy="5564592"/>
+          </a:xfrm>
+          <a:prstGeom prst="rect">
+            <a:avLst/>
+          </a:prstGeom>
+        </p:spPr>
+      </p:pic>
+    </p:spTree>
+    <p:extLst>
+      <p:ext uri="{BB962C8B-B14F-4D97-AF65-F5344CB8AC3E}">
+        <p14:creationId xmlns:p14="http://schemas.microsoft.com/office/powerpoint/2010/main" val="535332483"/>
+      </p:ext>
+    </p:extLst>
+  </p:cSld>
+  <p:clrMapOvr>
+    <a:masterClrMapping/>
+  </p:clrMapOvr>
+</p:sld>
+</file>
+
+<file path=ppt/slides/slide25.xml><?xml version="1.0" encoding="utf-8"?>
+<p:sld xmlns:a="http://schemas.openxmlformats.org/drawingml/2006/main" xmlns:r="http://schemas.openxmlformats.org/officeDocument/2006/relationships" xmlns:p="http://schemas.openxmlformats.org/presentationml/2006/main">
+  <p:cSld>
+    <p:spTree>
+      <p:nvGrpSpPr>
+        <p:cNvPr id="1" name=""/>
+        <p:cNvGrpSpPr/>
+        <p:nvPr/>
+      </p:nvGrpSpPr>
+      <p:grpSpPr>
+        <a:xfrm>
+          <a:off x="0" y="0"/>
+          <a:ext cx="0" cy="0"/>
+          <a:chOff x="0" y="0"/>
+          <a:chExt cx="0" cy="0"/>
+        </a:xfrm>
+      </p:grpSpPr>
+      <p:sp>
+        <p:nvSpPr>
+          <p:cNvPr id="2" name="Title 1">
+            <a:extLst>
+              <a:ext uri="{FF2B5EF4-FFF2-40B4-BE49-F238E27FC236}">
                 <a16:creationId xmlns:a16="http://schemas.microsoft.com/office/drawing/2014/main" id="{8AF700E2-E516-8380-3E0A-1F6BA99D292A}"/>
               </a:ext>
             </a:extLst>
@@ -5761,13 +6057,8 @@
           <a:p>
             <a:r>
               <a:rPr lang="en-US" dirty="0"/>
-              <a:t>The approaches with time series modelling differ greatly – averages, regression</a:t>
-            </a:r>
-            <a:r>
-              <a:rPr lang="en-US"/>
-              <a:t>, NNs…</a:t>
-            </a:r>
-            <a:endParaRPr lang="en-US" dirty="0"/>
+              <a:t>The approaches with time series modelling differ greatly – averages, regression, NNs…</a:t>
+            </a:r>
           </a:p>
           <a:p>
             <a:r>
@@ -5838,7 +6129,7 @@
 </p:sld>
 </file>
 
-<file path=ppt/slides/slide24.xml><?xml version="1.0" encoding="utf-8"?>
+<file path=ppt/slides/slide26.xml><?xml version="1.0" encoding="utf-8"?>
 <p:sld xmlns:a="http://schemas.openxmlformats.org/drawingml/2006/main" xmlns:r="http://schemas.openxmlformats.org/officeDocument/2006/relationships" xmlns:p="http://schemas.openxmlformats.org/presentationml/2006/main">
   <p:cSld>
     <p:spTree>
@@ -5991,6 +6282,243 @@
           <p:cNvPr id="2" name="Title 1">
             <a:extLst>
               <a:ext uri="{FF2B5EF4-FFF2-40B4-BE49-F238E27FC236}">
+                <a16:creationId xmlns:a16="http://schemas.microsoft.com/office/drawing/2014/main" id="{AD0A358F-3029-3B46-8F88-5B7AAD9B2E72}"/>
+              </a:ext>
+            </a:extLst>
+          </p:cNvPr>
+          <p:cNvSpPr>
+            <a:spLocks noGrp="1"/>
+          </p:cNvSpPr>
+          <p:nvPr>
+            <p:ph type="ctrTitle"/>
+          </p:nvPr>
+        </p:nvSpPr>
+        <p:spPr/>
+        <p:txBody>
+          <a:bodyPr/>
+          <a:lstStyle/>
+          <a:p>
+            <a:r>
+              <a:rPr lang="en-US" dirty="0"/>
+              <a:t>Time Series Forecasting</a:t>
+            </a:r>
+          </a:p>
+        </p:txBody>
+      </p:sp>
+      <p:sp>
+        <p:nvSpPr>
+          <p:cNvPr id="3" name="Subtitle 2">
+            <a:extLst>
+              <a:ext uri="{FF2B5EF4-FFF2-40B4-BE49-F238E27FC236}">
+                <a16:creationId xmlns:a16="http://schemas.microsoft.com/office/drawing/2014/main" id="{BA00FEBA-B494-5046-9CD2-12082358FE92}"/>
+              </a:ext>
+            </a:extLst>
+          </p:cNvPr>
+          <p:cNvSpPr>
+            <a:spLocks noGrp="1"/>
+          </p:cNvSpPr>
+          <p:nvPr>
+            <p:ph type="subTitle" idx="1"/>
+          </p:nvPr>
+        </p:nvSpPr>
+        <p:spPr/>
+        <p:txBody>
+          <a:bodyPr/>
+          <a:lstStyle/>
+          <a:p>
+            <a:endParaRPr lang="en-US"/>
+          </a:p>
+        </p:txBody>
+      </p:sp>
+    </p:spTree>
+    <p:extLst>
+      <p:ext uri="{BB962C8B-B14F-4D97-AF65-F5344CB8AC3E}">
+        <p14:creationId xmlns:p14="http://schemas.microsoft.com/office/powerpoint/2010/main" val="3614949151"/>
+      </p:ext>
+    </p:extLst>
+  </p:cSld>
+  <p:clrMapOvr>
+    <a:masterClrMapping/>
+  </p:clrMapOvr>
+</p:sld>
+</file>
+
+<file path=ppt/slides/slide4.xml><?xml version="1.0" encoding="utf-8"?>
+<p:sld xmlns:a="http://schemas.openxmlformats.org/drawingml/2006/main" xmlns:r="http://schemas.openxmlformats.org/officeDocument/2006/relationships" xmlns:p="http://schemas.openxmlformats.org/presentationml/2006/main">
+  <p:cSld>
+    <p:spTree>
+      <p:nvGrpSpPr>
+        <p:cNvPr id="1" name=""/>
+        <p:cNvGrpSpPr/>
+        <p:nvPr/>
+      </p:nvGrpSpPr>
+      <p:grpSpPr>
+        <a:xfrm>
+          <a:off x="0" y="0"/>
+          <a:ext cx="0" cy="0"/>
+          <a:chOff x="0" y="0"/>
+          <a:chExt cx="0" cy="0"/>
+        </a:xfrm>
+      </p:grpSpPr>
+      <p:sp>
+        <p:nvSpPr>
+          <p:cNvPr id="2" name="Title 1">
+            <a:extLst>
+              <a:ext uri="{FF2B5EF4-FFF2-40B4-BE49-F238E27FC236}">
+                <a16:creationId xmlns:a16="http://schemas.microsoft.com/office/drawing/2014/main" id="{B6BBB493-8DF2-7D9B-AAF8-D6D0AE1F57F5}"/>
+              </a:ext>
+            </a:extLst>
+          </p:cNvPr>
+          <p:cNvSpPr>
+            <a:spLocks noGrp="1"/>
+          </p:cNvSpPr>
+          <p:nvPr>
+            <p:ph type="title"/>
+          </p:nvPr>
+        </p:nvSpPr>
+        <p:spPr/>
+        <p:txBody>
+          <a:bodyPr/>
+          <a:lstStyle/>
+          <a:p>
+            <a:r>
+              <a:rPr lang="en-US" dirty="0"/>
+              <a:t>Time Series Data</a:t>
+            </a:r>
+          </a:p>
+        </p:txBody>
+      </p:sp>
+      <p:sp>
+        <p:nvSpPr>
+          <p:cNvPr id="3" name="Content Placeholder 2">
+            <a:extLst>
+              <a:ext uri="{FF2B5EF4-FFF2-40B4-BE49-F238E27FC236}">
+                <a16:creationId xmlns:a16="http://schemas.microsoft.com/office/drawing/2014/main" id="{1F74E27E-E260-95A4-E84F-4952B8D9FF54}"/>
+              </a:ext>
+            </a:extLst>
+          </p:cNvPr>
+          <p:cNvSpPr>
+            <a:spLocks noGrp="1"/>
+          </p:cNvSpPr>
+          <p:nvPr>
+            <p:ph idx="1"/>
+          </p:nvPr>
+        </p:nvSpPr>
+        <p:spPr>
+          <a:xfrm>
+            <a:off x="1451579" y="1853754"/>
+            <a:ext cx="9603275" cy="4199727"/>
+          </a:xfrm>
+        </p:spPr>
+        <p:txBody>
+          <a:bodyPr>
+            <a:normAutofit lnSpcReduction="10000"/>
+          </a:bodyPr>
+          <a:lstStyle/>
+          <a:p>
+            <a:r>
+              <a:rPr lang="en-US" dirty="0"/>
+              <a:t>Time-series data is data that progresses over time. </a:t>
+            </a:r>
+          </a:p>
+          <a:p>
+            <a:pPr lvl="1"/>
+            <a:r>
+              <a:rPr lang="en-US" dirty="0"/>
+              <a:t>E.g. gas prices, stock prices, temperature, </a:t>
+            </a:r>
+            <a:r>
+              <a:rPr lang="en-US" dirty="0" err="1"/>
+              <a:t>etc</a:t>
+            </a:r>
+            <a:r>
+              <a:rPr lang="en-US" dirty="0"/>
+              <a:t>…</a:t>
+            </a:r>
+          </a:p>
+          <a:p>
+            <a:r>
+              <a:rPr lang="en-US" dirty="0"/>
+              <a:t>The basis of predictions, or forecasts, is by looking at patterns in the data. </a:t>
+            </a:r>
+          </a:p>
+          <a:p>
+            <a:r>
+              <a:rPr lang="en-US" dirty="0"/>
+              <a:t>Time-series data has a few parts that our forecasts try to separate:</a:t>
+            </a:r>
+          </a:p>
+          <a:p>
+            <a:pPr lvl="1"/>
+            <a:r>
+              <a:rPr lang="en-US" dirty="0"/>
+              <a:t>Trend – are we going up or down as time progresses. </a:t>
+            </a:r>
+          </a:p>
+          <a:p>
+            <a:pPr lvl="1"/>
+            <a:r>
+              <a:rPr lang="en-US" dirty="0"/>
+              <a:t>Seasonality – do we have regular waves, such as seasonal sales. </a:t>
+            </a:r>
+          </a:p>
+          <a:p>
+            <a:pPr lvl="1"/>
+            <a:r>
+              <a:rPr lang="en-US" dirty="0"/>
+              <a:t>Cyclicality – do we have larger waves, spanning several seasons. </a:t>
+            </a:r>
+          </a:p>
+          <a:p>
+            <a:pPr lvl="1"/>
+            <a:r>
+              <a:rPr lang="en-US" dirty="0"/>
+              <a:t>Irregularity – how much variation is there that doesn’t fit into the above. </a:t>
+            </a:r>
+          </a:p>
+          <a:p>
+            <a:r>
+              <a:rPr lang="en-US" dirty="0"/>
+              <a:t>The models generally try to decompose each of these, measure each, and recombine them to create projections. </a:t>
+            </a:r>
+          </a:p>
+        </p:txBody>
+      </p:sp>
+    </p:spTree>
+    <p:extLst>
+      <p:ext uri="{BB962C8B-B14F-4D97-AF65-F5344CB8AC3E}">
+        <p14:creationId xmlns:p14="http://schemas.microsoft.com/office/powerpoint/2010/main" val="1351010078"/>
+      </p:ext>
+    </p:extLst>
+  </p:cSld>
+  <p:clrMapOvr>
+    <a:masterClrMapping/>
+  </p:clrMapOvr>
+</p:sld>
+</file>
+
+<file path=ppt/slides/slide5.xml><?xml version="1.0" encoding="utf-8"?>
+<p:sld xmlns:a="http://schemas.openxmlformats.org/drawingml/2006/main" xmlns:r="http://schemas.openxmlformats.org/officeDocument/2006/relationships" xmlns:p="http://schemas.openxmlformats.org/presentationml/2006/main">
+  <p:cSld>
+    <p:spTree>
+      <p:nvGrpSpPr>
+        <p:cNvPr id="1" name=""/>
+        <p:cNvGrpSpPr/>
+        <p:nvPr/>
+      </p:nvGrpSpPr>
+      <p:grpSpPr>
+        <a:xfrm>
+          <a:off x="0" y="0"/>
+          <a:ext cx="0" cy="0"/>
+          <a:chOff x="0" y="0"/>
+          <a:chExt cx="0" cy="0"/>
+        </a:xfrm>
+      </p:grpSpPr>
+      <p:sp>
+        <p:nvSpPr>
+          <p:cNvPr id="2" name="Title 1">
+            <a:extLst>
+              <a:ext uri="{FF2B5EF4-FFF2-40B4-BE49-F238E27FC236}">
                 <a16:creationId xmlns:a16="http://schemas.microsoft.com/office/drawing/2014/main" id="{6ADE62D4-F857-5AED-E111-D7EE88B6EB15}"/>
               </a:ext>
             </a:extLst>
@@ -6096,7 +6624,7 @@
 </p:sld>
 </file>
 
-<file path=ppt/slides/slide4.xml><?xml version="1.0" encoding="utf-8"?>
+<file path=ppt/slides/slide6.xml><?xml version="1.0" encoding="utf-8"?>
 <p:sld xmlns:a="http://schemas.openxmlformats.org/drawingml/2006/main" xmlns:r="http://schemas.openxmlformats.org/officeDocument/2006/relationships" xmlns:p="http://schemas.openxmlformats.org/presentationml/2006/main">
   <p:cSld>
     <p:spTree>
@@ -6272,7 +6800,7 @@
 </p:sld>
 </file>
 
-<file path=ppt/slides/slide5.xml><?xml version="1.0" encoding="utf-8"?>
+<file path=ppt/slides/slide7.xml><?xml version="1.0" encoding="utf-8"?>
 <p:sld xmlns:a="http://schemas.openxmlformats.org/drawingml/2006/main" xmlns:r="http://schemas.openxmlformats.org/officeDocument/2006/relationships" xmlns:p="http://schemas.openxmlformats.org/presentationml/2006/main">
   <p:cSld>
     <p:spTree>
@@ -6424,7 +6952,7 @@
 </p:sld>
 </file>
 
-<file path=ppt/slides/slide6.xml><?xml version="1.0" encoding="utf-8"?>
+<file path=ppt/slides/slide8.xml><?xml version="1.0" encoding="utf-8"?>
 <p:sld xmlns:a="http://schemas.openxmlformats.org/drawingml/2006/main" xmlns:r="http://schemas.openxmlformats.org/officeDocument/2006/relationships" xmlns:p="http://schemas.openxmlformats.org/presentationml/2006/main">
   <p:cSld>
     <p:spTree>
@@ -6551,7 +7079,7 @@
 </p:sld>
 </file>
 
-<file path=ppt/slides/slide7.xml><?xml version="1.0" encoding="utf-8"?>
+<file path=ppt/slides/slide9.xml><?xml version="1.0" encoding="utf-8"?>
 <p:sld xmlns:a="http://schemas.openxmlformats.org/drawingml/2006/main" xmlns:r="http://schemas.openxmlformats.org/officeDocument/2006/relationships" xmlns:p="http://schemas.openxmlformats.org/presentationml/2006/main">
   <p:cSld>
     <p:bg>
@@ -6827,13 +7355,13 @@
         </p:nvSpPr>
         <p:spPr>
           <a:xfrm>
-            <a:off x="342985" y="2015731"/>
-            <a:ext cx="6414700" cy="4413635"/>
+            <a:off x="0" y="1853754"/>
+            <a:ext cx="6757685" cy="5004243"/>
           </a:xfrm>
         </p:spPr>
         <p:txBody>
           <a:bodyPr>
-            <a:normAutofit lnSpcReduction="10000"/>
+            <a:normAutofit/>
           </a:bodyPr>
           <a:lstStyle/>
           <a:p>
@@ -6911,6 +7439,17 @@
             <a:r>
               <a:rPr lang="en-US" sz="2200" dirty="0"/>
               <a:t>We generally need to make a time series stationary, or provide arguments for it to be made stationary. </a:t>
+            </a:r>
+          </a:p>
+          <a:p>
+            <a:pPr>
+              <a:lnSpc>
+                <a:spcPct val="110000"/>
+              </a:lnSpc>
+            </a:pPr>
+            <a:r>
+              <a:rPr lang="en-US" sz="2200" dirty="0"/>
+              <a:t>Similar idea to a kernel or basis function. </a:t>
             </a:r>
           </a:p>
         </p:txBody>
@@ -6964,263 +7503,6 @@
     <p:extLst>
       <p:ext uri="{BB962C8B-B14F-4D97-AF65-F5344CB8AC3E}">
         <p14:creationId xmlns:p14="http://schemas.microsoft.com/office/powerpoint/2010/main" val="3466610102"/>
-      </p:ext>
-    </p:extLst>
-  </p:cSld>
-  <p:clrMapOvr>
-    <a:masterClrMapping/>
-  </p:clrMapOvr>
-</p:sld>
-</file>
-
-<file path=ppt/slides/slide8.xml><?xml version="1.0" encoding="utf-8"?>
-<p:sld xmlns:a="http://schemas.openxmlformats.org/drawingml/2006/main" xmlns:r="http://schemas.openxmlformats.org/officeDocument/2006/relationships" xmlns:p="http://schemas.openxmlformats.org/presentationml/2006/main">
-  <p:cSld>
-    <p:spTree>
-      <p:nvGrpSpPr>
-        <p:cNvPr id="1" name=""/>
-        <p:cNvGrpSpPr/>
-        <p:nvPr/>
-      </p:nvGrpSpPr>
-      <p:grpSpPr>
-        <a:xfrm>
-          <a:off x="0" y="0"/>
-          <a:ext cx="0" cy="0"/>
-          <a:chOff x="0" y="0"/>
-          <a:chExt cx="0" cy="0"/>
-        </a:xfrm>
-      </p:grpSpPr>
-      <p:sp>
-        <p:nvSpPr>
-          <p:cNvPr id="2" name="Title 1">
-            <a:extLst>
-              <a:ext uri="{FF2B5EF4-FFF2-40B4-BE49-F238E27FC236}">
-                <a16:creationId xmlns:a16="http://schemas.microsoft.com/office/drawing/2014/main" id="{48D6F2E3-C441-EA45-AFB0-16746E9DB104}"/>
-              </a:ext>
-            </a:extLst>
-          </p:cNvPr>
-          <p:cNvSpPr>
-            <a:spLocks noGrp="1"/>
-          </p:cNvSpPr>
-          <p:nvPr>
-            <p:ph type="title"/>
-          </p:nvPr>
-        </p:nvSpPr>
-        <p:spPr/>
-        <p:txBody>
-          <a:bodyPr/>
-          <a:lstStyle/>
-          <a:p>
-            <a:r>
-              <a:rPr lang="en-US" dirty="0"/>
-              <a:t>ARIMA</a:t>
-            </a:r>
-          </a:p>
-        </p:txBody>
-      </p:sp>
-      <p:sp>
-        <p:nvSpPr>
-          <p:cNvPr id="3" name="Content Placeholder 2">
-            <a:extLst>
-              <a:ext uri="{FF2B5EF4-FFF2-40B4-BE49-F238E27FC236}">
-                <a16:creationId xmlns:a16="http://schemas.microsoft.com/office/drawing/2014/main" id="{3391B933-66AE-EF4B-A480-3CF6E4F1BDD6}"/>
-              </a:ext>
-            </a:extLst>
-          </p:cNvPr>
-          <p:cNvSpPr>
-            <a:spLocks noGrp="1"/>
-          </p:cNvSpPr>
-          <p:nvPr>
-            <p:ph idx="1"/>
-          </p:nvPr>
-        </p:nvSpPr>
-        <p:spPr>
-          <a:xfrm>
-            <a:off x="1451579" y="1853754"/>
-            <a:ext cx="9603275" cy="4199727"/>
-          </a:xfrm>
-        </p:spPr>
-        <p:txBody>
-          <a:bodyPr/>
-          <a:lstStyle/>
-          <a:p>
-            <a:r>
-              <a:rPr lang="en-US" dirty="0"/>
-              <a:t>ARIMA is a common time series model, it has 3 parts:</a:t>
-            </a:r>
-          </a:p>
-          <a:p>
-            <a:pPr lvl="1"/>
-            <a:r>
-              <a:rPr lang="en-US" dirty="0"/>
-              <a:t>AR (p) – Autoregressive. </a:t>
-            </a:r>
-            <a:r>
-              <a:rPr lang="en-CA" dirty="0"/>
-              <a:t>Regresses on its own prior or lagged values. In other words, it predicts future values based on past values. </a:t>
-            </a:r>
-            <a:endParaRPr lang="en-US" dirty="0"/>
-          </a:p>
-          <a:p>
-            <a:pPr lvl="1"/>
-            <a:r>
-              <a:rPr lang="en-US" dirty="0"/>
-              <a:t>I (d) – Integrated. </a:t>
-            </a:r>
-            <a:r>
-              <a:rPr lang="en-CA" dirty="0"/>
-              <a:t>Observes the difference between static data values and previous values. The goal is to achieve stationary data that is not subject to seasonality. </a:t>
-            </a:r>
-            <a:endParaRPr lang="en-US" dirty="0"/>
-          </a:p>
-          <a:p>
-            <a:pPr lvl="1"/>
-            <a:r>
-              <a:rPr lang="en-US" dirty="0"/>
-              <a:t>MA (q) – Moving Average. A moving average. </a:t>
-            </a:r>
-          </a:p>
-          <a:p>
-            <a:r>
-              <a:rPr lang="en-US" dirty="0"/>
-              <a:t>Uses differencing to become stationary – removes seasonality. </a:t>
-            </a:r>
-          </a:p>
-          <a:p>
-            <a:r>
-              <a:rPr lang="en-US" dirty="0"/>
-              <a:t>Doing this part manually is for context, we have tools to do it for us that we’ll leverage. </a:t>
-            </a:r>
-          </a:p>
-          <a:p>
-            <a:pPr lvl="1"/>
-            <a:r>
-              <a:rPr lang="en-US" dirty="0"/>
-              <a:t>We don’t need to know how to do this process in depth, we’ll use the library tools. </a:t>
-            </a:r>
-          </a:p>
-          <a:p>
-            <a:pPr lvl="1"/>
-            <a:endParaRPr lang="en-US" dirty="0"/>
-          </a:p>
-        </p:txBody>
-      </p:sp>
-    </p:spTree>
-    <p:extLst>
-      <p:ext uri="{BB962C8B-B14F-4D97-AF65-F5344CB8AC3E}">
-        <p14:creationId xmlns:p14="http://schemas.microsoft.com/office/powerpoint/2010/main" val="3138543553"/>
-      </p:ext>
-    </p:extLst>
-  </p:cSld>
-  <p:clrMapOvr>
-    <a:masterClrMapping/>
-  </p:clrMapOvr>
-</p:sld>
-</file>
-
-<file path=ppt/slides/slide9.xml><?xml version="1.0" encoding="utf-8"?>
-<p:sld xmlns:a="http://schemas.openxmlformats.org/drawingml/2006/main" xmlns:r="http://schemas.openxmlformats.org/officeDocument/2006/relationships" xmlns:p="http://schemas.openxmlformats.org/presentationml/2006/main">
-  <p:cSld>
-    <p:spTree>
-      <p:nvGrpSpPr>
-        <p:cNvPr id="1" name=""/>
-        <p:cNvGrpSpPr/>
-        <p:nvPr/>
-      </p:nvGrpSpPr>
-      <p:grpSpPr>
-        <a:xfrm>
-          <a:off x="0" y="0"/>
-          <a:ext cx="0" cy="0"/>
-          <a:chOff x="0" y="0"/>
-          <a:chExt cx="0" cy="0"/>
-        </a:xfrm>
-      </p:grpSpPr>
-      <p:sp>
-        <p:nvSpPr>
-          <p:cNvPr id="2" name="Title 1">
-            <a:extLst>
-              <a:ext uri="{FF2B5EF4-FFF2-40B4-BE49-F238E27FC236}">
-                <a16:creationId xmlns:a16="http://schemas.microsoft.com/office/drawing/2014/main" id="{7B11B4FF-C483-1843-A310-41690B02C0B1}"/>
-              </a:ext>
-            </a:extLst>
-          </p:cNvPr>
-          <p:cNvSpPr>
-            <a:spLocks noGrp="1"/>
-          </p:cNvSpPr>
-          <p:nvPr>
-            <p:ph type="title"/>
-          </p:nvPr>
-        </p:nvSpPr>
-        <p:spPr/>
-        <p:txBody>
-          <a:bodyPr/>
-          <a:lstStyle/>
-          <a:p>
-            <a:r>
-              <a:rPr lang="en-US" dirty="0"/>
-              <a:t>Creating ARIMA</a:t>
-            </a:r>
-          </a:p>
-        </p:txBody>
-      </p:sp>
-      <p:sp>
-        <p:nvSpPr>
-          <p:cNvPr id="3" name="Content Placeholder 2">
-            <a:extLst>
-              <a:ext uri="{FF2B5EF4-FFF2-40B4-BE49-F238E27FC236}">
-                <a16:creationId xmlns:a16="http://schemas.microsoft.com/office/drawing/2014/main" id="{A9D6FFEB-93E4-2440-B6F9-5294BC07F0C5}"/>
-              </a:ext>
-            </a:extLst>
-          </p:cNvPr>
-          <p:cNvSpPr>
-            <a:spLocks noGrp="1"/>
-          </p:cNvSpPr>
-          <p:nvPr>
-            <p:ph idx="1"/>
-          </p:nvPr>
-        </p:nvSpPr>
-        <p:spPr/>
-        <p:txBody>
-          <a:bodyPr/>
-          <a:lstStyle/>
-          <a:p>
-            <a:r>
-              <a:rPr lang="en-US" dirty="0"/>
-              <a:t>D term - Augmented Dickey Fuller test.</a:t>
-            </a:r>
-          </a:p>
-          <a:p>
-            <a:pPr lvl="1"/>
-            <a:r>
-              <a:rPr lang="en-US" dirty="0"/>
-              <a:t>P &lt; .05 for significance test is normal cutoff. </a:t>
-            </a:r>
-          </a:p>
-          <a:p>
-            <a:r>
-              <a:rPr lang="en-US" dirty="0"/>
-              <a:t>P and Q Terms from autocorrelation and partial autocorrelation graphs. </a:t>
-            </a:r>
-          </a:p>
-          <a:p>
-            <a:pPr lvl="1"/>
-            <a:r>
-              <a:rPr lang="en-US" dirty="0"/>
-              <a:t>Next page… </a:t>
-            </a:r>
-          </a:p>
-          <a:p>
-            <a:r>
-              <a:rPr lang="en-US" dirty="0"/>
-              <a:t>If in doubt, default to lower values first. </a:t>
-            </a:r>
-          </a:p>
-        </p:txBody>
-      </p:sp>
-    </p:spTree>
-    <p:extLst>
-      <p:ext uri="{BB962C8B-B14F-4D97-AF65-F5344CB8AC3E}">
-        <p14:creationId xmlns:p14="http://schemas.microsoft.com/office/powerpoint/2010/main" val="4024351370"/>
       </p:ext>
     </p:extLst>
   </p:cSld>

--- a/reference_content/Slides/TimeSeries.pptx
+++ b/reference_content/Slides/TimeSeries.pptx
@@ -14,23 +14,27 @@
     <p:sldId id="258" r:id="rId8"/>
     <p:sldId id="261" r:id="rId9"/>
     <p:sldId id="262" r:id="rId10"/>
-    <p:sldId id="257" r:id="rId11"/>
-    <p:sldId id="259" r:id="rId12"/>
-    <p:sldId id="263" r:id="rId13"/>
-    <p:sldId id="265" r:id="rId14"/>
-    <p:sldId id="266" r:id="rId15"/>
-    <p:sldId id="264" r:id="rId16"/>
-    <p:sldId id="260" r:id="rId17"/>
-    <p:sldId id="276" r:id="rId18"/>
-    <p:sldId id="277" r:id="rId19"/>
-    <p:sldId id="278" r:id="rId20"/>
-    <p:sldId id="273" r:id="rId21"/>
-    <p:sldId id="274" r:id="rId22"/>
-    <p:sldId id="267" r:id="rId23"/>
-    <p:sldId id="268" r:id="rId24"/>
-    <p:sldId id="275" r:id="rId25"/>
-    <p:sldId id="279" r:id="rId26"/>
-    <p:sldId id="269" r:id="rId27"/>
+    <p:sldId id="284" r:id="rId11"/>
+    <p:sldId id="257" r:id="rId12"/>
+    <p:sldId id="259" r:id="rId13"/>
+    <p:sldId id="263" r:id="rId14"/>
+    <p:sldId id="282" r:id="rId15"/>
+    <p:sldId id="283" r:id="rId16"/>
+    <p:sldId id="265" r:id="rId17"/>
+    <p:sldId id="266" r:id="rId18"/>
+    <p:sldId id="264" r:id="rId19"/>
+    <p:sldId id="260" r:id="rId20"/>
+    <p:sldId id="276" r:id="rId21"/>
+    <p:sldId id="277" r:id="rId22"/>
+    <p:sldId id="278" r:id="rId23"/>
+    <p:sldId id="273" r:id="rId24"/>
+    <p:sldId id="274" r:id="rId25"/>
+    <p:sldId id="267" r:id="rId26"/>
+    <p:sldId id="285" r:id="rId27"/>
+    <p:sldId id="268" r:id="rId28"/>
+    <p:sldId id="275" r:id="rId29"/>
+    <p:sldId id="279" r:id="rId30"/>
+    <p:sldId id="269" r:id="rId31"/>
   </p:sldIdLst>
   <p:sldSz cx="12192000" cy="6858000"/>
   <p:notesSz cx="6858000" cy="9144000"/>
@@ -3808,7 +3812,7 @@
           <p:cNvPr id="2" name="Title 1">
             <a:extLst>
               <a:ext uri="{FF2B5EF4-FFF2-40B4-BE49-F238E27FC236}">
-                <a16:creationId xmlns:a16="http://schemas.microsoft.com/office/drawing/2014/main" id="{48D6F2E3-C441-EA45-AFB0-16746E9DB104}"/>
+                <a16:creationId xmlns:a16="http://schemas.microsoft.com/office/drawing/2014/main" id="{95D0AAEE-18A3-7C0B-4DF5-690CE1FD9893}"/>
               </a:ext>
             </a:extLst>
           </p:cNvPr>
@@ -3826,7 +3830,7 @@
           <a:p>
             <a:r>
               <a:rPr lang="en-US" dirty="0"/>
-              <a:t>ARIMA</a:t>
+              <a:t>Stationary stats</a:t>
             </a:r>
           </a:p>
         </p:txBody>
@@ -3836,7 +3840,7 @@
           <p:cNvPr id="3" name="Content Placeholder 2">
             <a:extLst>
               <a:ext uri="{FF2B5EF4-FFF2-40B4-BE49-F238E27FC236}">
-                <a16:creationId xmlns:a16="http://schemas.microsoft.com/office/drawing/2014/main" id="{3391B933-66AE-EF4B-A480-3CF6E4F1BDD6}"/>
+                <a16:creationId xmlns:a16="http://schemas.microsoft.com/office/drawing/2014/main" id="{61310B95-71F2-9150-0367-66FB75341A35}"/>
               </a:ext>
             </a:extLst>
           </p:cNvPr>
@@ -3849,79 +3853,92 @@
         </p:nvSpPr>
         <p:spPr>
           <a:xfrm>
-            <a:off x="1451579" y="1853754"/>
-            <a:ext cx="9603275" cy="4199727"/>
-          </a:xfrm>
-        </p:spPr>
-        <p:txBody>
-          <a:bodyPr/>
-          <a:lstStyle/>
-          <a:p>
-            <a:r>
-              <a:rPr lang="en-US" dirty="0"/>
-              <a:t>ARIMA is a common time series model, it has 3 parts:</a:t>
+            <a:off x="1451579" y="1853755"/>
+            <a:ext cx="9603275" cy="1826572"/>
+          </a:xfrm>
+        </p:spPr>
+        <p:txBody>
+          <a:bodyPr/>
+          <a:lstStyle/>
+          <a:p>
+            <a:r>
+              <a:rPr lang="en-US" dirty="0"/>
+              <a:t>The stationary bit is/was more significant in older “stats” models. </a:t>
+            </a:r>
+          </a:p>
+          <a:p>
+            <a:r>
+              <a:rPr lang="en-US" dirty="0"/>
+              <a:t>The stationary transformations work like bias/kernel to adapt model to non-fitting data. </a:t>
             </a:r>
           </a:p>
           <a:p>
             <a:pPr lvl="1"/>
             <a:r>
               <a:rPr lang="en-US" dirty="0"/>
-              <a:t>AR (p) – Autoregressive. </a:t>
-            </a:r>
-            <a:r>
-              <a:rPr lang="en-CA" dirty="0"/>
-              <a:t>Regresses on its own prior or lagged values. In other words, it predicts future values based on past values. </a:t>
-            </a:r>
-            <a:endParaRPr lang="en-US" dirty="0"/>
+              <a:t>If we can define some operation to make the data predictable, its easy to predict. </a:t>
+            </a:r>
           </a:p>
           <a:p>
             <a:pPr lvl="1"/>
             <a:r>
               <a:rPr lang="en-US" dirty="0"/>
-              <a:t>I (d) – Integrated. </a:t>
-            </a:r>
-            <a:r>
-              <a:rPr lang="en-CA" dirty="0"/>
-              <a:t>Observes the difference between static data values and previous values. The goal is to achieve stationary data that is not subject to seasonality. </a:t>
-            </a:r>
-            <a:endParaRPr lang="en-US" dirty="0"/>
-          </a:p>
-          <a:p>
-            <a:pPr lvl="1"/>
-            <a:r>
-              <a:rPr lang="en-US" dirty="0"/>
-              <a:t>MA (q) – Moving Average. A moving average. </a:t>
-            </a:r>
-          </a:p>
-          <a:p>
-            <a:r>
-              <a:rPr lang="en-US" dirty="0"/>
-              <a:t>Uses differencing to become stationary – removes seasonality. </a:t>
-            </a:r>
-          </a:p>
-          <a:p>
-            <a:r>
-              <a:rPr lang="en-US" dirty="0"/>
-              <a:t>Doing this part manually is for context, we have tools to do it for us that we’ll leverage. </a:t>
-            </a:r>
-          </a:p>
-          <a:p>
-            <a:pPr lvl="1"/>
-            <a:r>
-              <a:rPr lang="en-US" dirty="0"/>
-              <a:t>We don’t need to know how to do this process in depth, we’ll use the library tools. </a:t>
-            </a:r>
-          </a:p>
-          <a:p>
-            <a:pPr lvl="1"/>
-            <a:endParaRPr lang="en-US" dirty="0"/>
-          </a:p>
-        </p:txBody>
-      </p:sp>
+              <a:t>This is the “linearly separable” of time series – we can use simple models, if they fit. </a:t>
+            </a:r>
+          </a:p>
+        </p:txBody>
+      </p:sp>
+      <p:pic>
+        <p:nvPicPr>
+          <p:cNvPr id="4098" name="Picture 2" descr="Achieving Stationarity With Time Series Data | by Alex Mitrani | Towards  Data Science">
+            <a:extLst>
+              <a:ext uri="{FF2B5EF4-FFF2-40B4-BE49-F238E27FC236}">
+                <a16:creationId xmlns:a16="http://schemas.microsoft.com/office/drawing/2014/main" id="{5E86B059-F8C7-8D0B-25BB-B82F5BDBC924}"/>
+              </a:ext>
+            </a:extLst>
+          </p:cNvPr>
+          <p:cNvPicPr>
+            <a:picLocks noChangeAspect="1" noChangeArrowheads="1"/>
+          </p:cNvPicPr>
+          <p:nvPr/>
+        </p:nvPicPr>
+        <p:blipFill>
+          <a:blip r:embed="rId2">
+            <a:extLst>
+              <a:ext uri="{28A0092B-C50C-407E-A947-70E740481C1C}">
+                <a14:useLocalDpi xmlns:a14="http://schemas.microsoft.com/office/drawing/2010/main" val="0"/>
+              </a:ext>
+            </a:extLst>
+          </a:blip>
+          <a:srcRect/>
+          <a:stretch>
+            <a:fillRect/>
+          </a:stretch>
+        </p:blipFill>
+        <p:spPr bwMode="auto">
+          <a:xfrm>
+            <a:off x="606902" y="3680327"/>
+            <a:ext cx="10978195" cy="3177673"/>
+          </a:xfrm>
+          <a:prstGeom prst="rect">
+            <a:avLst/>
+          </a:prstGeom>
+          <a:noFill/>
+          <a:extLst>
+            <a:ext uri="{909E8E84-426E-40DD-AFC4-6F175D3DCCD1}">
+              <a14:hiddenFill xmlns:a14="http://schemas.microsoft.com/office/drawing/2010/main">
+                <a:solidFill>
+                  <a:srgbClr val="FFFFFF"/>
+                </a:solidFill>
+              </a14:hiddenFill>
+            </a:ext>
+          </a:extLst>
+        </p:spPr>
+      </p:pic>
     </p:spTree>
     <p:extLst>
       <p:ext uri="{BB962C8B-B14F-4D97-AF65-F5344CB8AC3E}">
-        <p14:creationId xmlns:p14="http://schemas.microsoft.com/office/powerpoint/2010/main" val="3138543553"/>
+        <p14:creationId xmlns:p14="http://schemas.microsoft.com/office/powerpoint/2010/main" val="1122660830"/>
       </p:ext>
     </p:extLst>
   </p:cSld>
@@ -3953,7 +3970,7 @@
           <p:cNvPr id="2" name="Title 1">
             <a:extLst>
               <a:ext uri="{FF2B5EF4-FFF2-40B4-BE49-F238E27FC236}">
-                <a16:creationId xmlns:a16="http://schemas.microsoft.com/office/drawing/2014/main" id="{7B11B4FF-C483-1843-A310-41690B02C0B1}"/>
+                <a16:creationId xmlns:a16="http://schemas.microsoft.com/office/drawing/2014/main" id="{48D6F2E3-C441-EA45-AFB0-16746E9DB104}"/>
               </a:ext>
             </a:extLst>
           </p:cNvPr>
@@ -3971,7 +3988,7 @@
           <a:p>
             <a:r>
               <a:rPr lang="en-US" dirty="0"/>
-              <a:t>Creating ARIMA</a:t>
+              <a:t>ARIMA</a:t>
             </a:r>
           </a:p>
         </p:txBody>
@@ -3981,7 +3998,7 @@
           <p:cNvPr id="3" name="Content Placeholder 2">
             <a:extLst>
               <a:ext uri="{FF2B5EF4-FFF2-40B4-BE49-F238E27FC236}">
-                <a16:creationId xmlns:a16="http://schemas.microsoft.com/office/drawing/2014/main" id="{A9D6FFEB-93E4-2440-B6F9-5294BC07F0C5}"/>
+                <a16:creationId xmlns:a16="http://schemas.microsoft.com/office/drawing/2014/main" id="{3391B933-66AE-EF4B-A480-3CF6E4F1BDD6}"/>
               </a:ext>
             </a:extLst>
           </p:cNvPr>
@@ -3992,48 +4009,81 @@
             <p:ph idx="1"/>
           </p:nvPr>
         </p:nvSpPr>
-        <p:spPr/>
-        <p:txBody>
-          <a:bodyPr/>
-          <a:lstStyle/>
-          <a:p>
-            <a:r>
-              <a:rPr lang="en-US" dirty="0"/>
-              <a:t>D term - Augmented Dickey Fuller test.</a:t>
+        <p:spPr>
+          <a:xfrm>
+            <a:off x="1451579" y="1853754"/>
+            <a:ext cx="9603275" cy="4199727"/>
+          </a:xfrm>
+        </p:spPr>
+        <p:txBody>
+          <a:bodyPr/>
+          <a:lstStyle/>
+          <a:p>
+            <a:r>
+              <a:rPr lang="en-US" dirty="0"/>
+              <a:t>ARIMA is a common time series model, it has 3 parts:</a:t>
             </a:r>
           </a:p>
           <a:p>
             <a:pPr lvl="1"/>
             <a:r>
               <a:rPr lang="en-US" dirty="0"/>
-              <a:t>P &lt; .05 for significance test is normal cutoff. </a:t>
-            </a:r>
-          </a:p>
-          <a:p>
-            <a:r>
-              <a:rPr lang="en-US" dirty="0"/>
-              <a:t>P and Q Terms from autocorrelation and partial autocorrelation graphs. </a:t>
-            </a:r>
+              <a:t>AR (p) – Autoregressive. </a:t>
+            </a:r>
+            <a:r>
+              <a:rPr lang="en-CA" dirty="0"/>
+              <a:t>Regresses on its own prior or lagged values. In other words, it predicts future values based on past values. </a:t>
+            </a:r>
+            <a:endParaRPr lang="en-US" dirty="0"/>
           </a:p>
           <a:p>
             <a:pPr lvl="1"/>
             <a:r>
               <a:rPr lang="en-US" dirty="0"/>
-              <a:t>Next page… </a:t>
-            </a:r>
-          </a:p>
-          <a:p>
-            <a:r>
-              <a:rPr lang="en-US" dirty="0"/>
-              <a:t>If in doubt, default to lower values first. </a:t>
-            </a:r>
+              <a:t>I (d) – Integrated. </a:t>
+            </a:r>
+            <a:r>
+              <a:rPr lang="en-CA" dirty="0"/>
+              <a:t>Observes the difference between static data values and previous values. The goal is to achieve stationary data that is not subject to seasonality. </a:t>
+            </a:r>
+            <a:endParaRPr lang="en-US" dirty="0"/>
+          </a:p>
+          <a:p>
+            <a:pPr lvl="1"/>
+            <a:r>
+              <a:rPr lang="en-US" dirty="0"/>
+              <a:t>MA (q) – Moving Average. A moving average. </a:t>
+            </a:r>
+          </a:p>
+          <a:p>
+            <a:r>
+              <a:rPr lang="en-US" dirty="0"/>
+              <a:t>Uses differencing to become stationary – removes seasonality. </a:t>
+            </a:r>
+          </a:p>
+          <a:p>
+            <a:r>
+              <a:rPr lang="en-US" dirty="0"/>
+              <a:t>Doing this part manually is for context, we have tools to do it for us that we’ll leverage. </a:t>
+            </a:r>
+          </a:p>
+          <a:p>
+            <a:pPr lvl="1"/>
+            <a:r>
+              <a:rPr lang="en-US" dirty="0"/>
+              <a:t>We don’t need to know how to do this process in depth, we’ll use the library tools. </a:t>
+            </a:r>
+          </a:p>
+          <a:p>
+            <a:pPr lvl="1"/>
+            <a:endParaRPr lang="en-US" dirty="0"/>
           </a:p>
         </p:txBody>
       </p:sp>
     </p:spTree>
     <p:extLst>
       <p:ext uri="{BB962C8B-B14F-4D97-AF65-F5344CB8AC3E}">
-        <p14:creationId xmlns:p14="http://schemas.microsoft.com/office/powerpoint/2010/main" val="4024351370"/>
+        <p14:creationId xmlns:p14="http://schemas.microsoft.com/office/powerpoint/2010/main" val="3138543553"/>
       </p:ext>
     </p:extLst>
   </p:cSld>
@@ -4065,7 +4115,7 @@
           <p:cNvPr id="2" name="Title 1">
             <a:extLst>
               <a:ext uri="{FF2B5EF4-FFF2-40B4-BE49-F238E27FC236}">
-                <a16:creationId xmlns:a16="http://schemas.microsoft.com/office/drawing/2014/main" id="{B6D692E1-DF41-494A-AF87-6271E660E4E5}"/>
+                <a16:creationId xmlns:a16="http://schemas.microsoft.com/office/drawing/2014/main" id="{7B11B4FF-C483-1843-A310-41690B02C0B1}"/>
               </a:ext>
             </a:extLst>
           </p:cNvPr>
@@ -4081,7 +4131,10 @@
           <a:bodyPr/>
           <a:lstStyle/>
           <a:p>
-            <a:endParaRPr lang="en-US"/>
+            <a:r>
+              <a:rPr lang="en-US" dirty="0"/>
+              <a:t>Creating ARIMA</a:t>
+            </a:r>
           </a:p>
         </p:txBody>
       </p:sp>
@@ -4090,7 +4143,7 @@
           <p:cNvPr id="3" name="Content Placeholder 2">
             <a:extLst>
               <a:ext uri="{FF2B5EF4-FFF2-40B4-BE49-F238E27FC236}">
-                <a16:creationId xmlns:a16="http://schemas.microsoft.com/office/drawing/2014/main" id="{F764A3B3-9888-4A42-8523-5EAC0835E46E}"/>
+                <a16:creationId xmlns:a16="http://schemas.microsoft.com/office/drawing/2014/main" id="{A9D6FFEB-93E4-2440-B6F9-5294BC07F0C5}"/>
               </a:ext>
             </a:extLst>
           </p:cNvPr>
@@ -4106,44 +4159,63 @@
           <a:bodyPr/>
           <a:lstStyle/>
           <a:p>
-            <a:endParaRPr lang="en-US"/>
-          </a:p>
-        </p:txBody>
-      </p:sp>
-      <p:pic>
-        <p:nvPicPr>
-          <p:cNvPr id="5" name="Picture 4">
-            <a:extLst>
-              <a:ext uri="{FF2B5EF4-FFF2-40B4-BE49-F238E27FC236}">
-                <a16:creationId xmlns:a16="http://schemas.microsoft.com/office/drawing/2014/main" id="{A1133875-FED9-BC45-9C3A-9741348C1241}"/>
-              </a:ext>
-            </a:extLst>
-          </p:cNvPr>
-          <p:cNvPicPr>
-            <a:picLocks noChangeAspect="1"/>
-          </p:cNvPicPr>
-          <p:nvPr/>
-        </p:nvPicPr>
-        <p:blipFill>
-          <a:blip r:embed="rId2"/>
-          <a:stretch>
-            <a:fillRect/>
-          </a:stretch>
-        </p:blipFill>
-        <p:spPr>
-          <a:xfrm>
-            <a:off x="0" y="1803859"/>
-            <a:ext cx="12192000" cy="2670420"/>
-          </a:xfrm>
-          <a:prstGeom prst="rect">
-            <a:avLst/>
-          </a:prstGeom>
-        </p:spPr>
-      </p:pic>
+            <a:r>
+              <a:rPr lang="en-US" dirty="0"/>
+              <a:t>Manually doing an ARIMA model requires we figure out the </a:t>
+            </a:r>
+            <a:r>
+              <a:rPr lang="en-US" dirty="0" err="1"/>
+              <a:t>d,p,q</a:t>
+            </a:r>
+            <a:r>
+              <a:rPr lang="en-US" dirty="0"/>
+              <a:t> parameters first. </a:t>
+            </a:r>
+          </a:p>
+          <a:p>
+            <a:r>
+              <a:rPr lang="en-US" dirty="0"/>
+              <a:t>D term - Augmented Dickey Fuller test.</a:t>
+            </a:r>
+          </a:p>
+          <a:p>
+            <a:r>
+              <a:rPr lang="en-US" dirty="0"/>
+              <a:t>Hypothesis test for “is this thing stationary”. </a:t>
+            </a:r>
+          </a:p>
+          <a:p>
+            <a:pPr lvl="1"/>
+            <a:r>
+              <a:rPr lang="en-US" dirty="0"/>
+              <a:t>P &lt; .05 for significance test is normal cutoff. </a:t>
+            </a:r>
+          </a:p>
+          <a:p>
+            <a:r>
+              <a:rPr lang="en-US" dirty="0"/>
+              <a:t>P and Q Terms from autocorrelation and partial autocorrelation graphs. </a:t>
+            </a:r>
+          </a:p>
+          <a:p>
+            <a:pPr lvl="1"/>
+            <a:r>
+              <a:rPr lang="en-US" dirty="0"/>
+              <a:t>Next page… </a:t>
+            </a:r>
+          </a:p>
+          <a:p>
+            <a:r>
+              <a:rPr lang="en-US" dirty="0"/>
+              <a:t>If in doubt, default to lower values first. </a:t>
+            </a:r>
+          </a:p>
+        </p:txBody>
+      </p:sp>
     </p:spTree>
     <p:extLst>
       <p:ext uri="{BB962C8B-B14F-4D97-AF65-F5344CB8AC3E}">
-        <p14:creationId xmlns:p14="http://schemas.microsoft.com/office/powerpoint/2010/main" val="2712208763"/>
+        <p14:creationId xmlns:p14="http://schemas.microsoft.com/office/powerpoint/2010/main" val="4024351370"/>
       </p:ext>
     </p:extLst>
   </p:cSld>
@@ -4175,7 +4247,7 @@
           <p:cNvPr id="2" name="Title 1">
             <a:extLst>
               <a:ext uri="{FF2B5EF4-FFF2-40B4-BE49-F238E27FC236}">
-                <a16:creationId xmlns:a16="http://schemas.microsoft.com/office/drawing/2014/main" id="{42ECDDAF-6A94-AA4A-9692-942BAAC8C5AE}"/>
+                <a16:creationId xmlns:a16="http://schemas.microsoft.com/office/drawing/2014/main" id="{B6D692E1-DF41-494A-AF87-6271E660E4E5}"/>
               </a:ext>
             </a:extLst>
           </p:cNvPr>
@@ -4193,33 +4265,49 @@
           <a:p>
             <a:r>
               <a:rPr lang="en-US" dirty="0"/>
-              <a:t>AR – 0</a:t>
-            </a:r>
-            <a:br>
-              <a:rPr lang="en-US" dirty="0"/>
-            </a:br>
-            <a:r>
-              <a:rPr lang="en-US" dirty="0"/>
-              <a:t>MA – 1 </a:t>
-            </a:r>
+              <a:t>Guidelines on What to Use…</a:t>
+            </a:r>
+          </a:p>
+        </p:txBody>
+      </p:sp>
+      <p:sp>
+        <p:nvSpPr>
+          <p:cNvPr id="3" name="Content Placeholder 2">
+            <a:extLst>
+              <a:ext uri="{FF2B5EF4-FFF2-40B4-BE49-F238E27FC236}">
+                <a16:creationId xmlns:a16="http://schemas.microsoft.com/office/drawing/2014/main" id="{F764A3B3-9888-4A42-8523-5EAC0835E46E}"/>
+              </a:ext>
+            </a:extLst>
+          </p:cNvPr>
+          <p:cNvSpPr>
+            <a:spLocks noGrp="1"/>
+          </p:cNvSpPr>
+          <p:nvPr>
+            <p:ph idx="1"/>
+          </p:nvPr>
+        </p:nvSpPr>
+        <p:spPr/>
+        <p:txBody>
+          <a:bodyPr/>
+          <a:lstStyle/>
+          <a:p>
+            <a:endParaRPr lang="en-US"/>
           </a:p>
         </p:txBody>
       </p:sp>
       <p:pic>
         <p:nvPicPr>
-          <p:cNvPr id="5" name="Content Placeholder 4">
+          <p:cNvPr id="5" name="Picture 4">
             <a:extLst>
               <a:ext uri="{FF2B5EF4-FFF2-40B4-BE49-F238E27FC236}">
-                <a16:creationId xmlns:a16="http://schemas.microsoft.com/office/drawing/2014/main" id="{1050A55D-89FE-F349-BD7C-C479A0C23AEC}"/>
+                <a16:creationId xmlns:a16="http://schemas.microsoft.com/office/drawing/2014/main" id="{A1133875-FED9-BC45-9C3A-9741348C1241}"/>
               </a:ext>
             </a:extLst>
           </p:cNvPr>
           <p:cNvPicPr>
-            <a:picLocks noGrp="1" noChangeAspect="1"/>
+            <a:picLocks noChangeAspect="1"/>
           </p:cNvPicPr>
-          <p:nvPr>
-            <p:ph sz="half" idx="1"/>
-          </p:nvPr>
+          <p:nvPr/>
         </p:nvPicPr>
         <p:blipFill>
           <a:blip r:embed="rId2"/>
@@ -4229,40 +4317,8 @@
         </p:blipFill>
         <p:spPr>
           <a:xfrm>
-            <a:off x="0" y="2102632"/>
-            <a:ext cx="6092825" cy="4283334"/>
-          </a:xfrm>
-          <a:prstGeom prst="rect">
-            <a:avLst/>
-          </a:prstGeom>
-        </p:spPr>
-      </p:pic>
-      <p:pic>
-        <p:nvPicPr>
-          <p:cNvPr id="6" name="Content Placeholder 5">
-            <a:extLst>
-              <a:ext uri="{FF2B5EF4-FFF2-40B4-BE49-F238E27FC236}">
-                <a16:creationId xmlns:a16="http://schemas.microsoft.com/office/drawing/2014/main" id="{41F8E2DB-FAAD-C34C-B1DB-0C8BFE864AB0}"/>
-              </a:ext>
-            </a:extLst>
-          </p:cNvPr>
-          <p:cNvPicPr>
-            <a:picLocks noGrp="1" noChangeAspect="1"/>
-          </p:cNvPicPr>
-          <p:nvPr>
-            <p:ph sz="half" idx="2"/>
-          </p:nvPr>
-        </p:nvPicPr>
-        <p:blipFill>
-          <a:blip r:embed="rId3"/>
-          <a:stretch>
-            <a:fillRect/>
-          </a:stretch>
-        </p:blipFill>
-        <p:spPr>
-          <a:xfrm>
-            <a:off x="6107414" y="2116544"/>
-            <a:ext cx="6113241" cy="4269422"/>
+            <a:off x="0" y="1803859"/>
+            <a:ext cx="12192000" cy="2670420"/>
           </a:xfrm>
           <a:prstGeom prst="rect">
             <a:avLst/>
@@ -4272,7 +4328,7 @@
     </p:spTree>
     <p:extLst>
       <p:ext uri="{BB962C8B-B14F-4D97-AF65-F5344CB8AC3E}">
-        <p14:creationId xmlns:p14="http://schemas.microsoft.com/office/powerpoint/2010/main" val="2848724905"/>
+        <p14:creationId xmlns:p14="http://schemas.microsoft.com/office/powerpoint/2010/main" val="2712208763"/>
       </p:ext>
     </p:extLst>
   </p:cSld>
@@ -4304,7 +4360,7 @@
           <p:cNvPr id="2" name="Title 1">
             <a:extLst>
               <a:ext uri="{FF2B5EF4-FFF2-40B4-BE49-F238E27FC236}">
-                <a16:creationId xmlns:a16="http://schemas.microsoft.com/office/drawing/2014/main" id="{558BE19D-AE42-BB42-B8FA-BA310BE0E4AD}"/>
+                <a16:creationId xmlns:a16="http://schemas.microsoft.com/office/drawing/2014/main" id="{1E301671-7911-14AC-D4D5-9602BE635904}"/>
               </a:ext>
             </a:extLst>
           </p:cNvPr>
@@ -4322,86 +4378,83 @@
           <a:p>
             <a:r>
               <a:rPr lang="en-US" dirty="0"/>
-              <a:t>AR – 1</a:t>
-            </a:r>
-            <a:br>
-              <a:rPr lang="en-US" dirty="0"/>
-            </a:br>
-            <a:r>
-              <a:rPr lang="en-US" dirty="0"/>
-              <a:t>MA – 0 </a:t>
-            </a:r>
-          </a:p>
-        </p:txBody>
-      </p:sp>
-      <p:pic>
-        <p:nvPicPr>
-          <p:cNvPr id="6" name="Content Placeholder 5">
+              <a:t>P and Q</a:t>
+            </a:r>
+          </a:p>
+        </p:txBody>
+      </p:sp>
+      <p:sp>
+        <p:nvSpPr>
+          <p:cNvPr id="3" name="Content Placeholder 2">
             <a:extLst>
               <a:ext uri="{FF2B5EF4-FFF2-40B4-BE49-F238E27FC236}">
-                <a16:creationId xmlns:a16="http://schemas.microsoft.com/office/drawing/2014/main" id="{1C70AB12-CE35-9E4A-9759-B1340242A2AA}"/>
+                <a16:creationId xmlns:a16="http://schemas.microsoft.com/office/drawing/2014/main" id="{D9A78AFD-5820-9530-33CA-3503BFEFD001}"/>
               </a:ext>
             </a:extLst>
           </p:cNvPr>
-          <p:cNvPicPr>
-            <a:picLocks noGrp="1" noChangeAspect="1"/>
-          </p:cNvPicPr>
-          <p:nvPr>
-            <p:ph sz="half" idx="1"/>
-          </p:nvPr>
-        </p:nvPicPr>
-        <p:blipFill>
-          <a:blip r:embed="rId2"/>
-          <a:stretch>
-            <a:fillRect/>
-          </a:stretch>
-        </p:blipFill>
+          <p:cNvSpPr>
+            <a:spLocks noGrp="1"/>
+          </p:cNvSpPr>
+          <p:nvPr>
+            <p:ph idx="1"/>
+          </p:nvPr>
+        </p:nvSpPr>
         <p:spPr>
           <a:xfrm>
-            <a:off x="0" y="2201955"/>
-            <a:ext cx="6092825" cy="4022772"/>
-          </a:xfrm>
-          <a:prstGeom prst="rect">
-            <a:avLst/>
-          </a:prstGeom>
-        </p:spPr>
-      </p:pic>
-      <p:pic>
-        <p:nvPicPr>
-          <p:cNvPr id="5" name="Content Placeholder 4">
-            <a:extLst>
-              <a:ext uri="{FF2B5EF4-FFF2-40B4-BE49-F238E27FC236}">
-                <a16:creationId xmlns:a16="http://schemas.microsoft.com/office/drawing/2014/main" id="{2B161ABB-D74D-3749-82FA-6930A99CB936}"/>
-              </a:ext>
-            </a:extLst>
-          </p:cNvPr>
-          <p:cNvPicPr>
-            <a:picLocks noGrp="1" noChangeAspect="1"/>
-          </p:cNvPicPr>
-          <p:nvPr>
-            <p:ph sz="half" idx="2"/>
-          </p:nvPr>
-        </p:nvPicPr>
-        <p:blipFill>
-          <a:blip r:embed="rId3"/>
-          <a:stretch>
-            <a:fillRect/>
-          </a:stretch>
-        </p:blipFill>
-        <p:spPr>
-          <a:xfrm>
-            <a:off x="6154121" y="2136946"/>
-            <a:ext cx="6092825" cy="4201641"/>
-          </a:xfrm>
-          <a:prstGeom prst="rect">
-            <a:avLst/>
-          </a:prstGeom>
-        </p:spPr>
-      </p:pic>
+            <a:off x="1238081" y="1933996"/>
+            <a:ext cx="10034124" cy="4119485"/>
+          </a:xfrm>
+        </p:spPr>
+        <p:txBody>
+          <a:bodyPr>
+            <a:normAutofit/>
+          </a:bodyPr>
+          <a:lstStyle/>
+          <a:p>
+            <a:r>
+              <a:rPr lang="en-US" dirty="0"/>
+              <a:t>Determining the p and q values is kind of vague. </a:t>
+            </a:r>
+          </a:p>
+          <a:p>
+            <a:pPr lvl="1"/>
+            <a:r>
+              <a:rPr lang="en-US" dirty="0"/>
+              <a:t>These terms act with the d param like kernel/basis functions to do a stationary transformation. </a:t>
+            </a:r>
+          </a:p>
+          <a:p>
+            <a:r>
+              <a:rPr lang="en-US" dirty="0"/>
+              <a:t>We make guesses based off of what we can see in a couple of plots:</a:t>
+            </a:r>
+          </a:p>
+          <a:p>
+            <a:pPr lvl="1"/>
+            <a:r>
+              <a:rPr lang="en-US" dirty="0"/>
+              <a:t>ACF – residual autocorrelation. </a:t>
+            </a:r>
+          </a:p>
+          <a:p>
+            <a:pPr lvl="1"/>
+            <a:r>
+              <a:rPr lang="en-US" dirty="0"/>
+              <a:t>PACF – residual partial autocorrelation. </a:t>
+            </a:r>
+          </a:p>
+          <a:p>
+            <a:r>
+              <a:rPr lang="en-US" dirty="0"/>
+              <a:t>Note – there’s more detail that goes into selecting these things that is largely out of scope. We can make estimates and evaluate. </a:t>
+            </a:r>
+          </a:p>
+        </p:txBody>
+      </p:sp>
     </p:spTree>
     <p:extLst>
       <p:ext uri="{BB962C8B-B14F-4D97-AF65-F5344CB8AC3E}">
-        <p14:creationId xmlns:p14="http://schemas.microsoft.com/office/powerpoint/2010/main" val="752172956"/>
+        <p14:creationId xmlns:p14="http://schemas.microsoft.com/office/powerpoint/2010/main" val="628860228"/>
       </p:ext>
     </p:extLst>
   </p:cSld>
@@ -4430,10 +4483,10 @@
       </p:grpSpPr>
       <p:sp>
         <p:nvSpPr>
-          <p:cNvPr id="6" name="Title 5">
+          <p:cNvPr id="2" name="Title 1">
             <a:extLst>
               <a:ext uri="{FF2B5EF4-FFF2-40B4-BE49-F238E27FC236}">
-                <a16:creationId xmlns:a16="http://schemas.microsoft.com/office/drawing/2014/main" id="{6C075DEA-0F3A-1D41-91A1-46ECC0DA25AC}"/>
+                <a16:creationId xmlns:a16="http://schemas.microsoft.com/office/drawing/2014/main" id="{E315D5B2-E808-5298-6064-A28E494EEB36}"/>
               </a:ext>
             </a:extLst>
           </p:cNvPr>
@@ -4451,86 +4504,86 @@
           <a:p>
             <a:r>
               <a:rPr lang="en-US" dirty="0"/>
-              <a:t>AR = 1</a:t>
-            </a:r>
-            <a:br>
-              <a:rPr lang="en-US" dirty="0"/>
-            </a:br>
-            <a:r>
-              <a:rPr lang="en-US" dirty="0"/>
-              <a:t>MA = 1</a:t>
-            </a:r>
-          </a:p>
-        </p:txBody>
-      </p:sp>
-      <p:pic>
-        <p:nvPicPr>
-          <p:cNvPr id="9" name="Content Placeholder 8">
+              <a:t>P and Q, Part 2</a:t>
+            </a:r>
+          </a:p>
+        </p:txBody>
+      </p:sp>
+      <p:sp>
+        <p:nvSpPr>
+          <p:cNvPr id="3" name="Content Placeholder 2">
             <a:extLst>
               <a:ext uri="{FF2B5EF4-FFF2-40B4-BE49-F238E27FC236}">
-                <a16:creationId xmlns:a16="http://schemas.microsoft.com/office/drawing/2014/main" id="{5450AC10-2360-C041-A1DE-1ED01FFAF62D}"/>
+                <a16:creationId xmlns:a16="http://schemas.microsoft.com/office/drawing/2014/main" id="{845943AD-DB2E-C73D-F903-CE6FA309E9C2}"/>
               </a:ext>
             </a:extLst>
           </p:cNvPr>
-          <p:cNvPicPr>
-            <a:picLocks noGrp="1" noChangeAspect="1"/>
-          </p:cNvPicPr>
-          <p:nvPr>
-            <p:ph sz="half" idx="2"/>
-          </p:nvPr>
-        </p:nvPicPr>
-        <p:blipFill>
-          <a:blip r:embed="rId2"/>
-          <a:stretch>
-            <a:fillRect/>
-          </a:stretch>
-        </p:blipFill>
+          <p:cNvSpPr>
+            <a:spLocks noGrp="1"/>
+          </p:cNvSpPr>
+          <p:nvPr>
+            <p:ph idx="1"/>
+          </p:nvPr>
+        </p:nvSpPr>
         <p:spPr>
           <a:xfrm>
-            <a:off x="6114320" y="2163640"/>
-            <a:ext cx="6034920" cy="4092349"/>
-          </a:xfrm>
-          <a:prstGeom prst="rect">
-            <a:avLst/>
-          </a:prstGeom>
-        </p:spPr>
-      </p:pic>
-      <p:pic>
-        <p:nvPicPr>
-          <p:cNvPr id="10" name="Content Placeholder 9">
-            <a:extLst>
-              <a:ext uri="{FF2B5EF4-FFF2-40B4-BE49-F238E27FC236}">
-                <a16:creationId xmlns:a16="http://schemas.microsoft.com/office/drawing/2014/main" id="{7F4A48C3-8DA4-1244-9CEC-30EB32F0272C}"/>
-              </a:ext>
-            </a:extLst>
-          </p:cNvPr>
-          <p:cNvPicPr>
-            <a:picLocks noGrp="1" noChangeAspect="1"/>
-          </p:cNvPicPr>
-          <p:nvPr>
-            <p:ph sz="half" idx="1"/>
-          </p:nvPr>
-        </p:nvPicPr>
-        <p:blipFill>
-          <a:blip r:embed="rId3"/>
-          <a:stretch>
-            <a:fillRect/>
-          </a:stretch>
-        </p:blipFill>
-        <p:spPr>
-          <a:xfrm>
-            <a:off x="0" y="2182697"/>
-            <a:ext cx="6092825" cy="4073292"/>
-          </a:xfrm>
-          <a:prstGeom prst="rect">
-            <a:avLst/>
-          </a:prstGeom>
-        </p:spPr>
-      </p:pic>
+            <a:off x="1451579" y="2015732"/>
+            <a:ext cx="9603275" cy="4150399"/>
+          </a:xfrm>
+        </p:spPr>
+        <p:txBody>
+          <a:bodyPr>
+            <a:normAutofit/>
+          </a:bodyPr>
+          <a:lstStyle/>
+          <a:p>
+            <a:r>
+              <a:rPr lang="en-US" dirty="0"/>
+              <a:t>Rough ‘rules’ – these are condensed guidelines. </a:t>
+            </a:r>
+          </a:p>
+          <a:p>
+            <a:pPr lvl="1"/>
+            <a:r>
+              <a:rPr lang="en-US" dirty="0"/>
+              <a:t>If the PACF of the differenced series displays a sharp cutoff and/or the lag-1 autocorrelation is positive--i.e., if the series appears slightly "</a:t>
+            </a:r>
+            <a:r>
+              <a:rPr lang="en-US" dirty="0" err="1"/>
+              <a:t>underdifferenced</a:t>
+            </a:r>
+            <a:r>
+              <a:rPr lang="en-US" dirty="0"/>
+              <a:t>"--then consider adding an AR term to the model. The lag at which the PACF cuts off is the indicated number of AR terms.</a:t>
+            </a:r>
+          </a:p>
+          <a:p>
+            <a:pPr lvl="1"/>
+            <a:r>
+              <a:rPr lang="en-US" dirty="0"/>
+              <a:t>If the ACF of the differenced series displays a sharp cutoff and/or the lag-1 autocorrelation is negative--i.e., if the series appears slightly "</a:t>
+            </a:r>
+            <a:r>
+              <a:rPr lang="en-US" dirty="0" err="1"/>
+              <a:t>overdifferenced</a:t>
+            </a:r>
+            <a:r>
+              <a:rPr lang="en-US" dirty="0"/>
+              <a:t>"--then consider adding an MA term to the model. The lag at which the ACF cuts off is the indicated number of MA terms.</a:t>
+            </a:r>
+          </a:p>
+          <a:p>
+            <a:r>
+              <a:rPr lang="en-US" dirty="0"/>
+              <a:t>Start small, test, and revise. </a:t>
+            </a:r>
+          </a:p>
+        </p:txBody>
+      </p:sp>
     </p:spTree>
     <p:extLst>
       <p:ext uri="{BB962C8B-B14F-4D97-AF65-F5344CB8AC3E}">
-        <p14:creationId xmlns:p14="http://schemas.microsoft.com/office/powerpoint/2010/main" val="2180279072"/>
+        <p14:creationId xmlns:p14="http://schemas.microsoft.com/office/powerpoint/2010/main" val="3853325820"/>
       </p:ext>
     </p:extLst>
   </p:cSld>
@@ -4562,6 +4615,393 @@
           <p:cNvPr id="2" name="Title 1">
             <a:extLst>
               <a:ext uri="{FF2B5EF4-FFF2-40B4-BE49-F238E27FC236}">
+                <a16:creationId xmlns:a16="http://schemas.microsoft.com/office/drawing/2014/main" id="{42ECDDAF-6A94-AA4A-9692-942BAAC8C5AE}"/>
+              </a:ext>
+            </a:extLst>
+          </p:cNvPr>
+          <p:cNvSpPr>
+            <a:spLocks noGrp="1"/>
+          </p:cNvSpPr>
+          <p:nvPr>
+            <p:ph type="title"/>
+          </p:nvPr>
+        </p:nvSpPr>
+        <p:spPr/>
+        <p:txBody>
+          <a:bodyPr/>
+          <a:lstStyle/>
+          <a:p>
+            <a:r>
+              <a:rPr lang="en-US" dirty="0"/>
+              <a:t>AR – 0</a:t>
+            </a:r>
+            <a:br>
+              <a:rPr lang="en-US" dirty="0"/>
+            </a:br>
+            <a:r>
+              <a:rPr lang="en-US" dirty="0"/>
+              <a:t>MA – 1 </a:t>
+            </a:r>
+          </a:p>
+        </p:txBody>
+      </p:sp>
+      <p:pic>
+        <p:nvPicPr>
+          <p:cNvPr id="5" name="Content Placeholder 4">
+            <a:extLst>
+              <a:ext uri="{FF2B5EF4-FFF2-40B4-BE49-F238E27FC236}">
+                <a16:creationId xmlns:a16="http://schemas.microsoft.com/office/drawing/2014/main" id="{1050A55D-89FE-F349-BD7C-C479A0C23AEC}"/>
+              </a:ext>
+            </a:extLst>
+          </p:cNvPr>
+          <p:cNvPicPr>
+            <a:picLocks noGrp="1" noChangeAspect="1"/>
+          </p:cNvPicPr>
+          <p:nvPr>
+            <p:ph sz="half" idx="1"/>
+          </p:nvPr>
+        </p:nvPicPr>
+        <p:blipFill>
+          <a:blip r:embed="rId2"/>
+          <a:stretch>
+            <a:fillRect/>
+          </a:stretch>
+        </p:blipFill>
+        <p:spPr>
+          <a:xfrm>
+            <a:off x="0" y="2102632"/>
+            <a:ext cx="6092825" cy="4283334"/>
+          </a:xfrm>
+          <a:prstGeom prst="rect">
+            <a:avLst/>
+          </a:prstGeom>
+        </p:spPr>
+      </p:pic>
+      <p:pic>
+        <p:nvPicPr>
+          <p:cNvPr id="6" name="Content Placeholder 5">
+            <a:extLst>
+              <a:ext uri="{FF2B5EF4-FFF2-40B4-BE49-F238E27FC236}">
+                <a16:creationId xmlns:a16="http://schemas.microsoft.com/office/drawing/2014/main" id="{41F8E2DB-FAAD-C34C-B1DB-0C8BFE864AB0}"/>
+              </a:ext>
+            </a:extLst>
+          </p:cNvPr>
+          <p:cNvPicPr>
+            <a:picLocks noGrp="1" noChangeAspect="1"/>
+          </p:cNvPicPr>
+          <p:nvPr>
+            <p:ph sz="half" idx="2"/>
+          </p:nvPr>
+        </p:nvPicPr>
+        <p:blipFill>
+          <a:blip r:embed="rId3"/>
+          <a:stretch>
+            <a:fillRect/>
+          </a:stretch>
+        </p:blipFill>
+        <p:spPr>
+          <a:xfrm>
+            <a:off x="6107414" y="2116544"/>
+            <a:ext cx="6113241" cy="4269422"/>
+          </a:xfrm>
+          <a:prstGeom prst="rect">
+            <a:avLst/>
+          </a:prstGeom>
+        </p:spPr>
+      </p:pic>
+    </p:spTree>
+    <p:extLst>
+      <p:ext uri="{BB962C8B-B14F-4D97-AF65-F5344CB8AC3E}">
+        <p14:creationId xmlns:p14="http://schemas.microsoft.com/office/powerpoint/2010/main" val="2848724905"/>
+      </p:ext>
+    </p:extLst>
+  </p:cSld>
+  <p:clrMapOvr>
+    <a:masterClrMapping/>
+  </p:clrMapOvr>
+</p:sld>
+</file>
+
+<file path=ppt/slides/slide17.xml><?xml version="1.0" encoding="utf-8"?>
+<p:sld xmlns:a="http://schemas.openxmlformats.org/drawingml/2006/main" xmlns:r="http://schemas.openxmlformats.org/officeDocument/2006/relationships" xmlns:p="http://schemas.openxmlformats.org/presentationml/2006/main">
+  <p:cSld>
+    <p:spTree>
+      <p:nvGrpSpPr>
+        <p:cNvPr id="1" name=""/>
+        <p:cNvGrpSpPr/>
+        <p:nvPr/>
+      </p:nvGrpSpPr>
+      <p:grpSpPr>
+        <a:xfrm>
+          <a:off x="0" y="0"/>
+          <a:ext cx="0" cy="0"/>
+          <a:chOff x="0" y="0"/>
+          <a:chExt cx="0" cy="0"/>
+        </a:xfrm>
+      </p:grpSpPr>
+      <p:sp>
+        <p:nvSpPr>
+          <p:cNvPr id="2" name="Title 1">
+            <a:extLst>
+              <a:ext uri="{FF2B5EF4-FFF2-40B4-BE49-F238E27FC236}">
+                <a16:creationId xmlns:a16="http://schemas.microsoft.com/office/drawing/2014/main" id="{558BE19D-AE42-BB42-B8FA-BA310BE0E4AD}"/>
+              </a:ext>
+            </a:extLst>
+          </p:cNvPr>
+          <p:cNvSpPr>
+            <a:spLocks noGrp="1"/>
+          </p:cNvSpPr>
+          <p:nvPr>
+            <p:ph type="title"/>
+          </p:nvPr>
+        </p:nvSpPr>
+        <p:spPr/>
+        <p:txBody>
+          <a:bodyPr/>
+          <a:lstStyle/>
+          <a:p>
+            <a:r>
+              <a:rPr lang="en-US" dirty="0"/>
+              <a:t>AR – 1</a:t>
+            </a:r>
+            <a:br>
+              <a:rPr lang="en-US" dirty="0"/>
+            </a:br>
+            <a:r>
+              <a:rPr lang="en-US" dirty="0"/>
+              <a:t>MA – 0 </a:t>
+            </a:r>
+          </a:p>
+        </p:txBody>
+      </p:sp>
+      <p:pic>
+        <p:nvPicPr>
+          <p:cNvPr id="6" name="Content Placeholder 5">
+            <a:extLst>
+              <a:ext uri="{FF2B5EF4-FFF2-40B4-BE49-F238E27FC236}">
+                <a16:creationId xmlns:a16="http://schemas.microsoft.com/office/drawing/2014/main" id="{1C70AB12-CE35-9E4A-9759-B1340242A2AA}"/>
+              </a:ext>
+            </a:extLst>
+          </p:cNvPr>
+          <p:cNvPicPr>
+            <a:picLocks noGrp="1" noChangeAspect="1"/>
+          </p:cNvPicPr>
+          <p:nvPr>
+            <p:ph sz="half" idx="1"/>
+          </p:nvPr>
+        </p:nvPicPr>
+        <p:blipFill>
+          <a:blip r:embed="rId2"/>
+          <a:stretch>
+            <a:fillRect/>
+          </a:stretch>
+        </p:blipFill>
+        <p:spPr>
+          <a:xfrm>
+            <a:off x="0" y="2201955"/>
+            <a:ext cx="6092825" cy="4022772"/>
+          </a:xfrm>
+          <a:prstGeom prst="rect">
+            <a:avLst/>
+          </a:prstGeom>
+        </p:spPr>
+      </p:pic>
+      <p:pic>
+        <p:nvPicPr>
+          <p:cNvPr id="5" name="Content Placeholder 4">
+            <a:extLst>
+              <a:ext uri="{FF2B5EF4-FFF2-40B4-BE49-F238E27FC236}">
+                <a16:creationId xmlns:a16="http://schemas.microsoft.com/office/drawing/2014/main" id="{2B161ABB-D74D-3749-82FA-6930A99CB936}"/>
+              </a:ext>
+            </a:extLst>
+          </p:cNvPr>
+          <p:cNvPicPr>
+            <a:picLocks noGrp="1" noChangeAspect="1"/>
+          </p:cNvPicPr>
+          <p:nvPr>
+            <p:ph sz="half" idx="2"/>
+          </p:nvPr>
+        </p:nvPicPr>
+        <p:blipFill>
+          <a:blip r:embed="rId3"/>
+          <a:stretch>
+            <a:fillRect/>
+          </a:stretch>
+        </p:blipFill>
+        <p:spPr>
+          <a:xfrm>
+            <a:off x="6154121" y="2136946"/>
+            <a:ext cx="6092825" cy="4201641"/>
+          </a:xfrm>
+          <a:prstGeom prst="rect">
+            <a:avLst/>
+          </a:prstGeom>
+        </p:spPr>
+      </p:pic>
+    </p:spTree>
+    <p:extLst>
+      <p:ext uri="{BB962C8B-B14F-4D97-AF65-F5344CB8AC3E}">
+        <p14:creationId xmlns:p14="http://schemas.microsoft.com/office/powerpoint/2010/main" val="752172956"/>
+      </p:ext>
+    </p:extLst>
+  </p:cSld>
+  <p:clrMapOvr>
+    <a:masterClrMapping/>
+  </p:clrMapOvr>
+</p:sld>
+</file>
+
+<file path=ppt/slides/slide18.xml><?xml version="1.0" encoding="utf-8"?>
+<p:sld xmlns:a="http://schemas.openxmlformats.org/drawingml/2006/main" xmlns:r="http://schemas.openxmlformats.org/officeDocument/2006/relationships" xmlns:p="http://schemas.openxmlformats.org/presentationml/2006/main">
+  <p:cSld>
+    <p:spTree>
+      <p:nvGrpSpPr>
+        <p:cNvPr id="1" name=""/>
+        <p:cNvGrpSpPr/>
+        <p:nvPr/>
+      </p:nvGrpSpPr>
+      <p:grpSpPr>
+        <a:xfrm>
+          <a:off x="0" y="0"/>
+          <a:ext cx="0" cy="0"/>
+          <a:chOff x="0" y="0"/>
+          <a:chExt cx="0" cy="0"/>
+        </a:xfrm>
+      </p:grpSpPr>
+      <p:sp>
+        <p:nvSpPr>
+          <p:cNvPr id="6" name="Title 5">
+            <a:extLst>
+              <a:ext uri="{FF2B5EF4-FFF2-40B4-BE49-F238E27FC236}">
+                <a16:creationId xmlns:a16="http://schemas.microsoft.com/office/drawing/2014/main" id="{6C075DEA-0F3A-1D41-91A1-46ECC0DA25AC}"/>
+              </a:ext>
+            </a:extLst>
+          </p:cNvPr>
+          <p:cNvSpPr>
+            <a:spLocks noGrp="1"/>
+          </p:cNvSpPr>
+          <p:nvPr>
+            <p:ph type="title"/>
+          </p:nvPr>
+        </p:nvSpPr>
+        <p:spPr/>
+        <p:txBody>
+          <a:bodyPr/>
+          <a:lstStyle/>
+          <a:p>
+            <a:r>
+              <a:rPr lang="en-US" dirty="0"/>
+              <a:t>AR = 1</a:t>
+            </a:r>
+            <a:br>
+              <a:rPr lang="en-US" dirty="0"/>
+            </a:br>
+            <a:r>
+              <a:rPr lang="en-US" dirty="0"/>
+              <a:t>MA = 1</a:t>
+            </a:r>
+          </a:p>
+        </p:txBody>
+      </p:sp>
+      <p:pic>
+        <p:nvPicPr>
+          <p:cNvPr id="9" name="Content Placeholder 8">
+            <a:extLst>
+              <a:ext uri="{FF2B5EF4-FFF2-40B4-BE49-F238E27FC236}">
+                <a16:creationId xmlns:a16="http://schemas.microsoft.com/office/drawing/2014/main" id="{5450AC10-2360-C041-A1DE-1ED01FFAF62D}"/>
+              </a:ext>
+            </a:extLst>
+          </p:cNvPr>
+          <p:cNvPicPr>
+            <a:picLocks noGrp="1" noChangeAspect="1"/>
+          </p:cNvPicPr>
+          <p:nvPr>
+            <p:ph sz="half" idx="2"/>
+          </p:nvPr>
+        </p:nvPicPr>
+        <p:blipFill>
+          <a:blip r:embed="rId2"/>
+          <a:stretch>
+            <a:fillRect/>
+          </a:stretch>
+        </p:blipFill>
+        <p:spPr>
+          <a:xfrm>
+            <a:off x="6114320" y="2163640"/>
+            <a:ext cx="6034920" cy="4092349"/>
+          </a:xfrm>
+          <a:prstGeom prst="rect">
+            <a:avLst/>
+          </a:prstGeom>
+        </p:spPr>
+      </p:pic>
+      <p:pic>
+        <p:nvPicPr>
+          <p:cNvPr id="10" name="Content Placeholder 9">
+            <a:extLst>
+              <a:ext uri="{FF2B5EF4-FFF2-40B4-BE49-F238E27FC236}">
+                <a16:creationId xmlns:a16="http://schemas.microsoft.com/office/drawing/2014/main" id="{7F4A48C3-8DA4-1244-9CEC-30EB32F0272C}"/>
+              </a:ext>
+            </a:extLst>
+          </p:cNvPr>
+          <p:cNvPicPr>
+            <a:picLocks noGrp="1" noChangeAspect="1"/>
+          </p:cNvPicPr>
+          <p:nvPr>
+            <p:ph sz="half" idx="1"/>
+          </p:nvPr>
+        </p:nvPicPr>
+        <p:blipFill>
+          <a:blip r:embed="rId3"/>
+          <a:stretch>
+            <a:fillRect/>
+          </a:stretch>
+        </p:blipFill>
+        <p:spPr>
+          <a:xfrm>
+            <a:off x="0" y="2182697"/>
+            <a:ext cx="6092825" cy="4073292"/>
+          </a:xfrm>
+          <a:prstGeom prst="rect">
+            <a:avLst/>
+          </a:prstGeom>
+        </p:spPr>
+      </p:pic>
+    </p:spTree>
+    <p:extLst>
+      <p:ext uri="{BB962C8B-B14F-4D97-AF65-F5344CB8AC3E}">
+        <p14:creationId xmlns:p14="http://schemas.microsoft.com/office/powerpoint/2010/main" val="2180279072"/>
+      </p:ext>
+    </p:extLst>
+  </p:cSld>
+  <p:clrMapOvr>
+    <a:masterClrMapping/>
+  </p:clrMapOvr>
+</p:sld>
+</file>
+
+<file path=ppt/slides/slide19.xml><?xml version="1.0" encoding="utf-8"?>
+<p:sld xmlns:a="http://schemas.openxmlformats.org/drawingml/2006/main" xmlns:r="http://schemas.openxmlformats.org/officeDocument/2006/relationships" xmlns:p="http://schemas.openxmlformats.org/presentationml/2006/main">
+  <p:cSld>
+    <p:spTree>
+      <p:nvGrpSpPr>
+        <p:cNvPr id="1" name=""/>
+        <p:cNvGrpSpPr/>
+        <p:nvPr/>
+      </p:nvGrpSpPr>
+      <p:grpSpPr>
+        <a:xfrm>
+          <a:off x="0" y="0"/>
+          <a:ext cx="0" cy="0"/>
+          <a:chOff x="0" y="0"/>
+          <a:chExt cx="0" cy="0"/>
+        </a:xfrm>
+      </p:grpSpPr>
+      <p:sp>
+        <p:nvSpPr>
+          <p:cNvPr id="2" name="Title 1">
+            <a:extLst>
+              <a:ext uri="{FF2B5EF4-FFF2-40B4-BE49-F238E27FC236}">
                 <a16:creationId xmlns:a16="http://schemas.microsoft.com/office/drawing/2014/main" id="{6E1A8DAA-594E-DF46-8A5F-F8BFE936389B}"/>
               </a:ext>
             </a:extLst>
@@ -4707,7 +5147,128 @@
 </p:sld>
 </file>
 
-<file path=ppt/slides/slide17.xml><?xml version="1.0" encoding="utf-8"?>
+<file path=ppt/slides/slide2.xml><?xml version="1.0" encoding="utf-8"?>
+<p:sld xmlns:a="http://schemas.openxmlformats.org/drawingml/2006/main" xmlns:r="http://schemas.openxmlformats.org/officeDocument/2006/relationships" xmlns:p="http://schemas.openxmlformats.org/presentationml/2006/main">
+  <p:cSld>
+    <p:spTree>
+      <p:nvGrpSpPr>
+        <p:cNvPr id="1" name=""/>
+        <p:cNvGrpSpPr/>
+        <p:nvPr/>
+      </p:nvGrpSpPr>
+      <p:grpSpPr>
+        <a:xfrm>
+          <a:off x="0" y="0"/>
+          <a:ext cx="0" cy="0"/>
+          <a:chOff x="0" y="0"/>
+          <a:chExt cx="0" cy="0"/>
+        </a:xfrm>
+      </p:grpSpPr>
+      <p:sp>
+        <p:nvSpPr>
+          <p:cNvPr id="2" name="Title 1">
+            <a:extLst>
+              <a:ext uri="{FF2B5EF4-FFF2-40B4-BE49-F238E27FC236}">
+                <a16:creationId xmlns:a16="http://schemas.microsoft.com/office/drawing/2014/main" id="{895088AB-F855-F539-BDBD-DF7174C29073}"/>
+              </a:ext>
+            </a:extLst>
+          </p:cNvPr>
+          <p:cNvSpPr>
+            <a:spLocks noGrp="1"/>
+          </p:cNvSpPr>
+          <p:nvPr>
+            <p:ph type="title"/>
+          </p:nvPr>
+        </p:nvSpPr>
+        <p:spPr/>
+        <p:txBody>
+          <a:bodyPr/>
+          <a:lstStyle/>
+          <a:p>
+            <a:r>
+              <a:rPr lang="en-US" dirty="0"/>
+              <a:t>Test Stuff</a:t>
+            </a:r>
+          </a:p>
+        </p:txBody>
+      </p:sp>
+      <p:sp>
+        <p:nvSpPr>
+          <p:cNvPr id="3" name="Content Placeholder 2">
+            <a:extLst>
+              <a:ext uri="{FF2B5EF4-FFF2-40B4-BE49-F238E27FC236}">
+                <a16:creationId xmlns:a16="http://schemas.microsoft.com/office/drawing/2014/main" id="{1F131C13-0A7B-2F52-C8D0-E07C377600A1}"/>
+              </a:ext>
+            </a:extLst>
+          </p:cNvPr>
+          <p:cNvSpPr>
+            <a:spLocks noGrp="1"/>
+          </p:cNvSpPr>
+          <p:nvPr>
+            <p:ph idx="1"/>
+          </p:nvPr>
+        </p:nvSpPr>
+        <p:spPr>
+          <a:xfrm>
+            <a:off x="1451579" y="2015732"/>
+            <a:ext cx="9603275" cy="3964282"/>
+          </a:xfrm>
+        </p:spPr>
+        <p:txBody>
+          <a:bodyPr/>
+          <a:lstStyle/>
+          <a:p>
+            <a:r>
+              <a:rPr lang="en-US" dirty="0"/>
+              <a:t>Good job overall. </a:t>
+            </a:r>
+          </a:p>
+          <a:p>
+            <a:r>
+              <a:rPr lang="en-US" dirty="0"/>
+              <a:t>Small notes:</a:t>
+            </a:r>
+          </a:p>
+          <a:p>
+            <a:pPr lvl="1"/>
+            <a:r>
+              <a:rPr lang="en-US" dirty="0"/>
+              <a:t>The kernel transformation and the kernel trick are separate. The transformation makes things work, the ‘trick’ allows it with less math. </a:t>
+            </a:r>
+          </a:p>
+          <a:p>
+            <a:pPr lvl="1"/>
+            <a:r>
+              <a:rPr lang="en-US" dirty="0"/>
+              <a:t>Forests are generally not really interpretable. </a:t>
+            </a:r>
+          </a:p>
+          <a:p>
+            <a:r>
+              <a:rPr lang="en-US" dirty="0"/>
+              <a:t>Dimensionality will continue to be important as we move to NN stuff. </a:t>
+            </a:r>
+          </a:p>
+          <a:p>
+            <a:pPr lvl="1"/>
+            <a:endParaRPr lang="en-US" dirty="0"/>
+          </a:p>
+        </p:txBody>
+      </p:sp>
+    </p:spTree>
+    <p:extLst>
+      <p:ext uri="{BB962C8B-B14F-4D97-AF65-F5344CB8AC3E}">
+        <p14:creationId xmlns:p14="http://schemas.microsoft.com/office/powerpoint/2010/main" val="2007408444"/>
+      </p:ext>
+    </p:extLst>
+  </p:cSld>
+  <p:clrMapOvr>
+    <a:masterClrMapping/>
+  </p:clrMapOvr>
+</p:sld>
+</file>
+
+<file path=ppt/slides/slide20.xml><?xml version="1.0" encoding="utf-8"?>
 <p:sld xmlns:a="http://schemas.openxmlformats.org/drawingml/2006/main" xmlns:r="http://schemas.openxmlformats.org/officeDocument/2006/relationships" xmlns:p="http://schemas.openxmlformats.org/presentationml/2006/main">
   <p:cSld>
     <p:bg>
@@ -4890,540 +5451,6 @@
 </p:sld>
 </file>
 
-<file path=ppt/slides/slide18.xml><?xml version="1.0" encoding="utf-8"?>
-<p:sld xmlns:a="http://schemas.openxmlformats.org/drawingml/2006/main" xmlns:r="http://schemas.openxmlformats.org/officeDocument/2006/relationships" xmlns:p="http://schemas.openxmlformats.org/presentationml/2006/main">
-  <p:cSld>
-    <p:spTree>
-      <p:nvGrpSpPr>
-        <p:cNvPr id="1" name=""/>
-        <p:cNvGrpSpPr/>
-        <p:nvPr/>
-      </p:nvGrpSpPr>
-      <p:grpSpPr>
-        <a:xfrm>
-          <a:off x="0" y="0"/>
-          <a:ext cx="0" cy="0"/>
-          <a:chOff x="0" y="0"/>
-          <a:chExt cx="0" cy="0"/>
-        </a:xfrm>
-      </p:grpSpPr>
-      <p:sp>
-        <p:nvSpPr>
-          <p:cNvPr id="2" name="Title 1">
-            <a:extLst>
-              <a:ext uri="{FF2B5EF4-FFF2-40B4-BE49-F238E27FC236}">
-                <a16:creationId xmlns:a16="http://schemas.microsoft.com/office/drawing/2014/main" id="{45AFEB03-F569-127D-BACE-8B1BE1D1F824}"/>
-              </a:ext>
-            </a:extLst>
-          </p:cNvPr>
-          <p:cNvSpPr>
-            <a:spLocks noGrp="1"/>
-          </p:cNvSpPr>
-          <p:nvPr>
-            <p:ph type="title"/>
-          </p:nvPr>
-        </p:nvSpPr>
-        <p:spPr/>
-        <p:txBody>
-          <a:bodyPr/>
-          <a:lstStyle/>
-          <a:p>
-            <a:r>
-              <a:rPr lang="en-US" dirty="0"/>
-              <a:t>With Cross validation</a:t>
-            </a:r>
-          </a:p>
-        </p:txBody>
-      </p:sp>
-      <p:sp>
-        <p:nvSpPr>
-          <p:cNvPr id="3" name="Content Placeholder 2">
-            <a:extLst>
-              <a:ext uri="{FF2B5EF4-FFF2-40B4-BE49-F238E27FC236}">
-                <a16:creationId xmlns:a16="http://schemas.microsoft.com/office/drawing/2014/main" id="{77CA433B-A410-34D2-CDFF-C59C620D6E66}"/>
-              </a:ext>
-            </a:extLst>
-          </p:cNvPr>
-          <p:cNvSpPr>
-            <a:spLocks noGrp="1"/>
-          </p:cNvSpPr>
-          <p:nvPr>
-            <p:ph idx="1"/>
-          </p:nvPr>
-        </p:nvSpPr>
-        <p:spPr>
-          <a:xfrm>
-            <a:off x="1451579" y="2015733"/>
-            <a:ext cx="9603275" cy="1260868"/>
-          </a:xfrm>
-        </p:spPr>
-        <p:txBody>
-          <a:bodyPr/>
-          <a:lstStyle/>
-          <a:p>
-            <a:r>
-              <a:rPr lang="en-US" dirty="0"/>
-              <a:t>With cross validation, we need to do a similar split, but moving over time. </a:t>
-            </a:r>
-          </a:p>
-          <a:p>
-            <a:r>
-              <a:rPr lang="en-US" dirty="0"/>
-              <a:t>If there’s a trend that we haven’t captured, that’ll impact things with drift here. </a:t>
-            </a:r>
-          </a:p>
-        </p:txBody>
-      </p:sp>
-      <p:pic>
-        <p:nvPicPr>
-          <p:cNvPr id="2050" name="Picture 2" descr="Is a random sample a good approach to partition a time series into training  and validation data sets? Why or why not? - Quora">
-            <a:extLst>
-              <a:ext uri="{FF2B5EF4-FFF2-40B4-BE49-F238E27FC236}">
-                <a16:creationId xmlns:a16="http://schemas.microsoft.com/office/drawing/2014/main" id="{8198495F-FBA3-D64D-87DE-8F68AF0241A3}"/>
-              </a:ext>
-            </a:extLst>
-          </p:cNvPr>
-          <p:cNvPicPr>
-            <a:picLocks noChangeAspect="1" noChangeArrowheads="1"/>
-          </p:cNvPicPr>
-          <p:nvPr/>
-        </p:nvPicPr>
-        <p:blipFill>
-          <a:blip r:embed="rId2">
-            <a:extLst>
-              <a:ext uri="{28A0092B-C50C-407E-A947-70E740481C1C}">
-                <a14:useLocalDpi xmlns:a14="http://schemas.microsoft.com/office/drawing/2010/main" val="0"/>
-              </a:ext>
-            </a:extLst>
-          </a:blip>
-          <a:srcRect/>
-          <a:stretch>
-            <a:fillRect/>
-          </a:stretch>
-        </p:blipFill>
-        <p:spPr bwMode="auto">
-          <a:xfrm>
-            <a:off x="2273300" y="3276600"/>
-            <a:ext cx="7645400" cy="3581400"/>
-          </a:xfrm>
-          <a:prstGeom prst="rect">
-            <a:avLst/>
-          </a:prstGeom>
-          <a:noFill/>
-          <a:extLst>
-            <a:ext uri="{909E8E84-426E-40DD-AFC4-6F175D3DCCD1}">
-              <a14:hiddenFill xmlns:a14="http://schemas.microsoft.com/office/drawing/2010/main">
-                <a:solidFill>
-                  <a:srgbClr val="FFFFFF"/>
-                </a:solidFill>
-              </a14:hiddenFill>
-            </a:ext>
-          </a:extLst>
-        </p:spPr>
-      </p:pic>
-    </p:spTree>
-    <p:extLst>
-      <p:ext uri="{BB962C8B-B14F-4D97-AF65-F5344CB8AC3E}">
-        <p14:creationId xmlns:p14="http://schemas.microsoft.com/office/powerpoint/2010/main" val="287286824"/>
-      </p:ext>
-    </p:extLst>
-  </p:cSld>
-  <p:clrMapOvr>
-    <a:masterClrMapping/>
-  </p:clrMapOvr>
-</p:sld>
-</file>
-
-<file path=ppt/slides/slide19.xml><?xml version="1.0" encoding="utf-8"?>
-<p:sld xmlns:a="http://schemas.openxmlformats.org/drawingml/2006/main" xmlns:r="http://schemas.openxmlformats.org/officeDocument/2006/relationships" xmlns:p="http://schemas.openxmlformats.org/presentationml/2006/main">
-  <p:cSld>
-    <p:spTree>
-      <p:nvGrpSpPr>
-        <p:cNvPr id="1" name=""/>
-        <p:cNvGrpSpPr/>
-        <p:nvPr/>
-      </p:nvGrpSpPr>
-      <p:grpSpPr>
-        <a:xfrm>
-          <a:off x="0" y="0"/>
-          <a:ext cx="0" cy="0"/>
-          <a:chOff x="0" y="0"/>
-          <a:chExt cx="0" cy="0"/>
-        </a:xfrm>
-      </p:grpSpPr>
-      <p:sp>
-        <p:nvSpPr>
-          <p:cNvPr id="2" name="Title 1">
-            <a:extLst>
-              <a:ext uri="{FF2B5EF4-FFF2-40B4-BE49-F238E27FC236}">
-                <a16:creationId xmlns:a16="http://schemas.microsoft.com/office/drawing/2014/main" id="{8E4317FF-FD83-F6DC-2A65-97914BFB2CC9}"/>
-              </a:ext>
-            </a:extLst>
-          </p:cNvPr>
-          <p:cNvSpPr>
-            <a:spLocks noGrp="1"/>
-          </p:cNvSpPr>
-          <p:nvPr>
-            <p:ph type="title"/>
-          </p:nvPr>
-        </p:nvSpPr>
-        <p:spPr/>
-        <p:txBody>
-          <a:bodyPr/>
-          <a:lstStyle/>
-          <a:p>
-            <a:endParaRPr lang="en-US"/>
-          </a:p>
-        </p:txBody>
-      </p:sp>
-      <p:sp>
-        <p:nvSpPr>
-          <p:cNvPr id="3" name="Content Placeholder 2">
-            <a:extLst>
-              <a:ext uri="{FF2B5EF4-FFF2-40B4-BE49-F238E27FC236}">
-                <a16:creationId xmlns:a16="http://schemas.microsoft.com/office/drawing/2014/main" id="{7E723371-95C1-6DCD-7F38-C646E65BF0EF}"/>
-              </a:ext>
-            </a:extLst>
-          </p:cNvPr>
-          <p:cNvSpPr>
-            <a:spLocks noGrp="1"/>
-          </p:cNvSpPr>
-          <p:nvPr>
-            <p:ph idx="1"/>
-          </p:nvPr>
-        </p:nvSpPr>
-        <p:spPr/>
-        <p:txBody>
-          <a:bodyPr/>
-          <a:lstStyle/>
-          <a:p>
-            <a:endParaRPr lang="en-US"/>
-          </a:p>
-        </p:txBody>
-      </p:sp>
-      <p:pic>
-        <p:nvPicPr>
-          <p:cNvPr id="3078" name="Picture 6" descr="An Introduction to Time Series Analysis with ARIMA | by Taha Binhuraib |  Towards Data Science">
-            <a:extLst>
-              <a:ext uri="{FF2B5EF4-FFF2-40B4-BE49-F238E27FC236}">
-                <a16:creationId xmlns:a16="http://schemas.microsoft.com/office/drawing/2014/main" id="{80206A55-FE5D-DA58-FC63-500707A09DAA}"/>
-              </a:ext>
-            </a:extLst>
-          </p:cNvPr>
-          <p:cNvPicPr>
-            <a:picLocks noChangeAspect="1" noChangeArrowheads="1"/>
-          </p:cNvPicPr>
-          <p:nvPr/>
-        </p:nvPicPr>
-        <p:blipFill>
-          <a:blip r:embed="rId2">
-            <a:extLst>
-              <a:ext uri="{28A0092B-C50C-407E-A947-70E740481C1C}">
-                <a14:useLocalDpi xmlns:a14="http://schemas.microsoft.com/office/drawing/2010/main" val="0"/>
-              </a:ext>
-            </a:extLst>
-          </a:blip>
-          <a:srcRect/>
-          <a:stretch>
-            <a:fillRect/>
-          </a:stretch>
-        </p:blipFill>
-        <p:spPr bwMode="auto">
-          <a:xfrm>
-            <a:off x="1085850" y="793750"/>
-            <a:ext cx="10020300" cy="5270500"/>
-          </a:xfrm>
-          <a:prstGeom prst="rect">
-            <a:avLst/>
-          </a:prstGeom>
-          <a:noFill/>
-          <a:extLst>
-            <a:ext uri="{909E8E84-426E-40DD-AFC4-6F175D3DCCD1}">
-              <a14:hiddenFill xmlns:a14="http://schemas.microsoft.com/office/drawing/2010/main">
-                <a:solidFill>
-                  <a:srgbClr val="FFFFFF"/>
-                </a:solidFill>
-              </a14:hiddenFill>
-            </a:ext>
-          </a:extLst>
-        </p:spPr>
-      </p:pic>
-    </p:spTree>
-    <p:extLst>
-      <p:ext uri="{BB962C8B-B14F-4D97-AF65-F5344CB8AC3E}">
-        <p14:creationId xmlns:p14="http://schemas.microsoft.com/office/powerpoint/2010/main" val="1668522858"/>
-      </p:ext>
-    </p:extLst>
-  </p:cSld>
-  <p:clrMapOvr>
-    <a:masterClrMapping/>
-  </p:clrMapOvr>
-</p:sld>
-</file>
-
-<file path=ppt/slides/slide2.xml><?xml version="1.0" encoding="utf-8"?>
-<p:sld xmlns:a="http://schemas.openxmlformats.org/drawingml/2006/main" xmlns:r="http://schemas.openxmlformats.org/officeDocument/2006/relationships" xmlns:p="http://schemas.openxmlformats.org/presentationml/2006/main">
-  <p:cSld>
-    <p:spTree>
-      <p:nvGrpSpPr>
-        <p:cNvPr id="1" name=""/>
-        <p:cNvGrpSpPr/>
-        <p:nvPr/>
-      </p:nvGrpSpPr>
-      <p:grpSpPr>
-        <a:xfrm>
-          <a:off x="0" y="0"/>
-          <a:ext cx="0" cy="0"/>
-          <a:chOff x="0" y="0"/>
-          <a:chExt cx="0" cy="0"/>
-        </a:xfrm>
-      </p:grpSpPr>
-      <p:sp>
-        <p:nvSpPr>
-          <p:cNvPr id="2" name="Title 1">
-            <a:extLst>
-              <a:ext uri="{FF2B5EF4-FFF2-40B4-BE49-F238E27FC236}">
-                <a16:creationId xmlns:a16="http://schemas.microsoft.com/office/drawing/2014/main" id="{895088AB-F855-F539-BDBD-DF7174C29073}"/>
-              </a:ext>
-            </a:extLst>
-          </p:cNvPr>
-          <p:cNvSpPr>
-            <a:spLocks noGrp="1"/>
-          </p:cNvSpPr>
-          <p:nvPr>
-            <p:ph type="title"/>
-          </p:nvPr>
-        </p:nvSpPr>
-        <p:spPr/>
-        <p:txBody>
-          <a:bodyPr/>
-          <a:lstStyle/>
-          <a:p>
-            <a:r>
-              <a:rPr lang="en-US" dirty="0"/>
-              <a:t>Test Stuff</a:t>
-            </a:r>
-          </a:p>
-        </p:txBody>
-      </p:sp>
-      <p:sp>
-        <p:nvSpPr>
-          <p:cNvPr id="3" name="Content Placeholder 2">
-            <a:extLst>
-              <a:ext uri="{FF2B5EF4-FFF2-40B4-BE49-F238E27FC236}">
-                <a16:creationId xmlns:a16="http://schemas.microsoft.com/office/drawing/2014/main" id="{1F131C13-0A7B-2F52-C8D0-E07C377600A1}"/>
-              </a:ext>
-            </a:extLst>
-          </p:cNvPr>
-          <p:cNvSpPr>
-            <a:spLocks noGrp="1"/>
-          </p:cNvSpPr>
-          <p:nvPr>
-            <p:ph idx="1"/>
-          </p:nvPr>
-        </p:nvSpPr>
-        <p:spPr>
-          <a:xfrm>
-            <a:off x="1451579" y="2015732"/>
-            <a:ext cx="9603275" cy="3964282"/>
-          </a:xfrm>
-        </p:spPr>
-        <p:txBody>
-          <a:bodyPr/>
-          <a:lstStyle/>
-          <a:p>
-            <a:r>
-              <a:rPr lang="en-US" dirty="0"/>
-              <a:t>Good job overall. </a:t>
-            </a:r>
-          </a:p>
-          <a:p>
-            <a:r>
-              <a:rPr lang="en-US" dirty="0"/>
-              <a:t>Small notes:</a:t>
-            </a:r>
-          </a:p>
-          <a:p>
-            <a:pPr lvl="1"/>
-            <a:r>
-              <a:rPr lang="en-US" dirty="0"/>
-              <a:t>The kernel transformation and the kernel trick are separate. The transformation makes things work, the ‘trick’ allows it with less math. </a:t>
-            </a:r>
-          </a:p>
-          <a:p>
-            <a:pPr lvl="1"/>
-            <a:r>
-              <a:rPr lang="en-US" dirty="0"/>
-              <a:t>Forests are generally not really interpretable. </a:t>
-            </a:r>
-          </a:p>
-          <a:p>
-            <a:r>
-              <a:rPr lang="en-US" dirty="0"/>
-              <a:t>Dimensionality will continue to be important as we move to NN stuff. </a:t>
-            </a:r>
-          </a:p>
-          <a:p>
-            <a:pPr lvl="1"/>
-            <a:endParaRPr lang="en-US" dirty="0"/>
-          </a:p>
-        </p:txBody>
-      </p:sp>
-    </p:spTree>
-    <p:extLst>
-      <p:ext uri="{BB962C8B-B14F-4D97-AF65-F5344CB8AC3E}">
-        <p14:creationId xmlns:p14="http://schemas.microsoft.com/office/powerpoint/2010/main" val="2007408444"/>
-      </p:ext>
-    </p:extLst>
-  </p:cSld>
-  <p:clrMapOvr>
-    <a:masterClrMapping/>
-  </p:clrMapOvr>
-</p:sld>
-</file>
-
-<file path=ppt/slides/slide20.xml><?xml version="1.0" encoding="utf-8"?>
-<p:sld xmlns:a="http://schemas.openxmlformats.org/drawingml/2006/main" xmlns:r="http://schemas.openxmlformats.org/officeDocument/2006/relationships" xmlns:p="http://schemas.openxmlformats.org/presentationml/2006/main">
-  <p:cSld>
-    <p:spTree>
-      <p:nvGrpSpPr>
-        <p:cNvPr id="1" name=""/>
-        <p:cNvGrpSpPr/>
-        <p:nvPr/>
-      </p:nvGrpSpPr>
-      <p:grpSpPr>
-        <a:xfrm>
-          <a:off x="0" y="0"/>
-          <a:ext cx="0" cy="0"/>
-          <a:chOff x="0" y="0"/>
-          <a:chExt cx="0" cy="0"/>
-        </a:xfrm>
-      </p:grpSpPr>
-      <p:sp>
-        <p:nvSpPr>
-          <p:cNvPr id="2" name="Title 1">
-            <a:extLst>
-              <a:ext uri="{FF2B5EF4-FFF2-40B4-BE49-F238E27FC236}">
-                <a16:creationId xmlns:a16="http://schemas.microsoft.com/office/drawing/2014/main" id="{7918DD57-685F-9106-A246-52DA83E487AF}"/>
-              </a:ext>
-            </a:extLst>
-          </p:cNvPr>
-          <p:cNvSpPr>
-            <a:spLocks noGrp="1"/>
-          </p:cNvSpPr>
-          <p:nvPr>
-            <p:ph type="title"/>
-          </p:nvPr>
-        </p:nvSpPr>
-        <p:spPr/>
-        <p:txBody>
-          <a:bodyPr/>
-          <a:lstStyle/>
-          <a:p>
-            <a:r>
-              <a:rPr lang="en-US" dirty="0"/>
-              <a:t>ARIMA-d Up</a:t>
-            </a:r>
-          </a:p>
-        </p:txBody>
-      </p:sp>
-      <p:sp>
-        <p:nvSpPr>
-          <p:cNvPr id="3" name="Content Placeholder 2">
-            <a:extLst>
-              <a:ext uri="{FF2B5EF4-FFF2-40B4-BE49-F238E27FC236}">
-                <a16:creationId xmlns:a16="http://schemas.microsoft.com/office/drawing/2014/main" id="{5DFC05F1-1780-38C0-3A3E-8D342C5F1611}"/>
-              </a:ext>
-            </a:extLst>
-          </p:cNvPr>
-          <p:cNvSpPr>
-            <a:spLocks noGrp="1"/>
-          </p:cNvSpPr>
-          <p:nvPr>
-            <p:ph idx="1"/>
-          </p:nvPr>
-        </p:nvSpPr>
-        <p:spPr>
-          <a:xfrm>
-            <a:off x="1451579" y="1853754"/>
-            <a:ext cx="9603275" cy="4110076"/>
-          </a:xfrm>
-        </p:spPr>
-        <p:txBody>
-          <a:bodyPr/>
-          <a:lstStyle/>
-          <a:p>
-            <a:r>
-              <a:rPr lang="en-US" dirty="0"/>
-              <a:t>The ARIMA model type is a ‘basic’ one – a more elaborate moving average. </a:t>
-            </a:r>
-          </a:p>
-          <a:p>
-            <a:pPr lvl="1"/>
-            <a:r>
-              <a:rPr lang="en-US" dirty="0"/>
-              <a:t>I.e. it is ‘pure stats’ and is an old way of making these projections. </a:t>
-            </a:r>
-          </a:p>
-          <a:p>
-            <a:r>
-              <a:rPr lang="en-US" dirty="0"/>
-              <a:t>Pros:</a:t>
-            </a:r>
-          </a:p>
-          <a:p>
-            <a:pPr lvl="1"/>
-            <a:r>
-              <a:rPr lang="en-US" dirty="0"/>
-              <a:t>Simple, transparent, generally less overfitting/variance error. </a:t>
-            </a:r>
-          </a:p>
-          <a:p>
-            <a:pPr lvl="1"/>
-            <a:r>
-              <a:rPr lang="en-US" dirty="0"/>
-              <a:t>Single digits of number of weights trained during fitting. </a:t>
-            </a:r>
-          </a:p>
-          <a:p>
-            <a:pPr lvl="1"/>
-            <a:endParaRPr lang="en-US" dirty="0"/>
-          </a:p>
-          <a:p>
-            <a:r>
-              <a:rPr lang="en-US" dirty="0"/>
-              <a:t>Cons:</a:t>
-            </a:r>
-          </a:p>
-          <a:p>
-            <a:pPr lvl="1"/>
-            <a:r>
-              <a:rPr lang="en-US" dirty="0"/>
-              <a:t>Potentially too simple, not adaptable to variable scenarios. </a:t>
-            </a:r>
-          </a:p>
-          <a:p>
-            <a:pPr lvl="1"/>
-            <a:r>
-              <a:rPr lang="en-US" dirty="0"/>
-              <a:t>Low capacity to adapt – too much bias error, especially in complex scenarios. </a:t>
-            </a:r>
-          </a:p>
-        </p:txBody>
-      </p:sp>
-    </p:spTree>
-    <p:extLst>
-      <p:ext uri="{BB962C8B-B14F-4D97-AF65-F5344CB8AC3E}">
-        <p14:creationId xmlns:p14="http://schemas.microsoft.com/office/powerpoint/2010/main" val="2830739107"/>
-      </p:ext>
-    </p:extLst>
-  </p:cSld>
-  <p:clrMapOvr>
-    <a:masterClrMapping/>
-  </p:clrMapOvr>
-</p:sld>
-</file>
-
 <file path=ppt/slides/slide21.xml><?xml version="1.0" encoding="utf-8"?>
 <p:sld xmlns:a="http://schemas.openxmlformats.org/drawingml/2006/main" xmlns:r="http://schemas.openxmlformats.org/officeDocument/2006/relationships" xmlns:p="http://schemas.openxmlformats.org/presentationml/2006/main">
   <p:cSld>
@@ -5446,7 +5473,7 @@
           <p:cNvPr id="2" name="Title 1">
             <a:extLst>
               <a:ext uri="{FF2B5EF4-FFF2-40B4-BE49-F238E27FC236}">
-                <a16:creationId xmlns:a16="http://schemas.microsoft.com/office/drawing/2014/main" id="{DA5678F7-635A-D40C-AD90-AAADEA13E967}"/>
+                <a16:creationId xmlns:a16="http://schemas.microsoft.com/office/drawing/2014/main" id="{45AFEB03-F569-127D-BACE-8B1BE1D1F824}"/>
               </a:ext>
             </a:extLst>
           </p:cNvPr>
@@ -5464,7 +5491,7 @@
           <a:p>
             <a:r>
               <a:rPr lang="en-US" dirty="0"/>
-              <a:t>Smarter Time Models</a:t>
+              <a:t>With Cross validation</a:t>
             </a:r>
           </a:p>
         </p:txBody>
@@ -5474,7 +5501,7 @@
           <p:cNvPr id="3" name="Content Placeholder 2">
             <a:extLst>
               <a:ext uri="{FF2B5EF4-FFF2-40B4-BE49-F238E27FC236}">
-                <a16:creationId xmlns:a16="http://schemas.microsoft.com/office/drawing/2014/main" id="{F23B1FF3-C207-9615-B32A-D907854A0D2F}"/>
+                <a16:creationId xmlns:a16="http://schemas.microsoft.com/office/drawing/2014/main" id="{77CA433B-A410-34D2-CDFF-C59C620D6E66}"/>
               </a:ext>
             </a:extLst>
           </p:cNvPr>
@@ -5487,84 +5514,78 @@
         </p:nvSpPr>
         <p:spPr>
           <a:xfrm>
-            <a:off x="1137147" y="1853754"/>
-            <a:ext cx="10243158" cy="4199727"/>
-          </a:xfrm>
-        </p:spPr>
-        <p:txBody>
-          <a:bodyPr/>
-          <a:lstStyle/>
-          <a:p>
-            <a:r>
-              <a:rPr lang="en-US" dirty="0"/>
-              <a:t>Modern models have much more capability than a simple ARIMA one. </a:t>
-            </a:r>
-          </a:p>
-          <a:p>
-            <a:pPr lvl="1"/>
-            <a:r>
-              <a:rPr lang="en-US" dirty="0"/>
-              <a:t>Large numbers of weights can capture less frequent or obvious patterns. </a:t>
-            </a:r>
-          </a:p>
-          <a:p>
-            <a:pPr lvl="1"/>
-            <a:r>
-              <a:rPr lang="en-US" dirty="0"/>
-              <a:t>In some cases (neural networks) models can learn things like the ARIMA patterns themselves. </a:t>
-            </a:r>
-          </a:p>
-          <a:p>
-            <a:r>
-              <a:rPr lang="en-US" dirty="0"/>
-              <a:t>Their capacity to learn is much larger - they have more weights, can learn complex patterns. </a:t>
-            </a:r>
-          </a:p>
-          <a:p>
-            <a:pPr lvl="1"/>
-            <a:r>
-              <a:rPr lang="en-US" dirty="0"/>
-              <a:t>Similar to a large tree vs a linear regression – more flexible in learning and adapting. </a:t>
-            </a:r>
-          </a:p>
-          <a:p>
-            <a:pPr lvl="1"/>
-            <a:r>
-              <a:rPr lang="en-US" dirty="0"/>
-              <a:t>Rare events, ‘special’ times like holidays, longer cyclical patterns, </a:t>
-            </a:r>
-            <a:r>
-              <a:rPr lang="en-US" dirty="0" err="1"/>
-              <a:t>etc</a:t>
-            </a:r>
-            <a:r>
-              <a:rPr lang="en-US" dirty="0"/>
-              <a:t>…</a:t>
-            </a:r>
-          </a:p>
-          <a:p>
-            <a:pPr lvl="1"/>
-            <a:r>
-              <a:rPr lang="en-US" dirty="0"/>
-              <a:t>Much of the flexibility in the tools that helped language models also help here. </a:t>
-            </a:r>
-          </a:p>
-          <a:p>
-            <a:r>
-              <a:rPr lang="en-US" dirty="0"/>
-              <a:t>These models tend to work and interact more similar to what we’re used to (or NN-style). </a:t>
-            </a:r>
-          </a:p>
-          <a:p>
-            <a:pPr lvl="1"/>
-            <a:endParaRPr lang="en-US" dirty="0"/>
-          </a:p>
-        </p:txBody>
-      </p:sp>
+            <a:off x="1451579" y="2015733"/>
+            <a:ext cx="9603275" cy="1260868"/>
+          </a:xfrm>
+        </p:spPr>
+        <p:txBody>
+          <a:bodyPr/>
+          <a:lstStyle/>
+          <a:p>
+            <a:r>
+              <a:rPr lang="en-US" dirty="0"/>
+              <a:t>With cross validation, we need to do a similar split, but moving over time. </a:t>
+            </a:r>
+          </a:p>
+          <a:p>
+            <a:r>
+              <a:rPr lang="en-US" dirty="0"/>
+              <a:t>If there’s a trend that we haven’t captured, that’ll impact things with drift here. </a:t>
+            </a:r>
+          </a:p>
+        </p:txBody>
+      </p:sp>
+      <p:pic>
+        <p:nvPicPr>
+          <p:cNvPr id="2050" name="Picture 2" descr="Is a random sample a good approach to partition a time series into training  and validation data sets? Why or why not? - Quora">
+            <a:extLst>
+              <a:ext uri="{FF2B5EF4-FFF2-40B4-BE49-F238E27FC236}">
+                <a16:creationId xmlns:a16="http://schemas.microsoft.com/office/drawing/2014/main" id="{8198495F-FBA3-D64D-87DE-8F68AF0241A3}"/>
+              </a:ext>
+            </a:extLst>
+          </p:cNvPr>
+          <p:cNvPicPr>
+            <a:picLocks noChangeAspect="1" noChangeArrowheads="1"/>
+          </p:cNvPicPr>
+          <p:nvPr/>
+        </p:nvPicPr>
+        <p:blipFill>
+          <a:blip r:embed="rId2">
+            <a:extLst>
+              <a:ext uri="{28A0092B-C50C-407E-A947-70E740481C1C}">
+                <a14:useLocalDpi xmlns:a14="http://schemas.microsoft.com/office/drawing/2010/main" val="0"/>
+              </a:ext>
+            </a:extLst>
+          </a:blip>
+          <a:srcRect/>
+          <a:stretch>
+            <a:fillRect/>
+          </a:stretch>
+        </p:blipFill>
+        <p:spPr bwMode="auto">
+          <a:xfrm>
+            <a:off x="2273300" y="3276600"/>
+            <a:ext cx="7645400" cy="3581400"/>
+          </a:xfrm>
+          <a:prstGeom prst="rect">
+            <a:avLst/>
+          </a:prstGeom>
+          <a:noFill/>
+          <a:extLst>
+            <a:ext uri="{909E8E84-426E-40DD-AFC4-6F175D3DCCD1}">
+              <a14:hiddenFill xmlns:a14="http://schemas.microsoft.com/office/drawing/2010/main">
+                <a:solidFill>
+                  <a:srgbClr val="FFFFFF"/>
+                </a:solidFill>
+              </a14:hiddenFill>
+            </a:ext>
+          </a:extLst>
+        </p:spPr>
+      </p:pic>
     </p:spTree>
     <p:extLst>
       <p:ext uri="{BB962C8B-B14F-4D97-AF65-F5344CB8AC3E}">
-        <p14:creationId xmlns:p14="http://schemas.microsoft.com/office/powerpoint/2010/main" val="2969086212"/>
+        <p14:creationId xmlns:p14="http://schemas.microsoft.com/office/powerpoint/2010/main" val="287286824"/>
       </p:ext>
     </p:extLst>
   </p:cSld>
@@ -5596,7 +5617,7 @@
           <p:cNvPr id="2" name="Title 1">
             <a:extLst>
               <a:ext uri="{FF2B5EF4-FFF2-40B4-BE49-F238E27FC236}">
-                <a16:creationId xmlns:a16="http://schemas.microsoft.com/office/drawing/2014/main" id="{19192875-568E-E27F-EF8C-0E63853062C2}"/>
+                <a16:creationId xmlns:a16="http://schemas.microsoft.com/office/drawing/2014/main" id="{8E4317FF-FD83-F6DC-2A65-97914BFB2CC9}"/>
               </a:ext>
             </a:extLst>
           </p:cNvPr>
@@ -5612,10 +5633,7 @@
           <a:bodyPr/>
           <a:lstStyle/>
           <a:p>
-            <a:r>
-              <a:rPr lang="en-US" dirty="0"/>
-              <a:t>Facebook Prophet</a:t>
-            </a:r>
+            <a:endParaRPr lang="en-US"/>
           </a:p>
         </p:txBody>
       </p:sp>
@@ -5624,7 +5642,7 @@
           <p:cNvPr id="3" name="Content Placeholder 2">
             <a:extLst>
               <a:ext uri="{FF2B5EF4-FFF2-40B4-BE49-F238E27FC236}">
-                <a16:creationId xmlns:a16="http://schemas.microsoft.com/office/drawing/2014/main" id="{BBD86F92-A329-D6B9-24F3-6095A7021DE0}"/>
+                <a16:creationId xmlns:a16="http://schemas.microsoft.com/office/drawing/2014/main" id="{7E723371-95C1-6DCD-7F38-C646E65BF0EF}"/>
               </a:ext>
             </a:extLst>
           </p:cNvPr>
@@ -5635,83 +5653,66 @@
             <p:ph idx="1"/>
           </p:nvPr>
         </p:nvSpPr>
-        <p:spPr>
-          <a:xfrm>
-            <a:off x="1451579" y="2015732"/>
-            <a:ext cx="9603275" cy="4037749"/>
-          </a:xfrm>
-        </p:spPr>
-        <p:txBody>
-          <a:bodyPr>
-            <a:normAutofit lnSpcReduction="10000"/>
-          </a:bodyPr>
-          <a:lstStyle/>
-          <a:p>
-            <a:r>
-              <a:rPr lang="en-US" dirty="0"/>
-              <a:t>Facebook Prophet is a library that is well setup to handle common time-series problems:</a:t>
-            </a:r>
-          </a:p>
-          <a:p>
-            <a:pPr lvl="1"/>
-            <a:r>
-              <a:rPr lang="en-US" dirty="0"/>
-              <a:t>Handles events such as holidays, including custom lists. </a:t>
-            </a:r>
-          </a:p>
-          <a:p>
-            <a:pPr lvl="1"/>
-            <a:r>
-              <a:rPr lang="en-US" dirty="0"/>
-              <a:t>Can be set to anticipate change points, e.g. product launches. </a:t>
-            </a:r>
-          </a:p>
-          <a:p>
-            <a:pPr lvl="1"/>
-            <a:r>
-              <a:rPr lang="en-US" dirty="0"/>
-              <a:t>Provides useful things like plotting and cross validation. </a:t>
-            </a:r>
-          </a:p>
-          <a:p>
-            <a:pPr lvl="1"/>
-            <a:r>
-              <a:rPr lang="en-US" dirty="0"/>
-              <a:t>Can handle additional regressors. </a:t>
-            </a:r>
-          </a:p>
-          <a:p>
-            <a:r>
-              <a:rPr lang="en-US" dirty="0"/>
-              <a:t>We can use a Prophet model much like the above models, with slightly different syntax. </a:t>
-            </a:r>
-          </a:p>
-          <a:p>
-            <a:r>
-              <a:rPr lang="en-US" dirty="0"/>
-              <a:t>There are several other libraries that handle time-series data similarly. </a:t>
-            </a:r>
-          </a:p>
-          <a:p>
-            <a:pPr lvl="1"/>
-            <a:r>
-              <a:rPr lang="en-US" dirty="0"/>
-              <a:t>Modern implementations are based on recurrent neural networks (RNNs) or transformer based neural networks. </a:t>
-            </a:r>
-          </a:p>
-          <a:p>
-            <a:pPr lvl="1"/>
-            <a:r>
-              <a:rPr lang="en-US" dirty="0"/>
-              <a:t>Neural networks well suited to sequential data. Seen with language models. </a:t>
-            </a:r>
-          </a:p>
-        </p:txBody>
-      </p:sp>
+        <p:spPr/>
+        <p:txBody>
+          <a:bodyPr/>
+          <a:lstStyle/>
+          <a:p>
+            <a:endParaRPr lang="en-US"/>
+          </a:p>
+        </p:txBody>
+      </p:sp>
+      <p:pic>
+        <p:nvPicPr>
+          <p:cNvPr id="3078" name="Picture 6" descr="An Introduction to Time Series Analysis with ARIMA | by Taha Binhuraib |  Towards Data Science">
+            <a:extLst>
+              <a:ext uri="{FF2B5EF4-FFF2-40B4-BE49-F238E27FC236}">
+                <a16:creationId xmlns:a16="http://schemas.microsoft.com/office/drawing/2014/main" id="{80206A55-FE5D-DA58-FC63-500707A09DAA}"/>
+              </a:ext>
+            </a:extLst>
+          </p:cNvPr>
+          <p:cNvPicPr>
+            <a:picLocks noChangeAspect="1" noChangeArrowheads="1"/>
+          </p:cNvPicPr>
+          <p:nvPr/>
+        </p:nvPicPr>
+        <p:blipFill>
+          <a:blip r:embed="rId2">
+            <a:extLst>
+              <a:ext uri="{28A0092B-C50C-407E-A947-70E740481C1C}">
+                <a14:useLocalDpi xmlns:a14="http://schemas.microsoft.com/office/drawing/2010/main" val="0"/>
+              </a:ext>
+            </a:extLst>
+          </a:blip>
+          <a:srcRect/>
+          <a:stretch>
+            <a:fillRect/>
+          </a:stretch>
+        </p:blipFill>
+        <p:spPr bwMode="auto">
+          <a:xfrm>
+            <a:off x="1085850" y="793750"/>
+            <a:ext cx="10020300" cy="5270500"/>
+          </a:xfrm>
+          <a:prstGeom prst="rect">
+            <a:avLst/>
+          </a:prstGeom>
+          <a:noFill/>
+          <a:extLst>
+            <a:ext uri="{909E8E84-426E-40DD-AFC4-6F175D3DCCD1}">
+              <a14:hiddenFill xmlns:a14="http://schemas.microsoft.com/office/drawing/2010/main">
+                <a:solidFill>
+                  <a:srgbClr val="FFFFFF"/>
+                </a:solidFill>
+              </a14:hiddenFill>
+            </a:ext>
+          </a:extLst>
+        </p:spPr>
+      </p:pic>
     </p:spTree>
     <p:extLst>
       <p:ext uri="{BB962C8B-B14F-4D97-AF65-F5344CB8AC3E}">
-        <p14:creationId xmlns:p14="http://schemas.microsoft.com/office/powerpoint/2010/main" val="910616763"/>
+        <p14:creationId xmlns:p14="http://schemas.microsoft.com/office/powerpoint/2010/main" val="1668522858"/>
       </p:ext>
     </p:extLst>
   </p:cSld>
@@ -5743,7 +5744,7 @@
           <p:cNvPr id="2" name="Title 1">
             <a:extLst>
               <a:ext uri="{FF2B5EF4-FFF2-40B4-BE49-F238E27FC236}">
-                <a16:creationId xmlns:a16="http://schemas.microsoft.com/office/drawing/2014/main" id="{44FF2E50-6EDB-B2D2-D936-C7FAD2E53B07}"/>
+                <a16:creationId xmlns:a16="http://schemas.microsoft.com/office/drawing/2014/main" id="{7918DD57-685F-9106-A246-52DA83E487AF}"/>
               </a:ext>
             </a:extLst>
           </p:cNvPr>
@@ -5761,7 +5762,7 @@
           <a:p>
             <a:r>
               <a:rPr lang="en-US" dirty="0"/>
-              <a:t>Additional Regressors</a:t>
+              <a:t>ARIMA-d Up</a:t>
             </a:r>
           </a:p>
         </p:txBody>
@@ -5771,7 +5772,7 @@
           <p:cNvPr id="3" name="Content Placeholder 2">
             <a:extLst>
               <a:ext uri="{FF2B5EF4-FFF2-40B4-BE49-F238E27FC236}">
-                <a16:creationId xmlns:a16="http://schemas.microsoft.com/office/drawing/2014/main" id="{AE53330D-6FAA-AD5C-6553-A18C115B0B20}"/>
+                <a16:creationId xmlns:a16="http://schemas.microsoft.com/office/drawing/2014/main" id="{5DFC05F1-1780-38C0-3A3E-8D342C5F1611}"/>
               </a:ext>
             </a:extLst>
           </p:cNvPr>
@@ -5785,55 +5786,63 @@
         <p:spPr>
           <a:xfrm>
             <a:off x="1451579" y="1853754"/>
-            <a:ext cx="9603275" cy="4199727"/>
-          </a:xfrm>
-        </p:spPr>
-        <p:txBody>
-          <a:bodyPr/>
-          <a:lstStyle/>
-          <a:p>
-            <a:r>
-              <a:rPr lang="en-US" dirty="0"/>
-              <a:t>Much like a classification or regression we can have multiple features. </a:t>
-            </a:r>
-          </a:p>
-          <a:p>
-            <a:r>
-              <a:rPr lang="en-US" dirty="0"/>
-              <a:t>With a time-series we can add more regressors (using Prophet). </a:t>
-            </a:r>
-          </a:p>
-          <a:p>
-            <a:r>
-              <a:rPr lang="en-US" dirty="0"/>
-              <a:t>The regressors must exist for the data that we’re predicting. </a:t>
+            <a:ext cx="9603275" cy="4110076"/>
+          </a:xfrm>
+        </p:spPr>
+        <p:txBody>
+          <a:bodyPr/>
+          <a:lstStyle/>
+          <a:p>
+            <a:r>
+              <a:rPr lang="en-US" dirty="0"/>
+              <a:t>The ARIMA model type is a ‘basic’ one – a more elaborate moving average. </a:t>
             </a:r>
           </a:p>
           <a:p>
             <a:pPr lvl="1"/>
             <a:r>
               <a:rPr lang="en-US" dirty="0"/>
-              <a:t>E.g. if we are using the barometric pressure to predict the temp next week, we need to have that pressure value as an input. </a:t>
+              <a:t>I.e. it is ‘pure stats’ and is an old way of making these projections. </a:t>
+            </a:r>
+          </a:p>
+          <a:p>
+            <a:r>
+              <a:rPr lang="en-US" dirty="0"/>
+              <a:t>Pros:</a:t>
             </a:r>
           </a:p>
           <a:p>
             <a:pPr lvl="1"/>
             <a:r>
               <a:rPr lang="en-US" dirty="0"/>
-              <a:t>This is the main drawback to adding regressors to time series models – we don’t know them.</a:t>
+              <a:t>Simple, transparent, generally less overfitting/variance error. </a:t>
             </a:r>
           </a:p>
           <a:p>
             <a:pPr lvl="1"/>
             <a:r>
               <a:rPr lang="en-US" dirty="0"/>
-              <a:t>We can make a forecast for those values, or construct regressors that can be known in advance (e.g. average past 3 days of barometric pressure.)</a:t>
-            </a:r>
-          </a:p>
-          <a:p>
-            <a:r>
-              <a:rPr lang="en-US" dirty="0"/>
-              <a:t>Many times, even if these regressors add more info, we don’t have a way to create a model that properly captures that info properly. Simple may be better. </a:t>
+              <a:t>Single digits of number of weights trained during fitting. </a:t>
+            </a:r>
+          </a:p>
+          <a:p>
+            <a:r>
+              <a:rPr lang="en-US" dirty="0"/>
+              <a:t>Cons:</a:t>
+            </a:r>
+          </a:p>
+          <a:p>
+            <a:pPr lvl="1"/>
+            <a:r>
+              <a:rPr lang="en-US" dirty="0"/>
+              <a:t>Potentially too simple, not adaptable to variable scenarios. </a:t>
+            </a:r>
+          </a:p>
+          <a:p>
+            <a:pPr lvl="1"/>
+            <a:r>
+              <a:rPr lang="en-US" dirty="0"/>
+              <a:t>Low capacity to adapt – too much bias error, especially in complex scenarios. </a:t>
             </a:r>
           </a:p>
         </p:txBody>
@@ -5841,7 +5850,7 @@
     </p:spTree>
     <p:extLst>
       <p:ext uri="{BB962C8B-B14F-4D97-AF65-F5344CB8AC3E}">
-        <p14:creationId xmlns:p14="http://schemas.microsoft.com/office/powerpoint/2010/main" val="583412968"/>
+        <p14:creationId xmlns:p14="http://schemas.microsoft.com/office/powerpoint/2010/main" val="2830739107"/>
       </p:ext>
     </p:extLst>
   </p:cSld>
@@ -5873,7 +5882,7 @@
           <p:cNvPr id="2" name="Title 1">
             <a:extLst>
               <a:ext uri="{FF2B5EF4-FFF2-40B4-BE49-F238E27FC236}">
-                <a16:creationId xmlns:a16="http://schemas.microsoft.com/office/drawing/2014/main" id="{B8192152-25FD-3B93-1014-91BD46D3B2FF}"/>
+                <a16:creationId xmlns:a16="http://schemas.microsoft.com/office/drawing/2014/main" id="{DA5678F7-635A-D40C-AD90-AAADEA13E967}"/>
               </a:ext>
             </a:extLst>
           </p:cNvPr>
@@ -5891,7 +5900,7 @@
           <a:p>
             <a:r>
               <a:rPr lang="en-US" dirty="0"/>
-              <a:t>Other Considerations</a:t>
+              <a:t>Smarter Time Models</a:t>
             </a:r>
           </a:p>
         </p:txBody>
@@ -5901,7 +5910,7 @@
           <p:cNvPr id="3" name="Content Placeholder 2">
             <a:extLst>
               <a:ext uri="{FF2B5EF4-FFF2-40B4-BE49-F238E27FC236}">
-                <a16:creationId xmlns:a16="http://schemas.microsoft.com/office/drawing/2014/main" id="{D2D9FF42-655F-EB33-930F-0C71AFC5EB29}"/>
+                <a16:creationId xmlns:a16="http://schemas.microsoft.com/office/drawing/2014/main" id="{F23B1FF3-C207-9615-B32A-D907854A0D2F}"/>
               </a:ext>
             </a:extLst>
           </p:cNvPr>
@@ -5914,67 +5923,84 @@
         </p:nvSpPr>
         <p:spPr>
           <a:xfrm>
-            <a:off x="388419" y="2015732"/>
-            <a:ext cx="4887588" cy="3450613"/>
-          </a:xfrm>
-        </p:spPr>
-        <p:txBody>
-          <a:bodyPr/>
-          <a:lstStyle/>
-          <a:p>
-            <a:r>
-              <a:rPr lang="en-US" dirty="0"/>
-              <a:t>Advanced models can also handle one-off events, like COVID. </a:t>
-            </a:r>
-          </a:p>
-          <a:p>
-            <a:r>
-              <a:rPr lang="en-US" dirty="0"/>
-              <a:t>The prophet API is generally setup to make this mostly pretty simple. </a:t>
-            </a:r>
-          </a:p>
-          <a:p>
-            <a:r>
-              <a:rPr lang="en-US" dirty="0"/>
-              <a:t>There are a bunch of similar options, mostly in a user friendly setup. </a:t>
-            </a:r>
-          </a:p>
-        </p:txBody>
-      </p:sp>
-      <p:pic>
-        <p:nvPicPr>
-          <p:cNvPr id="4" name="Picture 3">
-            <a:extLst>
-              <a:ext uri="{FF2B5EF4-FFF2-40B4-BE49-F238E27FC236}">
-                <a16:creationId xmlns:a16="http://schemas.microsoft.com/office/drawing/2014/main" id="{68A6968E-65C5-381D-B43F-886611A0193D}"/>
-              </a:ext>
-            </a:extLst>
-          </p:cNvPr>
-          <p:cNvPicPr>
-            <a:picLocks noChangeAspect="1"/>
-          </p:cNvPicPr>
-          <p:nvPr/>
-        </p:nvPicPr>
-        <p:blipFill>
-          <a:blip r:embed="rId2"/>
-          <a:stretch>
-            <a:fillRect/>
-          </a:stretch>
-        </p:blipFill>
-        <p:spPr>
-          <a:xfrm>
-            <a:off x="5276006" y="1293408"/>
-            <a:ext cx="6915993" cy="5564592"/>
-          </a:xfrm>
-          <a:prstGeom prst="rect">
-            <a:avLst/>
-          </a:prstGeom>
-        </p:spPr>
-      </p:pic>
+            <a:off x="1137147" y="1853754"/>
+            <a:ext cx="10243158" cy="4199727"/>
+          </a:xfrm>
+        </p:spPr>
+        <p:txBody>
+          <a:bodyPr/>
+          <a:lstStyle/>
+          <a:p>
+            <a:r>
+              <a:rPr lang="en-US" dirty="0"/>
+              <a:t>Modern models have much more capability than a simple ARIMA one. </a:t>
+            </a:r>
+          </a:p>
+          <a:p>
+            <a:pPr lvl="1"/>
+            <a:r>
+              <a:rPr lang="en-US" dirty="0"/>
+              <a:t>Large numbers of weights can capture less frequent or obvious patterns. </a:t>
+            </a:r>
+          </a:p>
+          <a:p>
+            <a:pPr lvl="1"/>
+            <a:r>
+              <a:rPr lang="en-US" dirty="0"/>
+              <a:t>In some cases (neural networks) models can learn things like the ARIMA patterns themselves. </a:t>
+            </a:r>
+          </a:p>
+          <a:p>
+            <a:r>
+              <a:rPr lang="en-US" dirty="0"/>
+              <a:t>Their capacity to learn is much larger - they have more weights, can learn complex patterns. </a:t>
+            </a:r>
+          </a:p>
+          <a:p>
+            <a:pPr lvl="1"/>
+            <a:r>
+              <a:rPr lang="en-US" dirty="0"/>
+              <a:t>Similar to a large tree (or NN) vs a linear regression – more flexible in learning and adapting. </a:t>
+            </a:r>
+          </a:p>
+          <a:p>
+            <a:pPr lvl="1"/>
+            <a:r>
+              <a:rPr lang="en-US" dirty="0"/>
+              <a:t>Rare events, ‘special’ times like holidays, longer cyclical patterns, </a:t>
+            </a:r>
+            <a:r>
+              <a:rPr lang="en-US" dirty="0" err="1"/>
+              <a:t>etc</a:t>
+            </a:r>
+            <a:r>
+              <a:rPr lang="en-US" dirty="0"/>
+              <a:t>…</a:t>
+            </a:r>
+          </a:p>
+          <a:p>
+            <a:pPr lvl="1"/>
+            <a:r>
+              <a:rPr lang="en-US" dirty="0"/>
+              <a:t>Much of the flexibility in the tools that helped language models also help here. </a:t>
+            </a:r>
+          </a:p>
+          <a:p>
+            <a:r>
+              <a:rPr lang="en-US" dirty="0"/>
+              <a:t>These models tend to work and interact more similar to what we’re used to (or NN-style). </a:t>
+            </a:r>
+          </a:p>
+          <a:p>
+            <a:pPr lvl="1"/>
+            <a:endParaRPr lang="en-US" dirty="0"/>
+          </a:p>
+        </p:txBody>
+      </p:sp>
     </p:spTree>
     <p:extLst>
       <p:ext uri="{BB962C8B-B14F-4D97-AF65-F5344CB8AC3E}">
-        <p14:creationId xmlns:p14="http://schemas.microsoft.com/office/powerpoint/2010/main" val="535332483"/>
+        <p14:creationId xmlns:p14="http://schemas.microsoft.com/office/powerpoint/2010/main" val="2969086212"/>
       </p:ext>
     </p:extLst>
   </p:cSld>
@@ -6006,7 +6032,7 @@
           <p:cNvPr id="2" name="Title 1">
             <a:extLst>
               <a:ext uri="{FF2B5EF4-FFF2-40B4-BE49-F238E27FC236}">
-                <a16:creationId xmlns:a16="http://schemas.microsoft.com/office/drawing/2014/main" id="{8AF700E2-E516-8380-3E0A-1F6BA99D292A}"/>
+                <a16:creationId xmlns:a16="http://schemas.microsoft.com/office/drawing/2014/main" id="{19192875-568E-E27F-EF8C-0E63853062C2}"/>
               </a:ext>
             </a:extLst>
           </p:cNvPr>
@@ -6024,7 +6050,7 @@
           <a:p>
             <a:r>
               <a:rPr lang="en-US" dirty="0"/>
-              <a:t>Determining a Time-Based Model</a:t>
+              <a:t>Facebook Prophet</a:t>
             </a:r>
           </a:p>
         </p:txBody>
@@ -6034,7 +6060,7 @@
           <p:cNvPr id="3" name="Content Placeholder 2">
             <a:extLst>
               <a:ext uri="{FF2B5EF4-FFF2-40B4-BE49-F238E27FC236}">
-                <a16:creationId xmlns:a16="http://schemas.microsoft.com/office/drawing/2014/main" id="{E7BF0C3A-CD10-279F-F31D-E045FE69291F}"/>
+                <a16:creationId xmlns:a16="http://schemas.microsoft.com/office/drawing/2014/main" id="{BBD86F92-A329-D6B9-24F3-6095A7021DE0}"/>
               </a:ext>
             </a:extLst>
           </p:cNvPr>
@@ -6047,71 +6073,73 @@
         </p:nvSpPr>
         <p:spPr>
           <a:xfrm>
-            <a:off x="1451579" y="1853754"/>
-            <a:ext cx="9603275" cy="4199727"/>
-          </a:xfrm>
-        </p:spPr>
-        <p:txBody>
-          <a:bodyPr/>
-          <a:lstStyle/>
-          <a:p>
-            <a:r>
-              <a:rPr lang="en-US" dirty="0"/>
-              <a:t>The approaches with time series modelling differ greatly – averages, regression, NNs…</a:t>
-            </a:r>
-          </a:p>
-          <a:p>
-            <a:r>
-              <a:rPr lang="en-US" dirty="0"/>
-              <a:t>Data processing becomes more open ended in some ways:</a:t>
+            <a:off x="1451579" y="2015732"/>
+            <a:ext cx="9603275" cy="4037749"/>
+          </a:xfrm>
+        </p:spPr>
+        <p:txBody>
+          <a:bodyPr>
+            <a:normAutofit lnSpcReduction="10000"/>
+          </a:bodyPr>
+          <a:lstStyle/>
+          <a:p>
+            <a:r>
+              <a:rPr lang="en-US" dirty="0"/>
+              <a:t>Facebook Prophet is a library that is well setup to handle common time-series problems:</a:t>
             </a:r>
           </a:p>
           <a:p>
             <a:pPr lvl="1"/>
             <a:r>
               <a:rPr lang="en-US" dirty="0"/>
-              <a:t>Time values may be transformed many ways – binned, time since last, duration, </a:t>
-            </a:r>
-            <a:r>
-              <a:rPr lang="en-US" dirty="0" err="1"/>
-              <a:t>etc</a:t>
-            </a:r>
-            <a:r>
-              <a:rPr lang="en-US" dirty="0"/>
-              <a:t>…</a:t>
-            </a:r>
-          </a:p>
-          <a:p>
-            <a:r>
-              <a:rPr lang="en-US" dirty="0"/>
-              <a:t>Framing of the problem is flexible, and requires domain and technical knowledge. </a:t>
+              <a:t>Handles events such as holidays, including custom lists. </a:t>
             </a:r>
           </a:p>
           <a:p>
             <a:pPr lvl="1"/>
             <a:r>
               <a:rPr lang="en-US" dirty="0"/>
-              <a:t>Some problems may be framed in different ways. </a:t>
+              <a:t>Can be set to anticipate change points, e.g. product launches. </a:t>
             </a:r>
           </a:p>
           <a:p>
             <a:pPr lvl="1"/>
             <a:r>
               <a:rPr lang="en-US" dirty="0"/>
-              <a:t>A CC fraud model may look at time of day, time since last purchase, or both as features. </a:t>
+              <a:t>Provides useful things like plotting and cross validation. </a:t>
             </a:r>
           </a:p>
           <a:p>
             <a:pPr lvl="1"/>
             <a:r>
               <a:rPr lang="en-US" dirty="0"/>
-              <a:t>A “crime predictor” could be a regression that predicts #crimes/day as a target, or a time series that predicts the same thing, just oriented differently. </a:t>
-            </a:r>
-          </a:p>
-          <a:p>
-            <a:r>
-              <a:rPr lang="en-US" dirty="0"/>
-              <a:t>Feature selection here tends to be much more critical than with regression/classification.</a:t>
+              <a:t>Can handle additional regressors. </a:t>
+            </a:r>
+          </a:p>
+          <a:p>
+            <a:r>
+              <a:rPr lang="en-US" dirty="0"/>
+              <a:t>We can use a Prophet model much like the above models, with slightly different syntax. </a:t>
+            </a:r>
+          </a:p>
+          <a:p>
+            <a:r>
+              <a:rPr lang="en-US" dirty="0"/>
+              <a:t>There are several other libraries that handle time-series data similarly. </a:t>
+            </a:r>
+          </a:p>
+          <a:p>
+            <a:pPr lvl="1"/>
+            <a:r>
+              <a:rPr lang="en-US" dirty="0"/>
+              <a:t>Modern implementations are based on recurrent neural networks (RNNs) or transformer based neural networks. </a:t>
+            </a:r>
+          </a:p>
+          <a:p>
+            <a:pPr lvl="1"/>
+            <a:r>
+              <a:rPr lang="en-US" dirty="0"/>
+              <a:t>Neural networks well suited to sequential data. Seen with language models. </a:t>
             </a:r>
           </a:p>
         </p:txBody>
@@ -6119,7 +6147,7 @@
     </p:spTree>
     <p:extLst>
       <p:ext uri="{BB962C8B-B14F-4D97-AF65-F5344CB8AC3E}">
-        <p14:creationId xmlns:p14="http://schemas.microsoft.com/office/powerpoint/2010/main" val="2298263993"/>
+        <p14:creationId xmlns:p14="http://schemas.microsoft.com/office/powerpoint/2010/main" val="910616763"/>
       </p:ext>
     </p:extLst>
   </p:cSld>
@@ -6151,7 +6179,7 @@
           <p:cNvPr id="2" name="Title 1">
             <a:extLst>
               <a:ext uri="{FF2B5EF4-FFF2-40B4-BE49-F238E27FC236}">
-                <a16:creationId xmlns:a16="http://schemas.microsoft.com/office/drawing/2014/main" id="{C965BD4C-1366-F7CE-BB72-33EBDC782A79}"/>
+                <a16:creationId xmlns:a16="http://schemas.microsoft.com/office/drawing/2014/main" id="{05D6CAF4-B7BD-3D4A-E7EF-B81C2728AC84}"/>
               </a:ext>
             </a:extLst>
           </p:cNvPr>
@@ -6169,7 +6197,7 @@
           <a:p>
             <a:r>
               <a:rPr lang="en-US" dirty="0"/>
-              <a:t>Time Series Conclusion</a:t>
+              <a:t>Prophet Models</a:t>
             </a:r>
           </a:p>
         </p:txBody>
@@ -6179,7 +6207,7 @@
           <p:cNvPr id="3" name="Content Placeholder 2">
             <a:extLst>
               <a:ext uri="{FF2B5EF4-FFF2-40B4-BE49-F238E27FC236}">
-                <a16:creationId xmlns:a16="http://schemas.microsoft.com/office/drawing/2014/main" id="{C6023275-8696-EE31-2C2B-7B9C2E9A520D}"/>
+                <a16:creationId xmlns:a16="http://schemas.microsoft.com/office/drawing/2014/main" id="{B9B321EA-9285-DAEB-262C-04F24DE125D0}"/>
               </a:ext>
             </a:extLst>
           </p:cNvPr>
@@ -6192,57 +6220,71 @@
         </p:nvSpPr>
         <p:spPr>
           <a:xfrm>
-            <a:off x="1271239" y="1925904"/>
-            <a:ext cx="10136459" cy="4127577"/>
-          </a:xfrm>
-        </p:spPr>
-        <p:txBody>
-          <a:bodyPr/>
-          <a:lstStyle/>
-          <a:p>
-            <a:r>
-              <a:rPr lang="en-US" dirty="0"/>
-              <a:t>Sequential or time-series data requires a slightly different approach to predictions. </a:t>
+            <a:off x="1451579" y="2015732"/>
+            <a:ext cx="9603275" cy="4037749"/>
+          </a:xfrm>
+        </p:spPr>
+        <p:txBody>
+          <a:bodyPr/>
+          <a:lstStyle/>
+          <a:p>
+            <a:r>
+              <a:rPr lang="en-US" dirty="0"/>
+              <a:t>The prophet library makes many of the time series things we may need, easier. </a:t>
+            </a:r>
+          </a:p>
+          <a:p>
+            <a:r>
+              <a:rPr lang="en-US" dirty="0"/>
+              <a:t>Dealing with </a:t>
+            </a:r>
+            <a:r>
+              <a:rPr lang="en-US" dirty="0" err="1"/>
+              <a:t>statationality</a:t>
+            </a:r>
+            <a:r>
+              <a:rPr lang="en-US" dirty="0"/>
+              <a:t> without a bunch of transformations. </a:t>
+            </a:r>
+          </a:p>
+          <a:p>
+            <a:r>
+              <a:rPr lang="en-US" dirty="0"/>
+              <a:t>Accommodating common date-related stuff:</a:t>
             </a:r>
           </a:p>
           <a:p>
             <a:pPr lvl="1"/>
             <a:r>
               <a:rPr lang="en-US" dirty="0"/>
-              <a:t>Simple models only have one value, and we attempt to make a model that captures its patterns. </a:t>
+              <a:t>Days, weeks, months, weekends, etc..</a:t>
+            </a:r>
+          </a:p>
+          <a:p>
+            <a:r>
+              <a:rPr lang="en-US" dirty="0"/>
+              <a:t>Handling common real-life concerns:</a:t>
             </a:r>
           </a:p>
           <a:p>
             <a:pPr lvl="1"/>
             <a:r>
               <a:rPr lang="en-US" dirty="0"/>
-              <a:t>Larger models require some ad-hoc dataset construction to make sense. </a:t>
-            </a:r>
-          </a:p>
-          <a:p>
-            <a:pPr lvl="1"/>
-            <a:r>
-              <a:rPr lang="en-US" dirty="0"/>
-              <a:t>Time-series often requires different, and more, data prep before we can model. </a:t>
-            </a:r>
-          </a:p>
-          <a:p>
-            <a:r>
-              <a:rPr lang="en-US" dirty="0"/>
-              <a:t>Rule-of-Thumb – start with a simple model, and complexity if needed. </a:t>
-            </a:r>
-          </a:p>
-          <a:p>
-            <a:r>
-              <a:rPr lang="en-US" dirty="0"/>
-              <a:t>Time-series models are rapidly developing with language/translation and other generative models. </a:t>
-            </a:r>
-          </a:p>
-          <a:p>
-            <a:pPr lvl="1"/>
-            <a:r>
-              <a:rPr lang="en-US" dirty="0"/>
-              <a:t>Any time there’s a direct dependence on “the last time”, these ideas apply. </a:t>
+              <a:t>Events, holidays, </a:t>
+            </a:r>
+            <a:r>
+              <a:rPr lang="en-US" dirty="0" err="1"/>
+              <a:t>etc</a:t>
+            </a:r>
+            <a:r>
+              <a:rPr lang="en-US" dirty="0"/>
+              <a:t>….</a:t>
+            </a:r>
+          </a:p>
+          <a:p>
+            <a:r>
+              <a:rPr lang="en-US" dirty="0"/>
+              <a:t>Can incorporate additional predictors – expand dimensionality. </a:t>
             </a:r>
           </a:p>
         </p:txBody>
@@ -6250,7 +6292,430 @@
     </p:spTree>
     <p:extLst>
       <p:ext uri="{BB962C8B-B14F-4D97-AF65-F5344CB8AC3E}">
-        <p14:creationId xmlns:p14="http://schemas.microsoft.com/office/powerpoint/2010/main" val="164357066"/>
+        <p14:creationId xmlns:p14="http://schemas.microsoft.com/office/powerpoint/2010/main" val="2883628601"/>
+      </p:ext>
+    </p:extLst>
+  </p:cSld>
+  <p:clrMapOvr>
+    <a:masterClrMapping/>
+  </p:clrMapOvr>
+</p:sld>
+</file>
+
+<file path=ppt/slides/slide27.xml><?xml version="1.0" encoding="utf-8"?>
+<p:sld xmlns:a="http://schemas.openxmlformats.org/drawingml/2006/main" xmlns:r="http://schemas.openxmlformats.org/officeDocument/2006/relationships" xmlns:p="http://schemas.openxmlformats.org/presentationml/2006/main">
+  <p:cSld>
+    <p:spTree>
+      <p:nvGrpSpPr>
+        <p:cNvPr id="1" name=""/>
+        <p:cNvGrpSpPr/>
+        <p:nvPr/>
+      </p:nvGrpSpPr>
+      <p:grpSpPr>
+        <a:xfrm>
+          <a:off x="0" y="0"/>
+          <a:ext cx="0" cy="0"/>
+          <a:chOff x="0" y="0"/>
+          <a:chExt cx="0" cy="0"/>
+        </a:xfrm>
+      </p:grpSpPr>
+      <p:sp>
+        <p:nvSpPr>
+          <p:cNvPr id="2" name="Title 1">
+            <a:extLst>
+              <a:ext uri="{FF2B5EF4-FFF2-40B4-BE49-F238E27FC236}">
+                <a16:creationId xmlns:a16="http://schemas.microsoft.com/office/drawing/2014/main" id="{44FF2E50-6EDB-B2D2-D936-C7FAD2E53B07}"/>
+              </a:ext>
+            </a:extLst>
+          </p:cNvPr>
+          <p:cNvSpPr>
+            <a:spLocks noGrp="1"/>
+          </p:cNvSpPr>
+          <p:nvPr>
+            <p:ph type="title"/>
+          </p:nvPr>
+        </p:nvSpPr>
+        <p:spPr/>
+        <p:txBody>
+          <a:bodyPr/>
+          <a:lstStyle/>
+          <a:p>
+            <a:r>
+              <a:rPr lang="en-US" dirty="0"/>
+              <a:t>Additional Regressors</a:t>
+            </a:r>
+          </a:p>
+        </p:txBody>
+      </p:sp>
+      <p:sp>
+        <p:nvSpPr>
+          <p:cNvPr id="3" name="Content Placeholder 2">
+            <a:extLst>
+              <a:ext uri="{FF2B5EF4-FFF2-40B4-BE49-F238E27FC236}">
+                <a16:creationId xmlns:a16="http://schemas.microsoft.com/office/drawing/2014/main" id="{AE53330D-6FAA-AD5C-6553-A18C115B0B20}"/>
+              </a:ext>
+            </a:extLst>
+          </p:cNvPr>
+          <p:cNvSpPr>
+            <a:spLocks noGrp="1"/>
+          </p:cNvSpPr>
+          <p:nvPr>
+            <p:ph idx="1"/>
+          </p:nvPr>
+        </p:nvSpPr>
+        <p:spPr>
+          <a:xfrm>
+            <a:off x="1451579" y="1853754"/>
+            <a:ext cx="9603275" cy="4199727"/>
+          </a:xfrm>
+        </p:spPr>
+        <p:txBody>
+          <a:bodyPr/>
+          <a:lstStyle/>
+          <a:p>
+            <a:r>
+              <a:rPr lang="en-US" dirty="0"/>
+              <a:t>Much like a classification or regression we can have multiple features. </a:t>
+            </a:r>
+          </a:p>
+          <a:p>
+            <a:r>
+              <a:rPr lang="en-US" dirty="0"/>
+              <a:t>With a time-series we can add more regressors (using Prophet). </a:t>
+            </a:r>
+          </a:p>
+          <a:p>
+            <a:r>
+              <a:rPr lang="en-US" dirty="0"/>
+              <a:t>The regressors must exist for the data that we’re predicting. </a:t>
+            </a:r>
+          </a:p>
+          <a:p>
+            <a:pPr lvl="1"/>
+            <a:r>
+              <a:rPr lang="en-US" dirty="0"/>
+              <a:t>E.g. if we are using the barometric pressure to predict the temp next week, we need to have that pressure value as an input. </a:t>
+            </a:r>
+          </a:p>
+          <a:p>
+            <a:pPr lvl="1"/>
+            <a:r>
+              <a:rPr lang="en-US" dirty="0"/>
+              <a:t>This is the main drawback to adding regressors to time series models – we don’t know them.</a:t>
+            </a:r>
+          </a:p>
+          <a:p>
+            <a:pPr lvl="1"/>
+            <a:r>
+              <a:rPr lang="en-US" dirty="0"/>
+              <a:t>We can make a forecast for those values, or construct regressors that can be known in advance (e.g. average past 3 days of barometric pressure.)</a:t>
+            </a:r>
+          </a:p>
+          <a:p>
+            <a:r>
+              <a:rPr lang="en-US" dirty="0"/>
+              <a:t>Many times, even if these regressors add more info, we don’t have a way to create a model that properly captures that info properly. Simple may be better. </a:t>
+            </a:r>
+          </a:p>
+        </p:txBody>
+      </p:sp>
+    </p:spTree>
+    <p:extLst>
+      <p:ext uri="{BB962C8B-B14F-4D97-AF65-F5344CB8AC3E}">
+        <p14:creationId xmlns:p14="http://schemas.microsoft.com/office/powerpoint/2010/main" val="583412968"/>
+      </p:ext>
+    </p:extLst>
+  </p:cSld>
+  <p:clrMapOvr>
+    <a:masterClrMapping/>
+  </p:clrMapOvr>
+</p:sld>
+</file>
+
+<file path=ppt/slides/slide28.xml><?xml version="1.0" encoding="utf-8"?>
+<p:sld xmlns:a="http://schemas.openxmlformats.org/drawingml/2006/main" xmlns:r="http://schemas.openxmlformats.org/officeDocument/2006/relationships" xmlns:p="http://schemas.openxmlformats.org/presentationml/2006/main">
+  <p:cSld>
+    <p:spTree>
+      <p:nvGrpSpPr>
+        <p:cNvPr id="1" name=""/>
+        <p:cNvGrpSpPr/>
+        <p:nvPr/>
+      </p:nvGrpSpPr>
+      <p:grpSpPr>
+        <a:xfrm>
+          <a:off x="0" y="0"/>
+          <a:ext cx="0" cy="0"/>
+          <a:chOff x="0" y="0"/>
+          <a:chExt cx="0" cy="0"/>
+        </a:xfrm>
+      </p:grpSpPr>
+      <p:sp>
+        <p:nvSpPr>
+          <p:cNvPr id="2" name="Title 1">
+            <a:extLst>
+              <a:ext uri="{FF2B5EF4-FFF2-40B4-BE49-F238E27FC236}">
+                <a16:creationId xmlns:a16="http://schemas.microsoft.com/office/drawing/2014/main" id="{B8192152-25FD-3B93-1014-91BD46D3B2FF}"/>
+              </a:ext>
+            </a:extLst>
+          </p:cNvPr>
+          <p:cNvSpPr>
+            <a:spLocks noGrp="1"/>
+          </p:cNvSpPr>
+          <p:nvPr>
+            <p:ph type="title"/>
+          </p:nvPr>
+        </p:nvSpPr>
+        <p:spPr/>
+        <p:txBody>
+          <a:bodyPr/>
+          <a:lstStyle/>
+          <a:p>
+            <a:r>
+              <a:rPr lang="en-US" dirty="0"/>
+              <a:t>Other Considerations</a:t>
+            </a:r>
+          </a:p>
+        </p:txBody>
+      </p:sp>
+      <p:sp>
+        <p:nvSpPr>
+          <p:cNvPr id="3" name="Content Placeholder 2">
+            <a:extLst>
+              <a:ext uri="{FF2B5EF4-FFF2-40B4-BE49-F238E27FC236}">
+                <a16:creationId xmlns:a16="http://schemas.microsoft.com/office/drawing/2014/main" id="{D2D9FF42-655F-EB33-930F-0C71AFC5EB29}"/>
+              </a:ext>
+            </a:extLst>
+          </p:cNvPr>
+          <p:cNvSpPr>
+            <a:spLocks noGrp="1"/>
+          </p:cNvSpPr>
+          <p:nvPr>
+            <p:ph idx="1"/>
+          </p:nvPr>
+        </p:nvSpPr>
+        <p:spPr>
+          <a:xfrm>
+            <a:off x="388419" y="2015732"/>
+            <a:ext cx="4887588" cy="4037749"/>
+          </a:xfrm>
+        </p:spPr>
+        <p:txBody>
+          <a:bodyPr/>
+          <a:lstStyle/>
+          <a:p>
+            <a:r>
+              <a:rPr lang="en-US" dirty="0"/>
+              <a:t>Advanced models can also handle one-off events, like COVID. </a:t>
+            </a:r>
+          </a:p>
+          <a:p>
+            <a:r>
+              <a:rPr lang="en-US" dirty="0"/>
+              <a:t>The prophet API is generally setup to make this mostly pretty simple. </a:t>
+            </a:r>
+          </a:p>
+          <a:p>
+            <a:r>
+              <a:rPr lang="en-US" dirty="0"/>
+              <a:t>There are a bunch of similar options, mostly in a user-friendly setup. </a:t>
+            </a:r>
+          </a:p>
+          <a:p>
+            <a:pPr lvl="1"/>
+            <a:r>
+              <a:rPr lang="en-US" dirty="0"/>
+              <a:t>Events, weekends, </a:t>
+            </a:r>
+            <a:r>
+              <a:rPr lang="en-US" dirty="0" err="1"/>
+              <a:t>etc</a:t>
+            </a:r>
+            <a:r>
+              <a:rPr lang="en-US" dirty="0"/>
+              <a:t>…</a:t>
+            </a:r>
+          </a:p>
+        </p:txBody>
+      </p:sp>
+      <p:pic>
+        <p:nvPicPr>
+          <p:cNvPr id="4" name="Picture 3">
+            <a:extLst>
+              <a:ext uri="{FF2B5EF4-FFF2-40B4-BE49-F238E27FC236}">
+                <a16:creationId xmlns:a16="http://schemas.microsoft.com/office/drawing/2014/main" id="{68A6968E-65C5-381D-B43F-886611A0193D}"/>
+              </a:ext>
+            </a:extLst>
+          </p:cNvPr>
+          <p:cNvPicPr>
+            <a:picLocks noChangeAspect="1"/>
+          </p:cNvPicPr>
+          <p:nvPr/>
+        </p:nvPicPr>
+        <p:blipFill>
+          <a:blip r:embed="rId2"/>
+          <a:stretch>
+            <a:fillRect/>
+          </a:stretch>
+        </p:blipFill>
+        <p:spPr>
+          <a:xfrm>
+            <a:off x="5276006" y="1293408"/>
+            <a:ext cx="6915993" cy="5564592"/>
+          </a:xfrm>
+          <a:prstGeom prst="rect">
+            <a:avLst/>
+          </a:prstGeom>
+        </p:spPr>
+      </p:pic>
+    </p:spTree>
+    <p:extLst>
+      <p:ext uri="{BB962C8B-B14F-4D97-AF65-F5344CB8AC3E}">
+        <p14:creationId xmlns:p14="http://schemas.microsoft.com/office/powerpoint/2010/main" val="535332483"/>
+      </p:ext>
+    </p:extLst>
+  </p:cSld>
+  <p:clrMapOvr>
+    <a:masterClrMapping/>
+  </p:clrMapOvr>
+</p:sld>
+</file>
+
+<file path=ppt/slides/slide29.xml><?xml version="1.0" encoding="utf-8"?>
+<p:sld xmlns:a="http://schemas.openxmlformats.org/drawingml/2006/main" xmlns:r="http://schemas.openxmlformats.org/officeDocument/2006/relationships" xmlns:p="http://schemas.openxmlformats.org/presentationml/2006/main">
+  <p:cSld>
+    <p:spTree>
+      <p:nvGrpSpPr>
+        <p:cNvPr id="1" name=""/>
+        <p:cNvGrpSpPr/>
+        <p:nvPr/>
+      </p:nvGrpSpPr>
+      <p:grpSpPr>
+        <a:xfrm>
+          <a:off x="0" y="0"/>
+          <a:ext cx="0" cy="0"/>
+          <a:chOff x="0" y="0"/>
+          <a:chExt cx="0" cy="0"/>
+        </a:xfrm>
+      </p:grpSpPr>
+      <p:sp>
+        <p:nvSpPr>
+          <p:cNvPr id="2" name="Title 1">
+            <a:extLst>
+              <a:ext uri="{FF2B5EF4-FFF2-40B4-BE49-F238E27FC236}">
+                <a16:creationId xmlns:a16="http://schemas.microsoft.com/office/drawing/2014/main" id="{8AF700E2-E516-8380-3E0A-1F6BA99D292A}"/>
+              </a:ext>
+            </a:extLst>
+          </p:cNvPr>
+          <p:cNvSpPr>
+            <a:spLocks noGrp="1"/>
+          </p:cNvSpPr>
+          <p:nvPr>
+            <p:ph type="title"/>
+          </p:nvPr>
+        </p:nvSpPr>
+        <p:spPr/>
+        <p:txBody>
+          <a:bodyPr/>
+          <a:lstStyle/>
+          <a:p>
+            <a:r>
+              <a:rPr lang="en-US" dirty="0"/>
+              <a:t>Determining a Time-Based Model to Use</a:t>
+            </a:r>
+          </a:p>
+        </p:txBody>
+      </p:sp>
+      <p:sp>
+        <p:nvSpPr>
+          <p:cNvPr id="3" name="Content Placeholder 2">
+            <a:extLst>
+              <a:ext uri="{FF2B5EF4-FFF2-40B4-BE49-F238E27FC236}">
+                <a16:creationId xmlns:a16="http://schemas.microsoft.com/office/drawing/2014/main" id="{E7BF0C3A-CD10-279F-F31D-E045FE69291F}"/>
+              </a:ext>
+            </a:extLst>
+          </p:cNvPr>
+          <p:cNvSpPr>
+            <a:spLocks noGrp="1"/>
+          </p:cNvSpPr>
+          <p:nvPr>
+            <p:ph idx="1"/>
+          </p:nvPr>
+        </p:nvSpPr>
+        <p:spPr>
+          <a:xfrm>
+            <a:off x="1254265" y="1853754"/>
+            <a:ext cx="9800589" cy="4199727"/>
+          </a:xfrm>
+        </p:spPr>
+        <p:txBody>
+          <a:bodyPr/>
+          <a:lstStyle/>
+          <a:p>
+            <a:r>
+              <a:rPr lang="en-US" dirty="0"/>
+              <a:t>The approaches with time series modelling differ greatly – averages, regression, NNs…</a:t>
+            </a:r>
+          </a:p>
+          <a:p>
+            <a:r>
+              <a:rPr lang="en-US" dirty="0"/>
+              <a:t>Data processing becomes more open ended in some ways:</a:t>
+            </a:r>
+          </a:p>
+          <a:p>
+            <a:pPr lvl="1"/>
+            <a:r>
+              <a:rPr lang="en-US" dirty="0"/>
+              <a:t>Time values may be transformed many ways – binned, time since last, duration, </a:t>
+            </a:r>
+            <a:r>
+              <a:rPr lang="en-US" dirty="0" err="1"/>
+              <a:t>etc</a:t>
+            </a:r>
+            <a:r>
+              <a:rPr lang="en-US" dirty="0"/>
+              <a:t>…</a:t>
+            </a:r>
+          </a:p>
+          <a:p>
+            <a:r>
+              <a:rPr lang="en-US" dirty="0"/>
+              <a:t>Framing of the problem is flexible, and requires domain and technical knowledge. </a:t>
+            </a:r>
+          </a:p>
+          <a:p>
+            <a:pPr lvl="1"/>
+            <a:r>
+              <a:rPr lang="en-US" dirty="0"/>
+              <a:t>Some problems may be framed in different ways. </a:t>
+            </a:r>
+          </a:p>
+          <a:p>
+            <a:pPr lvl="1"/>
+            <a:r>
+              <a:rPr lang="en-US" dirty="0"/>
+              <a:t>A CC fraud model may look at time of day, time since last purchase, or both as features. </a:t>
+            </a:r>
+          </a:p>
+          <a:p>
+            <a:pPr lvl="1"/>
+            <a:r>
+              <a:rPr lang="en-US" dirty="0"/>
+              <a:t>A “crime predictor” could be a regression that predicts #crimes/day as a target, or a time series that predicts the same thing, just oriented differently. </a:t>
+            </a:r>
+          </a:p>
+          <a:p>
+            <a:r>
+              <a:rPr lang="en-US" dirty="0"/>
+              <a:t>Feature selection here tends to be much more selective than with regression/classification.</a:t>
+            </a:r>
+          </a:p>
+        </p:txBody>
+      </p:sp>
+    </p:spTree>
+    <p:extLst>
+      <p:ext uri="{BB962C8B-B14F-4D97-AF65-F5344CB8AC3E}">
+        <p14:creationId xmlns:p14="http://schemas.microsoft.com/office/powerpoint/2010/main" val="2298263993"/>
       </p:ext>
     </p:extLst>
   </p:cSld>
@@ -6334,6 +6799,137 @@
     <p:extLst>
       <p:ext uri="{BB962C8B-B14F-4D97-AF65-F5344CB8AC3E}">
         <p14:creationId xmlns:p14="http://schemas.microsoft.com/office/powerpoint/2010/main" val="3614949151"/>
+      </p:ext>
+    </p:extLst>
+  </p:cSld>
+  <p:clrMapOvr>
+    <a:masterClrMapping/>
+  </p:clrMapOvr>
+</p:sld>
+</file>
+
+<file path=ppt/slides/slide30.xml><?xml version="1.0" encoding="utf-8"?>
+<p:sld xmlns:a="http://schemas.openxmlformats.org/drawingml/2006/main" xmlns:r="http://schemas.openxmlformats.org/officeDocument/2006/relationships" xmlns:p="http://schemas.openxmlformats.org/presentationml/2006/main">
+  <p:cSld>
+    <p:spTree>
+      <p:nvGrpSpPr>
+        <p:cNvPr id="1" name=""/>
+        <p:cNvGrpSpPr/>
+        <p:nvPr/>
+      </p:nvGrpSpPr>
+      <p:grpSpPr>
+        <a:xfrm>
+          <a:off x="0" y="0"/>
+          <a:ext cx="0" cy="0"/>
+          <a:chOff x="0" y="0"/>
+          <a:chExt cx="0" cy="0"/>
+        </a:xfrm>
+      </p:grpSpPr>
+      <p:sp>
+        <p:nvSpPr>
+          <p:cNvPr id="2" name="Title 1">
+            <a:extLst>
+              <a:ext uri="{FF2B5EF4-FFF2-40B4-BE49-F238E27FC236}">
+                <a16:creationId xmlns:a16="http://schemas.microsoft.com/office/drawing/2014/main" id="{C965BD4C-1366-F7CE-BB72-33EBDC782A79}"/>
+              </a:ext>
+            </a:extLst>
+          </p:cNvPr>
+          <p:cNvSpPr>
+            <a:spLocks noGrp="1"/>
+          </p:cNvSpPr>
+          <p:nvPr>
+            <p:ph type="title"/>
+          </p:nvPr>
+        </p:nvSpPr>
+        <p:spPr/>
+        <p:txBody>
+          <a:bodyPr/>
+          <a:lstStyle/>
+          <a:p>
+            <a:r>
+              <a:rPr lang="en-US" dirty="0"/>
+              <a:t>Time Series Conclusion</a:t>
+            </a:r>
+          </a:p>
+        </p:txBody>
+      </p:sp>
+      <p:sp>
+        <p:nvSpPr>
+          <p:cNvPr id="3" name="Content Placeholder 2">
+            <a:extLst>
+              <a:ext uri="{FF2B5EF4-FFF2-40B4-BE49-F238E27FC236}">
+                <a16:creationId xmlns:a16="http://schemas.microsoft.com/office/drawing/2014/main" id="{C6023275-8696-EE31-2C2B-7B9C2E9A520D}"/>
+              </a:ext>
+            </a:extLst>
+          </p:cNvPr>
+          <p:cNvSpPr>
+            <a:spLocks noGrp="1"/>
+          </p:cNvSpPr>
+          <p:nvPr>
+            <p:ph idx="1"/>
+          </p:nvPr>
+        </p:nvSpPr>
+        <p:spPr>
+          <a:xfrm>
+            <a:off x="1271239" y="1925904"/>
+            <a:ext cx="10136459" cy="4127577"/>
+          </a:xfrm>
+        </p:spPr>
+        <p:txBody>
+          <a:bodyPr/>
+          <a:lstStyle/>
+          <a:p>
+            <a:r>
+              <a:rPr lang="en-US" dirty="0"/>
+              <a:t>Sequential or time-series data requires a slightly different approach to predictions. </a:t>
+            </a:r>
+          </a:p>
+          <a:p>
+            <a:pPr lvl="1"/>
+            <a:r>
+              <a:rPr lang="en-US" dirty="0"/>
+              <a:t>Simple models only have one value, and we attempt to make a model that captures its patterns. </a:t>
+            </a:r>
+          </a:p>
+          <a:p>
+            <a:pPr lvl="1"/>
+            <a:r>
+              <a:rPr lang="en-US" dirty="0"/>
+              <a:t>Larger models require some ad-hoc dataset construction to make sense. </a:t>
+            </a:r>
+          </a:p>
+          <a:p>
+            <a:pPr lvl="1"/>
+            <a:r>
+              <a:rPr lang="en-US" dirty="0"/>
+              <a:t>Time-series often requires different, and more, data prep before we can model. </a:t>
+            </a:r>
+          </a:p>
+          <a:p>
+            <a:r>
+              <a:rPr lang="en-US" dirty="0"/>
+              <a:t>Rule-of-Thumb – start with a simple model, and complexity if needed. </a:t>
+            </a:r>
+          </a:p>
+          <a:p>
+            <a:r>
+              <a:rPr lang="en-US" dirty="0"/>
+              <a:t>Time-series models are rapidly developing with language/translation and other generative models. </a:t>
+            </a:r>
+          </a:p>
+          <a:p>
+            <a:pPr lvl="1"/>
+            <a:r>
+              <a:rPr lang="en-US" dirty="0"/>
+              <a:t>Any time there’s a direct dependence on “the last time”, these ideas apply. </a:t>
+            </a:r>
+          </a:p>
+        </p:txBody>
+      </p:sp>
+    </p:spTree>
+    <p:extLst>
+      <p:ext uri="{BB962C8B-B14F-4D97-AF65-F5344CB8AC3E}">
+        <p14:creationId xmlns:p14="http://schemas.microsoft.com/office/powerpoint/2010/main" val="164357066"/>
       </p:ext>
     </p:extLst>
   </p:cSld>
